--- a/articles/assets/flextable/flextable.pptx
+++ b/articles/assets/flextable/flextable.pptx
@@ -292,7 +292,7 @@
           <a:p>
             <a:fld id="{E6744CE3-0875-4B69-89C0-6F72D8139561}" type="datetimeFigureOut">
               <a:rPr lang="en-GB" smtClean="0"/>
-              <a:t>10/04/17</a:t>
+              <a:t>26/05/17</a:t>
             </a:fld>
             <a:endParaRPr lang="en-GB"/>
           </a:p>
@@ -344,356 +344,6 @@
     <p:extLst>
       <p:ext uri="{BB962C8B-B14F-4D97-AF65-F5344CB8AC3E}">
         <p14:creationId xmlns:p14="http://schemas.microsoft.com/office/powerpoint/2010/main" val="4214881138"/>
-      </p:ext>
-    </p:extLst>
-  </p:cSld>
-  <p:clrMapOvr>
-    <a:masterClrMapping/>
-  </p:clrMapOvr>
-</p:sldLayout>
-</file>
-
-<file path=ppt/slideLayouts/slideLayout10.xml><?xml version="1.0" encoding="utf-8"?>
-<p:sldLayout xmlns:a="http://schemas.openxmlformats.org/drawingml/2006/main" xmlns:r="http://schemas.openxmlformats.org/officeDocument/2006/relationships" xmlns:p="http://schemas.openxmlformats.org/presentationml/2006/main" type="vertTx" preserve="1">
-  <p:cSld name="Title and Vertical Text">
-    <p:spTree>
-      <p:nvGrpSpPr>
-        <p:cNvPr id="1" name=""/>
-        <p:cNvGrpSpPr/>
-        <p:nvPr/>
-      </p:nvGrpSpPr>
-      <p:grpSpPr>
-        <a:xfrm>
-          <a:off x="0" y="0"/>
-          <a:ext cx="0" cy="0"/>
-          <a:chOff x="0" y="0"/>
-          <a:chExt cx="0" cy="0"/>
-        </a:xfrm>
-      </p:grpSpPr>
-      <p:sp>
-        <p:nvSpPr>
-          <p:cNvPr id="2" name="Title 1"/>
-          <p:cNvSpPr>
-            <a:spLocks noGrp="1"/>
-          </p:cNvSpPr>
-          <p:nvPr>
-            <p:ph type="title"/>
-          </p:nvPr>
-        </p:nvSpPr>
-        <p:spPr/>
-        <p:txBody>
-          <a:bodyPr/>
-          <a:lstStyle/>
-          <a:p>
-            <a:r>
-              <a:rPr lang="en-US" smtClean="0"/>
-              <a:t>Click to edit Master title style</a:t>
-            </a:r>
-            <a:endParaRPr lang="en-GB"/>
-          </a:p>
-        </p:txBody>
-      </p:sp>
-      <p:sp>
-        <p:nvSpPr>
-          <p:cNvPr id="3" name="Vertical Text Placeholder 2"/>
-          <p:cNvSpPr>
-            <a:spLocks noGrp="1"/>
-          </p:cNvSpPr>
-          <p:nvPr>
-            <p:ph type="body" orient="vert" idx="1"/>
-          </p:nvPr>
-        </p:nvSpPr>
-        <p:spPr/>
-        <p:txBody>
-          <a:bodyPr vert="eaVert"/>
-          <a:lstStyle/>
-          <a:p>
-            <a:pPr lvl="0"/>
-            <a:r>
-              <a:rPr lang="en-US" smtClean="0"/>
-              <a:t>Click to edit Master text styles</a:t>
-            </a:r>
-          </a:p>
-          <a:p>
-            <a:pPr lvl="1"/>
-            <a:r>
-              <a:rPr lang="en-US" smtClean="0"/>
-              <a:t>Second level</a:t>
-            </a:r>
-          </a:p>
-          <a:p>
-            <a:pPr lvl="2"/>
-            <a:r>
-              <a:rPr lang="en-US" smtClean="0"/>
-              <a:t>Third level</a:t>
-            </a:r>
-          </a:p>
-          <a:p>
-            <a:pPr lvl="3"/>
-            <a:r>
-              <a:rPr lang="en-US" smtClean="0"/>
-              <a:t>Fourth level</a:t>
-            </a:r>
-          </a:p>
-          <a:p>
-            <a:pPr lvl="4"/>
-            <a:r>
-              <a:rPr lang="en-US" smtClean="0"/>
-              <a:t>Fifth level</a:t>
-            </a:r>
-            <a:endParaRPr lang="en-GB"/>
-          </a:p>
-        </p:txBody>
-      </p:sp>
-      <p:sp>
-        <p:nvSpPr>
-          <p:cNvPr id="4" name="Date Placeholder 3"/>
-          <p:cNvSpPr>
-            <a:spLocks noGrp="1"/>
-          </p:cNvSpPr>
-          <p:nvPr>
-            <p:ph type="dt" sz="half" idx="10"/>
-          </p:nvPr>
-        </p:nvSpPr>
-        <p:spPr/>
-        <p:txBody>
-          <a:bodyPr/>
-          <a:lstStyle/>
-          <a:p>
-            <a:fld id="{E6744CE3-0875-4B69-89C0-6F72D8139561}" type="datetimeFigureOut">
-              <a:rPr lang="en-GB" smtClean="0"/>
-              <a:t>10/04/17</a:t>
-            </a:fld>
-            <a:endParaRPr lang="en-GB"/>
-          </a:p>
-        </p:txBody>
-      </p:sp>
-      <p:sp>
-        <p:nvSpPr>
-          <p:cNvPr id="5" name="Footer Placeholder 4"/>
-          <p:cNvSpPr>
-            <a:spLocks noGrp="1"/>
-          </p:cNvSpPr>
-          <p:nvPr>
-            <p:ph type="ftr" sz="quarter" idx="11"/>
-          </p:nvPr>
-        </p:nvSpPr>
-        <p:spPr/>
-        <p:txBody>
-          <a:bodyPr/>
-          <a:lstStyle/>
-          <a:p>
-            <a:endParaRPr lang="en-GB"/>
-          </a:p>
-        </p:txBody>
-      </p:sp>
-      <p:sp>
-        <p:nvSpPr>
-          <p:cNvPr id="6" name="Slide Number Placeholder 5"/>
-          <p:cNvSpPr>
-            <a:spLocks noGrp="1"/>
-          </p:cNvSpPr>
-          <p:nvPr>
-            <p:ph type="sldNum" sz="quarter" idx="12"/>
-          </p:nvPr>
-        </p:nvSpPr>
-        <p:spPr/>
-        <p:txBody>
-          <a:bodyPr/>
-          <a:lstStyle/>
-          <a:p>
-            <a:fld id="{8DADB20D-508E-4C6D-A9E4-257D5607B0F6}" type="slidenum">
-              <a:rPr lang="en-GB" smtClean="0"/>
-              <a:t>‹#›</a:t>
-            </a:fld>
-            <a:endParaRPr lang="en-GB"/>
-          </a:p>
-        </p:txBody>
-      </p:sp>
-    </p:spTree>
-    <p:extLst>
-      <p:ext uri="{BB962C8B-B14F-4D97-AF65-F5344CB8AC3E}">
-        <p14:creationId xmlns:p14="http://schemas.microsoft.com/office/powerpoint/2010/main" val="3354597055"/>
-      </p:ext>
-    </p:extLst>
-  </p:cSld>
-  <p:clrMapOvr>
-    <a:masterClrMapping/>
-  </p:clrMapOvr>
-</p:sldLayout>
-</file>
-
-<file path=ppt/slideLayouts/slideLayout11.xml><?xml version="1.0" encoding="utf-8"?>
-<p:sldLayout xmlns:a="http://schemas.openxmlformats.org/drawingml/2006/main" xmlns:r="http://schemas.openxmlformats.org/officeDocument/2006/relationships" xmlns:p="http://schemas.openxmlformats.org/presentationml/2006/main" type="vertTitleAndTx" preserve="1">
-  <p:cSld name="Vertical Title and Text">
-    <p:spTree>
-      <p:nvGrpSpPr>
-        <p:cNvPr id="1" name=""/>
-        <p:cNvGrpSpPr/>
-        <p:nvPr/>
-      </p:nvGrpSpPr>
-      <p:grpSpPr>
-        <a:xfrm>
-          <a:off x="0" y="0"/>
-          <a:ext cx="0" cy="0"/>
-          <a:chOff x="0" y="0"/>
-          <a:chExt cx="0" cy="0"/>
-        </a:xfrm>
-      </p:grpSpPr>
-      <p:sp>
-        <p:nvSpPr>
-          <p:cNvPr id="2" name="Vertical Title 1"/>
-          <p:cNvSpPr>
-            <a:spLocks noGrp="1"/>
-          </p:cNvSpPr>
-          <p:nvPr>
-            <p:ph type="title" orient="vert"/>
-          </p:nvPr>
-        </p:nvSpPr>
-        <p:spPr>
-          <a:xfrm>
-            <a:off x="6629400" y="274638"/>
-            <a:ext cx="2057400" cy="5851525"/>
-          </a:xfrm>
-        </p:spPr>
-        <p:txBody>
-          <a:bodyPr vert="eaVert"/>
-          <a:lstStyle/>
-          <a:p>
-            <a:r>
-              <a:rPr lang="en-US" smtClean="0"/>
-              <a:t>Click to edit Master title style</a:t>
-            </a:r>
-            <a:endParaRPr lang="en-GB"/>
-          </a:p>
-        </p:txBody>
-      </p:sp>
-      <p:sp>
-        <p:nvSpPr>
-          <p:cNvPr id="3" name="Vertical Text Placeholder 2"/>
-          <p:cNvSpPr>
-            <a:spLocks noGrp="1"/>
-          </p:cNvSpPr>
-          <p:nvPr>
-            <p:ph type="body" orient="vert" idx="1"/>
-          </p:nvPr>
-        </p:nvSpPr>
-        <p:spPr>
-          <a:xfrm>
-            <a:off x="457200" y="274638"/>
-            <a:ext cx="6019800" cy="5851525"/>
-          </a:xfrm>
-        </p:spPr>
-        <p:txBody>
-          <a:bodyPr vert="eaVert"/>
-          <a:lstStyle/>
-          <a:p>
-            <a:pPr lvl="0"/>
-            <a:r>
-              <a:rPr lang="en-US" smtClean="0"/>
-              <a:t>Click to edit Master text styles</a:t>
-            </a:r>
-          </a:p>
-          <a:p>
-            <a:pPr lvl="1"/>
-            <a:r>
-              <a:rPr lang="en-US" smtClean="0"/>
-              <a:t>Second level</a:t>
-            </a:r>
-          </a:p>
-          <a:p>
-            <a:pPr lvl="2"/>
-            <a:r>
-              <a:rPr lang="en-US" smtClean="0"/>
-              <a:t>Third level</a:t>
-            </a:r>
-          </a:p>
-          <a:p>
-            <a:pPr lvl="3"/>
-            <a:r>
-              <a:rPr lang="en-US" smtClean="0"/>
-              <a:t>Fourth level</a:t>
-            </a:r>
-          </a:p>
-          <a:p>
-            <a:pPr lvl="4"/>
-            <a:r>
-              <a:rPr lang="en-US" smtClean="0"/>
-              <a:t>Fifth level</a:t>
-            </a:r>
-            <a:endParaRPr lang="en-GB"/>
-          </a:p>
-        </p:txBody>
-      </p:sp>
-      <p:sp>
-        <p:nvSpPr>
-          <p:cNvPr id="4" name="Date Placeholder 3"/>
-          <p:cNvSpPr>
-            <a:spLocks noGrp="1"/>
-          </p:cNvSpPr>
-          <p:nvPr>
-            <p:ph type="dt" sz="half" idx="10"/>
-          </p:nvPr>
-        </p:nvSpPr>
-        <p:spPr/>
-        <p:txBody>
-          <a:bodyPr/>
-          <a:lstStyle/>
-          <a:p>
-            <a:fld id="{E6744CE3-0875-4B69-89C0-6F72D8139561}" type="datetimeFigureOut">
-              <a:rPr lang="en-GB" smtClean="0"/>
-              <a:t>10/04/17</a:t>
-            </a:fld>
-            <a:endParaRPr lang="en-GB"/>
-          </a:p>
-        </p:txBody>
-      </p:sp>
-      <p:sp>
-        <p:nvSpPr>
-          <p:cNvPr id="5" name="Footer Placeholder 4"/>
-          <p:cNvSpPr>
-            <a:spLocks noGrp="1"/>
-          </p:cNvSpPr>
-          <p:nvPr>
-            <p:ph type="ftr" sz="quarter" idx="11"/>
-          </p:nvPr>
-        </p:nvSpPr>
-        <p:spPr/>
-        <p:txBody>
-          <a:bodyPr/>
-          <a:lstStyle/>
-          <a:p>
-            <a:endParaRPr lang="en-GB"/>
-          </a:p>
-        </p:txBody>
-      </p:sp>
-      <p:sp>
-        <p:nvSpPr>
-          <p:cNvPr id="6" name="Slide Number Placeholder 5"/>
-          <p:cNvSpPr>
-            <a:spLocks noGrp="1"/>
-          </p:cNvSpPr>
-          <p:nvPr>
-            <p:ph type="sldNum" sz="quarter" idx="12"/>
-          </p:nvPr>
-        </p:nvSpPr>
-        <p:spPr/>
-        <p:txBody>
-          <a:bodyPr/>
-          <a:lstStyle/>
-          <a:p>
-            <a:fld id="{8DADB20D-508E-4C6D-A9E4-257D5607B0F6}" type="slidenum">
-              <a:rPr lang="en-GB" smtClean="0"/>
-              <a:t>‹#›</a:t>
-            </a:fld>
-            <a:endParaRPr lang="en-GB"/>
-          </a:p>
-        </p:txBody>
-      </p:sp>
-    </p:spTree>
-    <p:extLst>
-      <p:ext uri="{BB962C8B-B14F-4D97-AF65-F5344CB8AC3E}">
-        <p14:creationId xmlns:p14="http://schemas.microsoft.com/office/powerpoint/2010/main" val="555553771"/>
       </p:ext>
     </p:extLst>
   </p:cSld>
@@ -812,7 +462,7 @@
           <a:p>
             <a:fld id="{E6744CE3-0875-4B69-89C0-6F72D8139561}" type="datetimeFigureOut">
               <a:rPr lang="en-GB" smtClean="0"/>
-              <a:t>10/04/17</a:t>
+              <a:t>26/05/17</a:t>
             </a:fld>
             <a:endParaRPr lang="en-GB"/>
           </a:p>
@@ -1058,7 +708,7 @@
           <a:p>
             <a:fld id="{E6744CE3-0875-4B69-89C0-6F72D8139561}" type="datetimeFigureOut">
               <a:rPr lang="en-GB" smtClean="0"/>
-              <a:t>10/04/17</a:t>
+              <a:t>26/05/17</a:t>
             </a:fld>
             <a:endParaRPr lang="en-GB"/>
           </a:p>
@@ -1346,7 +996,7 @@
           <a:p>
             <a:fld id="{E6744CE3-0875-4B69-89C0-6F72D8139561}" type="datetimeFigureOut">
               <a:rPr lang="en-GB" smtClean="0"/>
-              <a:t>10/04/17</a:t>
+              <a:t>26/05/17</a:t>
             </a:fld>
             <a:endParaRPr lang="en-GB"/>
           </a:p>
@@ -1768,7 +1418,7 @@
           <a:p>
             <a:fld id="{E6744CE3-0875-4B69-89C0-6F72D8139561}" type="datetimeFigureOut">
               <a:rPr lang="en-GB" smtClean="0"/>
-              <a:t>10/04/17</a:t>
+              <a:t>26/05/17</a:t>
             </a:fld>
             <a:endParaRPr lang="en-GB"/>
           </a:p>
@@ -1886,7 +1536,7 @@
           <a:p>
             <a:fld id="{E6744CE3-0875-4B69-89C0-6F72D8139561}" type="datetimeFigureOut">
               <a:rPr lang="en-GB" smtClean="0"/>
-              <a:t>10/04/17</a:t>
+              <a:t>26/05/17</a:t>
             </a:fld>
             <a:endParaRPr lang="en-GB"/>
           </a:p>
@@ -1981,7 +1631,7 @@
           <a:p>
             <a:fld id="{E6744CE3-0875-4B69-89C0-6F72D8139561}" type="datetimeFigureOut">
               <a:rPr lang="en-GB" smtClean="0"/>
-              <a:t>10/04/17</a:t>
+              <a:t>26/05/17</a:t>
             </a:fld>
             <a:endParaRPr lang="en-GB"/>
           </a:p>
@@ -2033,536 +1683,6 @@
     <p:extLst>
       <p:ext uri="{BB962C8B-B14F-4D97-AF65-F5344CB8AC3E}">
         <p14:creationId xmlns:p14="http://schemas.microsoft.com/office/powerpoint/2010/main" val="2755996059"/>
-      </p:ext>
-    </p:extLst>
-  </p:cSld>
-  <p:clrMapOvr>
-    <a:masterClrMapping/>
-  </p:clrMapOvr>
-</p:sldLayout>
-</file>
-
-<file path=ppt/slideLayouts/slideLayout8.xml><?xml version="1.0" encoding="utf-8"?>
-<p:sldLayout xmlns:a="http://schemas.openxmlformats.org/drawingml/2006/main" xmlns:r="http://schemas.openxmlformats.org/officeDocument/2006/relationships" xmlns:p="http://schemas.openxmlformats.org/presentationml/2006/main" type="objTx" preserve="1">
-  <p:cSld name="Content with Caption">
-    <p:spTree>
-      <p:nvGrpSpPr>
-        <p:cNvPr id="1" name=""/>
-        <p:cNvGrpSpPr/>
-        <p:nvPr/>
-      </p:nvGrpSpPr>
-      <p:grpSpPr>
-        <a:xfrm>
-          <a:off x="0" y="0"/>
-          <a:ext cx="0" cy="0"/>
-          <a:chOff x="0" y="0"/>
-          <a:chExt cx="0" cy="0"/>
-        </a:xfrm>
-      </p:grpSpPr>
-      <p:sp>
-        <p:nvSpPr>
-          <p:cNvPr id="2" name="Title 1"/>
-          <p:cNvSpPr>
-            <a:spLocks noGrp="1"/>
-          </p:cNvSpPr>
-          <p:nvPr>
-            <p:ph type="title"/>
-          </p:nvPr>
-        </p:nvSpPr>
-        <p:spPr>
-          <a:xfrm>
-            <a:off x="457200" y="273050"/>
-            <a:ext cx="3008313" cy="1162050"/>
-          </a:xfrm>
-        </p:spPr>
-        <p:txBody>
-          <a:bodyPr anchor="b"/>
-          <a:lstStyle>
-            <a:lvl1pPr algn="l">
-              <a:defRPr sz="2000" b="1"/>
-            </a:lvl1pPr>
-          </a:lstStyle>
-          <a:p>
-            <a:r>
-              <a:rPr lang="en-US" smtClean="0"/>
-              <a:t>Click to edit Master title style</a:t>
-            </a:r>
-            <a:endParaRPr lang="en-GB"/>
-          </a:p>
-        </p:txBody>
-      </p:sp>
-      <p:sp>
-        <p:nvSpPr>
-          <p:cNvPr id="3" name="Content Placeholder 2"/>
-          <p:cNvSpPr>
-            <a:spLocks noGrp="1"/>
-          </p:cNvSpPr>
-          <p:nvPr>
-            <p:ph idx="1"/>
-          </p:nvPr>
-        </p:nvSpPr>
-        <p:spPr>
-          <a:xfrm>
-            <a:off x="3575050" y="273050"/>
-            <a:ext cx="5111750" cy="5853113"/>
-          </a:xfrm>
-        </p:spPr>
-        <p:txBody>
-          <a:bodyPr/>
-          <a:lstStyle>
-            <a:lvl1pPr>
-              <a:defRPr sz="3200"/>
-            </a:lvl1pPr>
-            <a:lvl2pPr>
-              <a:defRPr sz="2800"/>
-            </a:lvl2pPr>
-            <a:lvl3pPr>
-              <a:defRPr sz="2400"/>
-            </a:lvl3pPr>
-            <a:lvl4pPr>
-              <a:defRPr sz="2000"/>
-            </a:lvl4pPr>
-            <a:lvl5pPr>
-              <a:defRPr sz="2000"/>
-            </a:lvl5pPr>
-            <a:lvl6pPr>
-              <a:defRPr sz="2000"/>
-            </a:lvl6pPr>
-            <a:lvl7pPr>
-              <a:defRPr sz="2000"/>
-            </a:lvl7pPr>
-            <a:lvl8pPr>
-              <a:defRPr sz="2000"/>
-            </a:lvl8pPr>
-            <a:lvl9pPr>
-              <a:defRPr sz="2000"/>
-            </a:lvl9pPr>
-          </a:lstStyle>
-          <a:p>
-            <a:pPr lvl="0"/>
-            <a:r>
-              <a:rPr lang="en-US" smtClean="0"/>
-              <a:t>Click to edit Master text styles</a:t>
-            </a:r>
-          </a:p>
-          <a:p>
-            <a:pPr lvl="1"/>
-            <a:r>
-              <a:rPr lang="en-US" smtClean="0"/>
-              <a:t>Second level</a:t>
-            </a:r>
-          </a:p>
-          <a:p>
-            <a:pPr lvl="2"/>
-            <a:r>
-              <a:rPr lang="en-US" smtClean="0"/>
-              <a:t>Third level</a:t>
-            </a:r>
-          </a:p>
-          <a:p>
-            <a:pPr lvl="3"/>
-            <a:r>
-              <a:rPr lang="en-US" smtClean="0"/>
-              <a:t>Fourth level</a:t>
-            </a:r>
-          </a:p>
-          <a:p>
-            <a:pPr lvl="4"/>
-            <a:r>
-              <a:rPr lang="en-US" smtClean="0"/>
-              <a:t>Fifth level</a:t>
-            </a:r>
-            <a:endParaRPr lang="en-GB"/>
-          </a:p>
-        </p:txBody>
-      </p:sp>
-      <p:sp>
-        <p:nvSpPr>
-          <p:cNvPr id="4" name="Text Placeholder 3"/>
-          <p:cNvSpPr>
-            <a:spLocks noGrp="1"/>
-          </p:cNvSpPr>
-          <p:nvPr>
-            <p:ph type="body" sz="half" idx="2"/>
-          </p:nvPr>
-        </p:nvSpPr>
-        <p:spPr>
-          <a:xfrm>
-            <a:off x="457200" y="1435100"/>
-            <a:ext cx="3008313" cy="4691063"/>
-          </a:xfrm>
-        </p:spPr>
-        <p:txBody>
-          <a:bodyPr/>
-          <a:lstStyle>
-            <a:lvl1pPr marL="0" indent="0">
-              <a:buNone/>
-              <a:defRPr sz="1400"/>
-            </a:lvl1pPr>
-            <a:lvl2pPr marL="457200" indent="0">
-              <a:buNone/>
-              <a:defRPr sz="1200"/>
-            </a:lvl2pPr>
-            <a:lvl3pPr marL="914400" indent="0">
-              <a:buNone/>
-              <a:defRPr sz="1000"/>
-            </a:lvl3pPr>
-            <a:lvl4pPr marL="1371600" indent="0">
-              <a:buNone/>
-              <a:defRPr sz="900"/>
-            </a:lvl4pPr>
-            <a:lvl5pPr marL="1828800" indent="0">
-              <a:buNone/>
-              <a:defRPr sz="900"/>
-            </a:lvl5pPr>
-            <a:lvl6pPr marL="2286000" indent="0">
-              <a:buNone/>
-              <a:defRPr sz="900"/>
-            </a:lvl6pPr>
-            <a:lvl7pPr marL="2743200" indent="0">
-              <a:buNone/>
-              <a:defRPr sz="900"/>
-            </a:lvl7pPr>
-            <a:lvl8pPr marL="3200400" indent="0">
-              <a:buNone/>
-              <a:defRPr sz="900"/>
-            </a:lvl8pPr>
-            <a:lvl9pPr marL="3657600" indent="0">
-              <a:buNone/>
-              <a:defRPr sz="900"/>
-            </a:lvl9pPr>
-          </a:lstStyle>
-          <a:p>
-            <a:pPr lvl="0"/>
-            <a:r>
-              <a:rPr lang="en-US" smtClean="0"/>
-              <a:t>Click to edit Master text styles</a:t>
-            </a:r>
-          </a:p>
-        </p:txBody>
-      </p:sp>
-      <p:sp>
-        <p:nvSpPr>
-          <p:cNvPr id="5" name="Date Placeholder 4"/>
-          <p:cNvSpPr>
-            <a:spLocks noGrp="1"/>
-          </p:cNvSpPr>
-          <p:nvPr>
-            <p:ph type="dt" sz="half" idx="10"/>
-          </p:nvPr>
-        </p:nvSpPr>
-        <p:spPr/>
-        <p:txBody>
-          <a:bodyPr/>
-          <a:lstStyle/>
-          <a:p>
-            <a:fld id="{E6744CE3-0875-4B69-89C0-6F72D8139561}" type="datetimeFigureOut">
-              <a:rPr lang="en-GB" smtClean="0"/>
-              <a:t>10/04/17</a:t>
-            </a:fld>
-            <a:endParaRPr lang="en-GB"/>
-          </a:p>
-        </p:txBody>
-      </p:sp>
-      <p:sp>
-        <p:nvSpPr>
-          <p:cNvPr id="6" name="Footer Placeholder 5"/>
-          <p:cNvSpPr>
-            <a:spLocks noGrp="1"/>
-          </p:cNvSpPr>
-          <p:nvPr>
-            <p:ph type="ftr" sz="quarter" idx="11"/>
-          </p:nvPr>
-        </p:nvSpPr>
-        <p:spPr/>
-        <p:txBody>
-          <a:bodyPr/>
-          <a:lstStyle/>
-          <a:p>
-            <a:endParaRPr lang="en-GB"/>
-          </a:p>
-        </p:txBody>
-      </p:sp>
-      <p:sp>
-        <p:nvSpPr>
-          <p:cNvPr id="7" name="Slide Number Placeholder 6"/>
-          <p:cNvSpPr>
-            <a:spLocks noGrp="1"/>
-          </p:cNvSpPr>
-          <p:nvPr>
-            <p:ph type="sldNum" sz="quarter" idx="12"/>
-          </p:nvPr>
-        </p:nvSpPr>
-        <p:spPr/>
-        <p:txBody>
-          <a:bodyPr/>
-          <a:lstStyle/>
-          <a:p>
-            <a:fld id="{8DADB20D-508E-4C6D-A9E4-257D5607B0F6}" type="slidenum">
-              <a:rPr lang="en-GB" smtClean="0"/>
-              <a:t>‹#›</a:t>
-            </a:fld>
-            <a:endParaRPr lang="en-GB"/>
-          </a:p>
-        </p:txBody>
-      </p:sp>
-    </p:spTree>
-    <p:extLst>
-      <p:ext uri="{BB962C8B-B14F-4D97-AF65-F5344CB8AC3E}">
-        <p14:creationId xmlns:p14="http://schemas.microsoft.com/office/powerpoint/2010/main" val="1660925281"/>
-      </p:ext>
-    </p:extLst>
-  </p:cSld>
-  <p:clrMapOvr>
-    <a:masterClrMapping/>
-  </p:clrMapOvr>
-</p:sldLayout>
-</file>
-
-<file path=ppt/slideLayouts/slideLayout9.xml><?xml version="1.0" encoding="utf-8"?>
-<p:sldLayout xmlns:a="http://schemas.openxmlformats.org/drawingml/2006/main" xmlns:r="http://schemas.openxmlformats.org/officeDocument/2006/relationships" xmlns:p="http://schemas.openxmlformats.org/presentationml/2006/main" type="picTx" preserve="1">
-  <p:cSld name="Picture with Caption">
-    <p:spTree>
-      <p:nvGrpSpPr>
-        <p:cNvPr id="1" name=""/>
-        <p:cNvGrpSpPr/>
-        <p:nvPr/>
-      </p:nvGrpSpPr>
-      <p:grpSpPr>
-        <a:xfrm>
-          <a:off x="0" y="0"/>
-          <a:ext cx="0" cy="0"/>
-          <a:chOff x="0" y="0"/>
-          <a:chExt cx="0" cy="0"/>
-        </a:xfrm>
-      </p:grpSpPr>
-      <p:sp>
-        <p:nvSpPr>
-          <p:cNvPr id="2" name="Title 1"/>
-          <p:cNvSpPr>
-            <a:spLocks noGrp="1"/>
-          </p:cNvSpPr>
-          <p:nvPr>
-            <p:ph type="title"/>
-          </p:nvPr>
-        </p:nvSpPr>
-        <p:spPr>
-          <a:xfrm>
-            <a:off x="1792288" y="4800600"/>
-            <a:ext cx="5486400" cy="566738"/>
-          </a:xfrm>
-        </p:spPr>
-        <p:txBody>
-          <a:bodyPr anchor="b"/>
-          <a:lstStyle>
-            <a:lvl1pPr algn="l">
-              <a:defRPr sz="2000" b="1"/>
-            </a:lvl1pPr>
-          </a:lstStyle>
-          <a:p>
-            <a:r>
-              <a:rPr lang="en-US" smtClean="0"/>
-              <a:t>Click to edit Master title style</a:t>
-            </a:r>
-            <a:endParaRPr lang="en-GB"/>
-          </a:p>
-        </p:txBody>
-      </p:sp>
-      <p:sp>
-        <p:nvSpPr>
-          <p:cNvPr id="3" name="Picture Placeholder 2"/>
-          <p:cNvSpPr>
-            <a:spLocks noGrp="1"/>
-          </p:cNvSpPr>
-          <p:nvPr>
-            <p:ph type="pic" idx="1"/>
-          </p:nvPr>
-        </p:nvSpPr>
-        <p:spPr>
-          <a:xfrm>
-            <a:off x="1792288" y="612775"/>
-            <a:ext cx="5486400" cy="4114800"/>
-          </a:xfrm>
-        </p:spPr>
-        <p:txBody>
-          <a:bodyPr/>
-          <a:lstStyle>
-            <a:lvl1pPr marL="0" indent="0">
-              <a:buNone/>
-              <a:defRPr sz="3200"/>
-            </a:lvl1pPr>
-            <a:lvl2pPr marL="457200" indent="0">
-              <a:buNone/>
-              <a:defRPr sz="2800"/>
-            </a:lvl2pPr>
-            <a:lvl3pPr marL="914400" indent="0">
-              <a:buNone/>
-              <a:defRPr sz="2400"/>
-            </a:lvl3pPr>
-            <a:lvl4pPr marL="1371600" indent="0">
-              <a:buNone/>
-              <a:defRPr sz="2000"/>
-            </a:lvl4pPr>
-            <a:lvl5pPr marL="1828800" indent="0">
-              <a:buNone/>
-              <a:defRPr sz="2000"/>
-            </a:lvl5pPr>
-            <a:lvl6pPr marL="2286000" indent="0">
-              <a:buNone/>
-              <a:defRPr sz="2000"/>
-            </a:lvl6pPr>
-            <a:lvl7pPr marL="2743200" indent="0">
-              <a:buNone/>
-              <a:defRPr sz="2000"/>
-            </a:lvl7pPr>
-            <a:lvl8pPr marL="3200400" indent="0">
-              <a:buNone/>
-              <a:defRPr sz="2000"/>
-            </a:lvl8pPr>
-            <a:lvl9pPr marL="3657600" indent="0">
-              <a:buNone/>
-              <a:defRPr sz="2000"/>
-            </a:lvl9pPr>
-          </a:lstStyle>
-          <a:p>
-            <a:endParaRPr lang="en-GB"/>
-          </a:p>
-        </p:txBody>
-      </p:sp>
-      <p:sp>
-        <p:nvSpPr>
-          <p:cNvPr id="4" name="Text Placeholder 3"/>
-          <p:cNvSpPr>
-            <a:spLocks noGrp="1"/>
-          </p:cNvSpPr>
-          <p:nvPr>
-            <p:ph type="body" sz="half" idx="2"/>
-          </p:nvPr>
-        </p:nvSpPr>
-        <p:spPr>
-          <a:xfrm>
-            <a:off x="1792288" y="5367338"/>
-            <a:ext cx="5486400" cy="804862"/>
-          </a:xfrm>
-        </p:spPr>
-        <p:txBody>
-          <a:bodyPr/>
-          <a:lstStyle>
-            <a:lvl1pPr marL="0" indent="0">
-              <a:buNone/>
-              <a:defRPr sz="1400"/>
-            </a:lvl1pPr>
-            <a:lvl2pPr marL="457200" indent="0">
-              <a:buNone/>
-              <a:defRPr sz="1200"/>
-            </a:lvl2pPr>
-            <a:lvl3pPr marL="914400" indent="0">
-              <a:buNone/>
-              <a:defRPr sz="1000"/>
-            </a:lvl3pPr>
-            <a:lvl4pPr marL="1371600" indent="0">
-              <a:buNone/>
-              <a:defRPr sz="900"/>
-            </a:lvl4pPr>
-            <a:lvl5pPr marL="1828800" indent="0">
-              <a:buNone/>
-              <a:defRPr sz="900"/>
-            </a:lvl5pPr>
-            <a:lvl6pPr marL="2286000" indent="0">
-              <a:buNone/>
-              <a:defRPr sz="900"/>
-            </a:lvl6pPr>
-            <a:lvl7pPr marL="2743200" indent="0">
-              <a:buNone/>
-              <a:defRPr sz="900"/>
-            </a:lvl7pPr>
-            <a:lvl8pPr marL="3200400" indent="0">
-              <a:buNone/>
-              <a:defRPr sz="900"/>
-            </a:lvl8pPr>
-            <a:lvl9pPr marL="3657600" indent="0">
-              <a:buNone/>
-              <a:defRPr sz="900"/>
-            </a:lvl9pPr>
-          </a:lstStyle>
-          <a:p>
-            <a:pPr lvl="0"/>
-            <a:r>
-              <a:rPr lang="en-US" smtClean="0"/>
-              <a:t>Click to edit Master text styles</a:t>
-            </a:r>
-          </a:p>
-        </p:txBody>
-      </p:sp>
-      <p:sp>
-        <p:nvSpPr>
-          <p:cNvPr id="5" name="Date Placeholder 4"/>
-          <p:cNvSpPr>
-            <a:spLocks noGrp="1"/>
-          </p:cNvSpPr>
-          <p:nvPr>
-            <p:ph type="dt" sz="half" idx="10"/>
-          </p:nvPr>
-        </p:nvSpPr>
-        <p:spPr/>
-        <p:txBody>
-          <a:bodyPr/>
-          <a:lstStyle/>
-          <a:p>
-            <a:fld id="{E6744CE3-0875-4B69-89C0-6F72D8139561}" type="datetimeFigureOut">
-              <a:rPr lang="en-GB" smtClean="0"/>
-              <a:t>10/04/17</a:t>
-            </a:fld>
-            <a:endParaRPr lang="en-GB"/>
-          </a:p>
-        </p:txBody>
-      </p:sp>
-      <p:sp>
-        <p:nvSpPr>
-          <p:cNvPr id="6" name="Footer Placeholder 5"/>
-          <p:cNvSpPr>
-            <a:spLocks noGrp="1"/>
-          </p:cNvSpPr>
-          <p:nvPr>
-            <p:ph type="ftr" sz="quarter" idx="11"/>
-          </p:nvPr>
-        </p:nvSpPr>
-        <p:spPr/>
-        <p:txBody>
-          <a:bodyPr/>
-          <a:lstStyle/>
-          <a:p>
-            <a:endParaRPr lang="en-GB"/>
-          </a:p>
-        </p:txBody>
-      </p:sp>
-      <p:sp>
-        <p:nvSpPr>
-          <p:cNvPr id="7" name="Slide Number Placeholder 6"/>
-          <p:cNvSpPr>
-            <a:spLocks noGrp="1"/>
-          </p:cNvSpPr>
-          <p:nvPr>
-            <p:ph type="sldNum" sz="quarter" idx="12"/>
-          </p:nvPr>
-        </p:nvSpPr>
-        <p:spPr/>
-        <p:txBody>
-          <a:bodyPr/>
-          <a:lstStyle/>
-          <a:p>
-            <a:fld id="{8DADB20D-508E-4C6D-A9E4-257D5607B0F6}" type="slidenum">
-              <a:rPr lang="en-GB" smtClean="0"/>
-              <a:t>‹#›</a:t>
-            </a:fld>
-            <a:endParaRPr lang="en-GB"/>
-          </a:p>
-        </p:txBody>
-      </p:sp>
-    </p:spTree>
-    <p:extLst>
-      <p:ext uri="{BB962C8B-B14F-4D97-AF65-F5344CB8AC3E}">
-        <p14:creationId xmlns:p14="http://schemas.microsoft.com/office/powerpoint/2010/main" val="4205470707"/>
       </p:ext>
     </p:extLst>
   </p:cSld>
@@ -2724,7 +1844,7 @@
           <a:p>
             <a:fld id="{E6744CE3-0875-4B69-89C0-6F72D8139561}" type="datetimeFigureOut">
               <a:rPr lang="en-GB" smtClean="0"/>
-              <a:t>10/04/17</a:t>
+              <a:t>26/05/17</a:t>
             </a:fld>
             <a:endParaRPr lang="en-GB"/>
           </a:p>
@@ -2824,10 +1944,6 @@
     <p:sldLayoutId id="2147483653" r:id="rId5"/>
     <p:sldLayoutId id="2147483654" r:id="rId6"/>
     <p:sldLayoutId id="2147483655" r:id="rId7"/>
-    <p:sldLayoutId id="2147483656" r:id="rId8"/>
-    <p:sldLayoutId id="2147483657" r:id="rId9"/>
-    <p:sldLayoutId id="2147483658" r:id="rId10"/>
-    <p:sldLayoutId id="2147483659" r:id="rId11"/>
   </p:sldLayoutIdLst>
   <p:txStyles>
     <p:titleStyle>
@@ -3154,19 +2270,11 @@
                   </a:txBody>
                   <a:tcPr anchor="ctr" marB="0" marT="0" marR="0" marL="0">
                     <a:lnL algn="ctr" cmpd="sng" cap="flat" w="0">
-                      <a:solidFill>
-                        <a:srgbClr val="000000">
-                          <a:alpha val="100000"/>
-                        </a:srgbClr>
-                      </a:solidFill>
-                      <a:prstDash val="solid"/>
-                    </a:lnL>
-                    <a:lnR algn="ctr" cmpd="sng" cap="flat" w="0">
-                      <a:solidFill>
-                        <a:srgbClr val="000000">
-                          <a:alpha val="100000"/>
-                        </a:srgbClr>
-                      </a:solidFill>
+                      <a:noFill/>
+                      <a:prstDash val="solid"/>
+                    </a:lnL>
+                    <a:lnR algn="ctr" cmpd="sng" cap="flat" w="0">
+                      <a:noFill/>
                       <a:prstDash val="solid"/>
                     </a:lnR>
                     <a:lnT algn="ctr" cmpd="sng" cap="flat" w="25400">
@@ -3217,19 +2325,11 @@
                   </a:txBody>
                   <a:tcPr anchor="ctr" marB="0" marT="0" marR="0" marL="0">
                     <a:lnL algn="ctr" cmpd="sng" cap="flat" w="0">
-                      <a:solidFill>
-                        <a:srgbClr val="000000">
-                          <a:alpha val="100000"/>
-                        </a:srgbClr>
-                      </a:solidFill>
-                      <a:prstDash val="solid"/>
-                    </a:lnL>
-                    <a:lnR algn="ctr" cmpd="sng" cap="flat" w="0">
-                      <a:solidFill>
-                        <a:srgbClr val="000000">
-                          <a:alpha val="100000"/>
-                        </a:srgbClr>
-                      </a:solidFill>
+                      <a:noFill/>
+                      <a:prstDash val="solid"/>
+                    </a:lnL>
+                    <a:lnR algn="ctr" cmpd="sng" cap="flat" w="0">
+                      <a:noFill/>
                       <a:prstDash val="solid"/>
                     </a:lnR>
                     <a:lnT algn="ctr" cmpd="sng" cap="flat" w="25400">
@@ -3280,19 +2380,11 @@
                   </a:txBody>
                   <a:tcPr anchor="ctr" marB="0" marT="0" marR="0" marL="0">
                     <a:lnL algn="ctr" cmpd="sng" cap="flat" w="0">
-                      <a:solidFill>
-                        <a:srgbClr val="000000">
-                          <a:alpha val="100000"/>
-                        </a:srgbClr>
-                      </a:solidFill>
-                      <a:prstDash val="solid"/>
-                    </a:lnL>
-                    <a:lnR algn="ctr" cmpd="sng" cap="flat" w="0">
-                      <a:solidFill>
-                        <a:srgbClr val="000000">
-                          <a:alpha val="100000"/>
-                        </a:srgbClr>
-                      </a:solidFill>
+                      <a:noFill/>
+                      <a:prstDash val="solid"/>
+                    </a:lnL>
+                    <a:lnR algn="ctr" cmpd="sng" cap="flat" w="0">
+                      <a:noFill/>
                       <a:prstDash val="solid"/>
                     </a:lnR>
                     <a:lnT algn="ctr" cmpd="sng" cap="flat" w="25400">
@@ -3343,19 +2435,11 @@
                   </a:txBody>
                   <a:tcPr anchor="ctr" marB="0" marT="0" marR="0" marL="0">
                     <a:lnL algn="ctr" cmpd="sng" cap="flat" w="0">
-                      <a:solidFill>
-                        <a:srgbClr val="000000">
-                          <a:alpha val="100000"/>
-                        </a:srgbClr>
-                      </a:solidFill>
-                      <a:prstDash val="solid"/>
-                    </a:lnL>
-                    <a:lnR algn="ctr" cmpd="sng" cap="flat" w="0">
-                      <a:solidFill>
-                        <a:srgbClr val="000000">
-                          <a:alpha val="100000"/>
-                        </a:srgbClr>
-                      </a:solidFill>
+                      <a:noFill/>
+                      <a:prstDash val="solid"/>
+                    </a:lnL>
+                    <a:lnR algn="ctr" cmpd="sng" cap="flat" w="0">
+                      <a:noFill/>
                       <a:prstDash val="solid"/>
                     </a:lnR>
                     <a:lnT algn="ctr" cmpd="sng" cap="flat" w="25400">
@@ -3406,19 +2490,11 @@
                   </a:txBody>
                   <a:tcPr anchor="ctr" marB="0" marT="0" marR="0" marL="0">
                     <a:lnL algn="ctr" cmpd="sng" cap="flat" w="0">
-                      <a:solidFill>
-                        <a:srgbClr val="000000">
-                          <a:alpha val="100000"/>
-                        </a:srgbClr>
-                      </a:solidFill>
-                      <a:prstDash val="solid"/>
-                    </a:lnL>
-                    <a:lnR algn="ctr" cmpd="sng" cap="flat" w="0">
-                      <a:solidFill>
-                        <a:srgbClr val="000000">
-                          <a:alpha val="100000"/>
-                        </a:srgbClr>
-                      </a:solidFill>
+                      <a:noFill/>
+                      <a:prstDash val="solid"/>
+                    </a:lnL>
+                    <a:lnR algn="ctr" cmpd="sng" cap="flat" w="0">
+                      <a:noFill/>
                       <a:prstDash val="solid"/>
                     </a:lnR>
                     <a:lnT algn="ctr" cmpd="sng" cap="flat" w="25400">
@@ -3469,19 +2545,11 @@
                   </a:txBody>
                   <a:tcPr anchor="ctr" marB="0" marT="0" marR="0" marL="0">
                     <a:lnL algn="ctr" cmpd="sng" cap="flat" w="0">
-                      <a:solidFill>
-                        <a:srgbClr val="000000">
-                          <a:alpha val="100000"/>
-                        </a:srgbClr>
-                      </a:solidFill>
-                      <a:prstDash val="solid"/>
-                    </a:lnL>
-                    <a:lnR algn="ctr" cmpd="sng" cap="flat" w="0">
-                      <a:solidFill>
-                        <a:srgbClr val="000000">
-                          <a:alpha val="100000"/>
-                        </a:srgbClr>
-                      </a:solidFill>
+                      <a:noFill/>
+                      <a:prstDash val="solid"/>
+                    </a:lnL>
+                    <a:lnR algn="ctr" cmpd="sng" cap="flat" w="0">
+                      <a:noFill/>
                       <a:prstDash val="solid"/>
                     </a:lnR>
                     <a:lnT algn="ctr" cmpd="sng" cap="flat" w="25400">
@@ -3534,19 +2602,11 @@
                   </a:txBody>
                   <a:tcPr anchor="ctr" marB="0" marT="0" marR="0" marL="0">
                     <a:lnL algn="ctr" cmpd="sng" cap="flat" w="0">
-                      <a:solidFill>
-                        <a:srgbClr val="000000">
-                          <a:alpha val="100000"/>
-                        </a:srgbClr>
-                      </a:solidFill>
-                      <a:prstDash val="solid"/>
-                    </a:lnL>
-                    <a:lnR algn="ctr" cmpd="sng" cap="flat" w="0">
-                      <a:solidFill>
-                        <a:srgbClr val="000000">
-                          <a:alpha val="100000"/>
-                        </a:srgbClr>
-                      </a:solidFill>
+                      <a:noFill/>
+                      <a:prstDash val="solid"/>
+                    </a:lnL>
+                    <a:lnR algn="ctr" cmpd="sng" cap="flat" w="0">
+                      <a:noFill/>
                       <a:prstDash val="solid"/>
                     </a:lnR>
                     <a:lnT algn="ctr" cmpd="sng" cap="flat" w="12700">
@@ -3597,19 +2657,11 @@
                   </a:txBody>
                   <a:tcPr anchor="ctr" marB="0" marT="0" marR="0" marL="0">
                     <a:lnL algn="ctr" cmpd="sng" cap="flat" w="0">
-                      <a:solidFill>
-                        <a:srgbClr val="000000">
-                          <a:alpha val="100000"/>
-                        </a:srgbClr>
-                      </a:solidFill>
-                      <a:prstDash val="solid"/>
-                    </a:lnL>
-                    <a:lnR algn="ctr" cmpd="sng" cap="flat" w="0">
-                      <a:solidFill>
-                        <a:srgbClr val="000000">
-                          <a:alpha val="100000"/>
-                        </a:srgbClr>
-                      </a:solidFill>
+                      <a:noFill/>
+                      <a:prstDash val="solid"/>
+                    </a:lnL>
+                    <a:lnR algn="ctr" cmpd="sng" cap="flat" w="0">
+                      <a:noFill/>
                       <a:prstDash val="solid"/>
                     </a:lnR>
                     <a:lnT algn="ctr" cmpd="sng" cap="flat" w="12700">
@@ -3660,19 +2712,11 @@
                   </a:txBody>
                   <a:tcPr anchor="ctr" marB="0" marT="0" marR="0" marL="0">
                     <a:lnL algn="ctr" cmpd="sng" cap="flat" w="0">
-                      <a:solidFill>
-                        <a:srgbClr val="000000">
-                          <a:alpha val="100000"/>
-                        </a:srgbClr>
-                      </a:solidFill>
-                      <a:prstDash val="solid"/>
-                    </a:lnL>
-                    <a:lnR algn="ctr" cmpd="sng" cap="flat" w="0">
-                      <a:solidFill>
-                        <a:srgbClr val="000000">
-                          <a:alpha val="100000"/>
-                        </a:srgbClr>
-                      </a:solidFill>
+                      <a:noFill/>
+                      <a:prstDash val="solid"/>
+                    </a:lnL>
+                    <a:lnR algn="ctr" cmpd="sng" cap="flat" w="0">
+                      <a:noFill/>
                       <a:prstDash val="solid"/>
                     </a:lnR>
                     <a:lnT algn="ctr" cmpd="sng" cap="flat" w="12700">
@@ -3723,19 +2767,11 @@
                   </a:txBody>
                   <a:tcPr anchor="ctr" marB="0" marT="0" marR="0" marL="0">
                     <a:lnL algn="ctr" cmpd="sng" cap="flat" w="0">
-                      <a:solidFill>
-                        <a:srgbClr val="000000">
-                          <a:alpha val="100000"/>
-                        </a:srgbClr>
-                      </a:solidFill>
-                      <a:prstDash val="solid"/>
-                    </a:lnL>
-                    <a:lnR algn="ctr" cmpd="sng" cap="flat" w="0">
-                      <a:solidFill>
-                        <a:srgbClr val="000000">
-                          <a:alpha val="100000"/>
-                        </a:srgbClr>
-                      </a:solidFill>
+                      <a:noFill/>
+                      <a:prstDash val="solid"/>
+                    </a:lnL>
+                    <a:lnR algn="ctr" cmpd="sng" cap="flat" w="0">
+                      <a:noFill/>
                       <a:prstDash val="solid"/>
                     </a:lnR>
                     <a:lnT algn="ctr" cmpd="sng" cap="flat" w="12700">
@@ -3786,19 +2822,11 @@
                   </a:txBody>
                   <a:tcPr anchor="ctr" marB="0" marT="0" marR="0" marL="0">
                     <a:lnL algn="ctr" cmpd="sng" cap="flat" w="0">
-                      <a:solidFill>
-                        <a:srgbClr val="000000">
-                          <a:alpha val="100000"/>
-                        </a:srgbClr>
-                      </a:solidFill>
-                      <a:prstDash val="solid"/>
-                    </a:lnL>
-                    <a:lnR algn="ctr" cmpd="sng" cap="flat" w="0">
-                      <a:solidFill>
-                        <a:srgbClr val="000000">
-                          <a:alpha val="100000"/>
-                        </a:srgbClr>
-                      </a:solidFill>
+                      <a:noFill/>
+                      <a:prstDash val="solid"/>
+                    </a:lnL>
+                    <a:lnR algn="ctr" cmpd="sng" cap="flat" w="0">
+                      <a:noFill/>
                       <a:prstDash val="solid"/>
                     </a:lnR>
                     <a:lnT algn="ctr" cmpd="sng" cap="flat" w="12700">
@@ -3849,19 +2877,11 @@
                   </a:txBody>
                   <a:tcPr anchor="ctr" marB="0" marT="0" marR="0" marL="0">
                     <a:lnL algn="ctr" cmpd="sng" cap="flat" w="0">
-                      <a:solidFill>
-                        <a:srgbClr val="000000">
-                          <a:alpha val="100000"/>
-                        </a:srgbClr>
-                      </a:solidFill>
-                      <a:prstDash val="solid"/>
-                    </a:lnL>
-                    <a:lnR algn="ctr" cmpd="sng" cap="flat" w="0">
-                      <a:solidFill>
-                        <a:srgbClr val="000000">
-                          <a:alpha val="100000"/>
-                        </a:srgbClr>
-                      </a:solidFill>
+                      <a:noFill/>
+                      <a:prstDash val="solid"/>
+                    </a:lnL>
+                    <a:lnR algn="ctr" cmpd="sng" cap="flat" w="0">
+                      <a:noFill/>
                       <a:prstDash val="solid"/>
                     </a:lnR>
                     <a:lnT algn="ctr" cmpd="sng" cap="flat" w="12700">
@@ -3914,19 +2934,11 @@
                   </a:txBody>
                   <a:tcPr anchor="ctr" marB="0" marT="0" marR="0" marL="0">
                     <a:lnL algn="ctr" cmpd="sng" cap="flat" w="0">
-                      <a:solidFill>
-                        <a:srgbClr val="000000">
-                          <a:alpha val="100000"/>
-                        </a:srgbClr>
-                      </a:solidFill>
-                      <a:prstDash val="solid"/>
-                    </a:lnL>
-                    <a:lnR algn="ctr" cmpd="sng" cap="flat" w="0">
-                      <a:solidFill>
-                        <a:srgbClr val="000000">
-                          <a:alpha val="100000"/>
-                        </a:srgbClr>
-                      </a:solidFill>
+                      <a:noFill/>
+                      <a:prstDash val="solid"/>
+                    </a:lnL>
+                    <a:lnR algn="ctr" cmpd="sng" cap="flat" w="0">
+                      <a:noFill/>
                       <a:prstDash val="solid"/>
                     </a:lnR>
                     <a:lnT algn="ctr" cmpd="sng" cap="flat" w="12700">
@@ -3977,19 +2989,11 @@
                   </a:txBody>
                   <a:tcPr anchor="ctr" marB="0" marT="0" marR="0" marL="0">
                     <a:lnL algn="ctr" cmpd="sng" cap="flat" w="0">
-                      <a:solidFill>
-                        <a:srgbClr val="000000">
-                          <a:alpha val="100000"/>
-                        </a:srgbClr>
-                      </a:solidFill>
-                      <a:prstDash val="solid"/>
-                    </a:lnL>
-                    <a:lnR algn="ctr" cmpd="sng" cap="flat" w="0">
-                      <a:solidFill>
-                        <a:srgbClr val="000000">
-                          <a:alpha val="100000"/>
-                        </a:srgbClr>
-                      </a:solidFill>
+                      <a:noFill/>
+                      <a:prstDash val="solid"/>
+                    </a:lnL>
+                    <a:lnR algn="ctr" cmpd="sng" cap="flat" w="0">
+                      <a:noFill/>
                       <a:prstDash val="solid"/>
                     </a:lnR>
                     <a:lnT algn="ctr" cmpd="sng" cap="flat" w="12700">
@@ -4040,19 +3044,11 @@
                   </a:txBody>
                   <a:tcPr anchor="ctr" marB="0" marT="0" marR="0" marL="0">
                     <a:lnL algn="ctr" cmpd="sng" cap="flat" w="0">
-                      <a:solidFill>
-                        <a:srgbClr val="000000">
-                          <a:alpha val="100000"/>
-                        </a:srgbClr>
-                      </a:solidFill>
-                      <a:prstDash val="solid"/>
-                    </a:lnL>
-                    <a:lnR algn="ctr" cmpd="sng" cap="flat" w="0">
-                      <a:solidFill>
-                        <a:srgbClr val="000000">
-                          <a:alpha val="100000"/>
-                        </a:srgbClr>
-                      </a:solidFill>
+                      <a:noFill/>
+                      <a:prstDash val="solid"/>
+                    </a:lnL>
+                    <a:lnR algn="ctr" cmpd="sng" cap="flat" w="0">
+                      <a:noFill/>
                       <a:prstDash val="solid"/>
                     </a:lnR>
                     <a:lnT algn="ctr" cmpd="sng" cap="flat" w="12700">
@@ -4103,19 +3099,11 @@
                   </a:txBody>
                   <a:tcPr anchor="ctr" marB="0" marT="0" marR="0" marL="0">
                     <a:lnL algn="ctr" cmpd="sng" cap="flat" w="0">
-                      <a:solidFill>
-                        <a:srgbClr val="000000">
-                          <a:alpha val="100000"/>
-                        </a:srgbClr>
-                      </a:solidFill>
-                      <a:prstDash val="solid"/>
-                    </a:lnL>
-                    <a:lnR algn="ctr" cmpd="sng" cap="flat" w="0">
-                      <a:solidFill>
-                        <a:srgbClr val="000000">
-                          <a:alpha val="100000"/>
-                        </a:srgbClr>
-                      </a:solidFill>
+                      <a:noFill/>
+                      <a:prstDash val="solid"/>
+                    </a:lnL>
+                    <a:lnR algn="ctr" cmpd="sng" cap="flat" w="0">
+                      <a:noFill/>
                       <a:prstDash val="solid"/>
                     </a:lnR>
                     <a:lnT algn="ctr" cmpd="sng" cap="flat" w="12700">
@@ -4166,19 +3154,11 @@
                   </a:txBody>
                   <a:tcPr anchor="ctr" marB="0" marT="0" marR="0" marL="0">
                     <a:lnL algn="ctr" cmpd="sng" cap="flat" w="0">
-                      <a:solidFill>
-                        <a:srgbClr val="000000">
-                          <a:alpha val="100000"/>
-                        </a:srgbClr>
-                      </a:solidFill>
-                      <a:prstDash val="solid"/>
-                    </a:lnL>
-                    <a:lnR algn="ctr" cmpd="sng" cap="flat" w="0">
-                      <a:solidFill>
-                        <a:srgbClr val="000000">
-                          <a:alpha val="100000"/>
-                        </a:srgbClr>
-                      </a:solidFill>
+                      <a:noFill/>
+                      <a:prstDash val="solid"/>
+                    </a:lnL>
+                    <a:lnR algn="ctr" cmpd="sng" cap="flat" w="0">
+                      <a:noFill/>
                       <a:prstDash val="solid"/>
                     </a:lnR>
                     <a:lnT algn="ctr" cmpd="sng" cap="flat" w="12700">
@@ -4229,19 +3209,11 @@
                   </a:txBody>
                   <a:tcPr anchor="ctr" marB="0" marT="0" marR="0" marL="0">
                     <a:lnL algn="ctr" cmpd="sng" cap="flat" w="0">
-                      <a:solidFill>
-                        <a:srgbClr val="000000">
-                          <a:alpha val="100000"/>
-                        </a:srgbClr>
-                      </a:solidFill>
-                      <a:prstDash val="solid"/>
-                    </a:lnL>
-                    <a:lnR algn="ctr" cmpd="sng" cap="flat" w="0">
-                      <a:solidFill>
-                        <a:srgbClr val="000000">
-                          <a:alpha val="100000"/>
-                        </a:srgbClr>
-                      </a:solidFill>
+                      <a:noFill/>
+                      <a:prstDash val="solid"/>
+                    </a:lnL>
+                    <a:lnR algn="ctr" cmpd="sng" cap="flat" w="0">
+                      <a:noFill/>
                       <a:prstDash val="solid"/>
                     </a:lnR>
                     <a:lnT algn="ctr" cmpd="sng" cap="flat" w="12700">
@@ -4294,19 +3266,11 @@
                   </a:txBody>
                   <a:tcPr anchor="ctr" marB="0" marT="0" marR="0" marL="0">
                     <a:lnL algn="ctr" cmpd="sng" cap="flat" w="0">
-                      <a:solidFill>
-                        <a:srgbClr val="000000">
-                          <a:alpha val="100000"/>
-                        </a:srgbClr>
-                      </a:solidFill>
-                      <a:prstDash val="solid"/>
-                    </a:lnL>
-                    <a:lnR algn="ctr" cmpd="sng" cap="flat" w="0">
-                      <a:solidFill>
-                        <a:srgbClr val="000000">
-                          <a:alpha val="100000"/>
-                        </a:srgbClr>
-                      </a:solidFill>
+                      <a:noFill/>
+                      <a:prstDash val="solid"/>
+                    </a:lnL>
+                    <a:lnR algn="ctr" cmpd="sng" cap="flat" w="0">
+                      <a:noFill/>
                       <a:prstDash val="solid"/>
                     </a:lnR>
                     <a:lnT algn="ctr" cmpd="sng" cap="flat" w="12700">
@@ -4357,19 +3321,11 @@
                   </a:txBody>
                   <a:tcPr anchor="ctr" marB="0" marT="0" marR="0" marL="0">
                     <a:lnL algn="ctr" cmpd="sng" cap="flat" w="0">
-                      <a:solidFill>
-                        <a:srgbClr val="000000">
-                          <a:alpha val="100000"/>
-                        </a:srgbClr>
-                      </a:solidFill>
-                      <a:prstDash val="solid"/>
-                    </a:lnL>
-                    <a:lnR algn="ctr" cmpd="sng" cap="flat" w="0">
-                      <a:solidFill>
-                        <a:srgbClr val="000000">
-                          <a:alpha val="100000"/>
-                        </a:srgbClr>
-                      </a:solidFill>
+                      <a:noFill/>
+                      <a:prstDash val="solid"/>
+                    </a:lnL>
+                    <a:lnR algn="ctr" cmpd="sng" cap="flat" w="0">
+                      <a:noFill/>
                       <a:prstDash val="solid"/>
                     </a:lnR>
                     <a:lnT algn="ctr" cmpd="sng" cap="flat" w="12700">
@@ -4420,19 +3376,11 @@
                   </a:txBody>
                   <a:tcPr anchor="ctr" marB="0" marT="0" marR="0" marL="0">
                     <a:lnL algn="ctr" cmpd="sng" cap="flat" w="0">
-                      <a:solidFill>
-                        <a:srgbClr val="000000">
-                          <a:alpha val="100000"/>
-                        </a:srgbClr>
-                      </a:solidFill>
-                      <a:prstDash val="solid"/>
-                    </a:lnL>
-                    <a:lnR algn="ctr" cmpd="sng" cap="flat" w="0">
-                      <a:solidFill>
-                        <a:srgbClr val="000000">
-                          <a:alpha val="100000"/>
-                        </a:srgbClr>
-                      </a:solidFill>
+                      <a:noFill/>
+                      <a:prstDash val="solid"/>
+                    </a:lnL>
+                    <a:lnR algn="ctr" cmpd="sng" cap="flat" w="0">
+                      <a:noFill/>
                       <a:prstDash val="solid"/>
                     </a:lnR>
                     <a:lnT algn="ctr" cmpd="sng" cap="flat" w="12700">
@@ -4483,19 +3431,11 @@
                   </a:txBody>
                   <a:tcPr anchor="ctr" marB="0" marT="0" marR="0" marL="0">
                     <a:lnL algn="ctr" cmpd="sng" cap="flat" w="0">
-                      <a:solidFill>
-                        <a:srgbClr val="000000">
-                          <a:alpha val="100000"/>
-                        </a:srgbClr>
-                      </a:solidFill>
-                      <a:prstDash val="solid"/>
-                    </a:lnL>
-                    <a:lnR algn="ctr" cmpd="sng" cap="flat" w="0">
-                      <a:solidFill>
-                        <a:srgbClr val="000000">
-                          <a:alpha val="100000"/>
-                        </a:srgbClr>
-                      </a:solidFill>
+                      <a:noFill/>
+                      <a:prstDash val="solid"/>
+                    </a:lnL>
+                    <a:lnR algn="ctr" cmpd="sng" cap="flat" w="0">
+                      <a:noFill/>
                       <a:prstDash val="solid"/>
                     </a:lnR>
                     <a:lnT algn="ctr" cmpd="sng" cap="flat" w="12700">
@@ -4546,19 +3486,11 @@
                   </a:txBody>
                   <a:tcPr anchor="ctr" marB="0" marT="0" marR="0" marL="0">
                     <a:lnL algn="ctr" cmpd="sng" cap="flat" w="0">
-                      <a:solidFill>
-                        <a:srgbClr val="000000">
-                          <a:alpha val="100000"/>
-                        </a:srgbClr>
-                      </a:solidFill>
-                      <a:prstDash val="solid"/>
-                    </a:lnL>
-                    <a:lnR algn="ctr" cmpd="sng" cap="flat" w="0">
-                      <a:solidFill>
-                        <a:srgbClr val="000000">
-                          <a:alpha val="100000"/>
-                        </a:srgbClr>
-                      </a:solidFill>
+                      <a:noFill/>
+                      <a:prstDash val="solid"/>
+                    </a:lnL>
+                    <a:lnR algn="ctr" cmpd="sng" cap="flat" w="0">
+                      <a:noFill/>
                       <a:prstDash val="solid"/>
                     </a:lnR>
                     <a:lnT algn="ctr" cmpd="sng" cap="flat" w="12700">
@@ -4609,19 +3541,11 @@
                   </a:txBody>
                   <a:tcPr anchor="ctr" marB="0" marT="0" marR="0" marL="0">
                     <a:lnL algn="ctr" cmpd="sng" cap="flat" w="0">
-                      <a:solidFill>
-                        <a:srgbClr val="000000">
-                          <a:alpha val="100000"/>
-                        </a:srgbClr>
-                      </a:solidFill>
-                      <a:prstDash val="solid"/>
-                    </a:lnL>
-                    <a:lnR algn="ctr" cmpd="sng" cap="flat" w="0">
-                      <a:solidFill>
-                        <a:srgbClr val="000000">
-                          <a:alpha val="100000"/>
-                        </a:srgbClr>
-                      </a:solidFill>
+                      <a:noFill/>
+                      <a:prstDash val="solid"/>
+                    </a:lnL>
+                    <a:lnR algn="ctr" cmpd="sng" cap="flat" w="0">
+                      <a:noFill/>
                       <a:prstDash val="solid"/>
                     </a:lnR>
                     <a:lnT algn="ctr" cmpd="sng" cap="flat" w="12700">
@@ -4674,19 +3598,11 @@
                   </a:txBody>
                   <a:tcPr anchor="ctr" marB="0" marT="0" marR="0" marL="0">
                     <a:lnL algn="ctr" cmpd="sng" cap="flat" w="0">
-                      <a:solidFill>
-                        <a:srgbClr val="000000">
-                          <a:alpha val="100000"/>
-                        </a:srgbClr>
-                      </a:solidFill>
-                      <a:prstDash val="solid"/>
-                    </a:lnL>
-                    <a:lnR algn="ctr" cmpd="sng" cap="flat" w="0">
-                      <a:solidFill>
-                        <a:srgbClr val="000000">
-                          <a:alpha val="100000"/>
-                        </a:srgbClr>
-                      </a:solidFill>
+                      <a:noFill/>
+                      <a:prstDash val="solid"/>
+                    </a:lnL>
+                    <a:lnR algn="ctr" cmpd="sng" cap="flat" w="0">
+                      <a:noFill/>
                       <a:prstDash val="solid"/>
                     </a:lnR>
                     <a:lnT algn="ctr" cmpd="sng" cap="flat" w="12700">
@@ -4737,19 +3653,11 @@
                   </a:txBody>
                   <a:tcPr anchor="ctr" marB="0" marT="0" marR="0" marL="0">
                     <a:lnL algn="ctr" cmpd="sng" cap="flat" w="0">
-                      <a:solidFill>
-                        <a:srgbClr val="000000">
-                          <a:alpha val="100000"/>
-                        </a:srgbClr>
-                      </a:solidFill>
-                      <a:prstDash val="solid"/>
-                    </a:lnL>
-                    <a:lnR algn="ctr" cmpd="sng" cap="flat" w="0">
-                      <a:solidFill>
-                        <a:srgbClr val="000000">
-                          <a:alpha val="100000"/>
-                        </a:srgbClr>
-                      </a:solidFill>
+                      <a:noFill/>
+                      <a:prstDash val="solid"/>
+                    </a:lnL>
+                    <a:lnR algn="ctr" cmpd="sng" cap="flat" w="0">
+                      <a:noFill/>
                       <a:prstDash val="solid"/>
                     </a:lnR>
                     <a:lnT algn="ctr" cmpd="sng" cap="flat" w="12700">
@@ -4800,19 +3708,11 @@
                   </a:txBody>
                   <a:tcPr anchor="ctr" marB="0" marT="0" marR="0" marL="0">
                     <a:lnL algn="ctr" cmpd="sng" cap="flat" w="0">
-                      <a:solidFill>
-                        <a:srgbClr val="000000">
-                          <a:alpha val="100000"/>
-                        </a:srgbClr>
-                      </a:solidFill>
-                      <a:prstDash val="solid"/>
-                    </a:lnL>
-                    <a:lnR algn="ctr" cmpd="sng" cap="flat" w="0">
-                      <a:solidFill>
-                        <a:srgbClr val="000000">
-                          <a:alpha val="100000"/>
-                        </a:srgbClr>
-                      </a:solidFill>
+                      <a:noFill/>
+                      <a:prstDash val="solid"/>
+                    </a:lnL>
+                    <a:lnR algn="ctr" cmpd="sng" cap="flat" w="0">
+                      <a:noFill/>
                       <a:prstDash val="solid"/>
                     </a:lnR>
                     <a:lnT algn="ctr" cmpd="sng" cap="flat" w="12700">
@@ -4863,19 +3763,11 @@
                   </a:txBody>
                   <a:tcPr anchor="ctr" marB="0" marT="0" marR="0" marL="0">
                     <a:lnL algn="ctr" cmpd="sng" cap="flat" w="0">
-                      <a:solidFill>
-                        <a:srgbClr val="000000">
-                          <a:alpha val="100000"/>
-                        </a:srgbClr>
-                      </a:solidFill>
-                      <a:prstDash val="solid"/>
-                    </a:lnL>
-                    <a:lnR algn="ctr" cmpd="sng" cap="flat" w="0">
-                      <a:solidFill>
-                        <a:srgbClr val="000000">
-                          <a:alpha val="100000"/>
-                        </a:srgbClr>
-                      </a:solidFill>
+                      <a:noFill/>
+                      <a:prstDash val="solid"/>
+                    </a:lnL>
+                    <a:lnR algn="ctr" cmpd="sng" cap="flat" w="0">
+                      <a:noFill/>
                       <a:prstDash val="solid"/>
                     </a:lnR>
                     <a:lnT algn="ctr" cmpd="sng" cap="flat" w="12700">
@@ -4926,19 +3818,11 @@
                   </a:txBody>
                   <a:tcPr anchor="ctr" marB="0" marT="0" marR="0" marL="0">
                     <a:lnL algn="ctr" cmpd="sng" cap="flat" w="0">
-                      <a:solidFill>
-                        <a:srgbClr val="000000">
-                          <a:alpha val="100000"/>
-                        </a:srgbClr>
-                      </a:solidFill>
-                      <a:prstDash val="solid"/>
-                    </a:lnL>
-                    <a:lnR algn="ctr" cmpd="sng" cap="flat" w="0">
-                      <a:solidFill>
-                        <a:srgbClr val="000000">
-                          <a:alpha val="100000"/>
-                        </a:srgbClr>
-                      </a:solidFill>
+                      <a:noFill/>
+                      <a:prstDash val="solid"/>
+                    </a:lnL>
+                    <a:lnR algn="ctr" cmpd="sng" cap="flat" w="0">
+                      <a:noFill/>
                       <a:prstDash val="solid"/>
                     </a:lnR>
                     <a:lnT algn="ctr" cmpd="sng" cap="flat" w="12700">
@@ -4989,19 +3873,11 @@
                   </a:txBody>
                   <a:tcPr anchor="ctr" marB="0" marT="0" marR="0" marL="0">
                     <a:lnL algn="ctr" cmpd="sng" cap="flat" w="0">
-                      <a:solidFill>
-                        <a:srgbClr val="000000">
-                          <a:alpha val="100000"/>
-                        </a:srgbClr>
-                      </a:solidFill>
-                      <a:prstDash val="solid"/>
-                    </a:lnL>
-                    <a:lnR algn="ctr" cmpd="sng" cap="flat" w="0">
-                      <a:solidFill>
-                        <a:srgbClr val="000000">
-                          <a:alpha val="100000"/>
-                        </a:srgbClr>
-                      </a:solidFill>
+                      <a:noFill/>
+                      <a:prstDash val="solid"/>
+                    </a:lnL>
+                    <a:lnR algn="ctr" cmpd="sng" cap="flat" w="0">
+                      <a:noFill/>
                       <a:prstDash val="solid"/>
                     </a:lnR>
                     <a:lnT algn="ctr" cmpd="sng" cap="flat" w="12700">
@@ -5054,19 +3930,11 @@
                   </a:txBody>
                   <a:tcPr anchor="ctr" marB="0" marT="0" marR="0" marL="0">
                     <a:lnL algn="ctr" cmpd="sng" cap="flat" w="0">
-                      <a:solidFill>
-                        <a:srgbClr val="000000">
-                          <a:alpha val="100000"/>
-                        </a:srgbClr>
-                      </a:solidFill>
-                      <a:prstDash val="solid"/>
-                    </a:lnL>
-                    <a:lnR algn="ctr" cmpd="sng" cap="flat" w="0">
-                      <a:solidFill>
-                        <a:srgbClr val="000000">
-                          <a:alpha val="100000"/>
-                        </a:srgbClr>
-                      </a:solidFill>
+                      <a:noFill/>
+                      <a:prstDash val="solid"/>
+                    </a:lnL>
+                    <a:lnR algn="ctr" cmpd="sng" cap="flat" w="0">
+                      <a:noFill/>
                       <a:prstDash val="solid"/>
                     </a:lnR>
                     <a:lnT algn="ctr" cmpd="sng" cap="flat" w="12700">
@@ -5117,19 +3985,11 @@
                   </a:txBody>
                   <a:tcPr anchor="ctr" marB="0" marT="0" marR="0" marL="0">
                     <a:lnL algn="ctr" cmpd="sng" cap="flat" w="0">
-                      <a:solidFill>
-                        <a:srgbClr val="000000">
-                          <a:alpha val="100000"/>
-                        </a:srgbClr>
-                      </a:solidFill>
-                      <a:prstDash val="solid"/>
-                    </a:lnL>
-                    <a:lnR algn="ctr" cmpd="sng" cap="flat" w="0">
-                      <a:solidFill>
-                        <a:srgbClr val="000000">
-                          <a:alpha val="100000"/>
-                        </a:srgbClr>
-                      </a:solidFill>
+                      <a:noFill/>
+                      <a:prstDash val="solid"/>
+                    </a:lnL>
+                    <a:lnR algn="ctr" cmpd="sng" cap="flat" w="0">
+                      <a:noFill/>
                       <a:prstDash val="solid"/>
                     </a:lnR>
                     <a:lnT algn="ctr" cmpd="sng" cap="flat" w="12700">
@@ -5180,19 +4040,11 @@
                   </a:txBody>
                   <a:tcPr anchor="ctr" marB="0" marT="0" marR="0" marL="0">
                     <a:lnL algn="ctr" cmpd="sng" cap="flat" w="0">
-                      <a:solidFill>
-                        <a:srgbClr val="000000">
-                          <a:alpha val="100000"/>
-                        </a:srgbClr>
-                      </a:solidFill>
-                      <a:prstDash val="solid"/>
-                    </a:lnL>
-                    <a:lnR algn="ctr" cmpd="sng" cap="flat" w="0">
-                      <a:solidFill>
-                        <a:srgbClr val="000000">
-                          <a:alpha val="100000"/>
-                        </a:srgbClr>
-                      </a:solidFill>
+                      <a:noFill/>
+                      <a:prstDash val="solid"/>
+                    </a:lnL>
+                    <a:lnR algn="ctr" cmpd="sng" cap="flat" w="0">
+                      <a:noFill/>
                       <a:prstDash val="solid"/>
                     </a:lnR>
                     <a:lnT algn="ctr" cmpd="sng" cap="flat" w="12700">
@@ -5243,19 +4095,11 @@
                   </a:txBody>
                   <a:tcPr anchor="ctr" marB="0" marT="0" marR="0" marL="0">
                     <a:lnL algn="ctr" cmpd="sng" cap="flat" w="0">
-                      <a:solidFill>
-                        <a:srgbClr val="000000">
-                          <a:alpha val="100000"/>
-                        </a:srgbClr>
-                      </a:solidFill>
-                      <a:prstDash val="solid"/>
-                    </a:lnL>
-                    <a:lnR algn="ctr" cmpd="sng" cap="flat" w="0">
-                      <a:solidFill>
-                        <a:srgbClr val="000000">
-                          <a:alpha val="100000"/>
-                        </a:srgbClr>
-                      </a:solidFill>
+                      <a:noFill/>
+                      <a:prstDash val="solid"/>
+                    </a:lnL>
+                    <a:lnR algn="ctr" cmpd="sng" cap="flat" w="0">
+                      <a:noFill/>
                       <a:prstDash val="solid"/>
                     </a:lnR>
                     <a:lnT algn="ctr" cmpd="sng" cap="flat" w="12700">
@@ -5306,19 +4150,11 @@
                   </a:txBody>
                   <a:tcPr anchor="ctr" marB="0" marT="0" marR="0" marL="0">
                     <a:lnL algn="ctr" cmpd="sng" cap="flat" w="0">
-                      <a:solidFill>
-                        <a:srgbClr val="000000">
-                          <a:alpha val="100000"/>
-                        </a:srgbClr>
-                      </a:solidFill>
-                      <a:prstDash val="solid"/>
-                    </a:lnL>
-                    <a:lnR algn="ctr" cmpd="sng" cap="flat" w="0">
-                      <a:solidFill>
-                        <a:srgbClr val="000000">
-                          <a:alpha val="100000"/>
-                        </a:srgbClr>
-                      </a:solidFill>
+                      <a:noFill/>
+                      <a:prstDash val="solid"/>
+                    </a:lnL>
+                    <a:lnR algn="ctr" cmpd="sng" cap="flat" w="0">
+                      <a:noFill/>
                       <a:prstDash val="solid"/>
                     </a:lnR>
                     <a:lnT algn="ctr" cmpd="sng" cap="flat" w="12700">
@@ -5369,19 +4205,11 @@
                   </a:txBody>
                   <a:tcPr anchor="ctr" marB="0" marT="0" marR="0" marL="0">
                     <a:lnL algn="ctr" cmpd="sng" cap="flat" w="0">
-                      <a:solidFill>
-                        <a:srgbClr val="000000">
-                          <a:alpha val="100000"/>
-                        </a:srgbClr>
-                      </a:solidFill>
-                      <a:prstDash val="solid"/>
-                    </a:lnL>
-                    <a:lnR algn="ctr" cmpd="sng" cap="flat" w="0">
-                      <a:solidFill>
-                        <a:srgbClr val="000000">
-                          <a:alpha val="100000"/>
-                        </a:srgbClr>
-                      </a:solidFill>
+                      <a:noFill/>
+                      <a:prstDash val="solid"/>
+                    </a:lnL>
+                    <a:lnR algn="ctr" cmpd="sng" cap="flat" w="0">
+                      <a:noFill/>
                       <a:prstDash val="solid"/>
                     </a:lnR>
                     <a:lnT algn="ctr" cmpd="sng" cap="flat" w="12700">
@@ -5434,19 +4262,11 @@
                   </a:txBody>
                   <a:tcPr anchor="ctr" marB="0" marT="0" marR="0" marL="0">
                     <a:lnL algn="ctr" cmpd="sng" cap="flat" w="0">
-                      <a:solidFill>
-                        <a:srgbClr val="000000">
-                          <a:alpha val="100000"/>
-                        </a:srgbClr>
-                      </a:solidFill>
-                      <a:prstDash val="solid"/>
-                    </a:lnL>
-                    <a:lnR algn="ctr" cmpd="sng" cap="flat" w="0">
-                      <a:solidFill>
-                        <a:srgbClr val="000000">
-                          <a:alpha val="100000"/>
-                        </a:srgbClr>
-                      </a:solidFill>
+                      <a:noFill/>
+                      <a:prstDash val="solid"/>
+                    </a:lnL>
+                    <a:lnR algn="ctr" cmpd="sng" cap="flat" w="0">
+                      <a:noFill/>
                       <a:prstDash val="solid"/>
                     </a:lnR>
                     <a:lnT algn="ctr" cmpd="sng" cap="flat" w="12700">
@@ -5497,19 +4317,11 @@
                   </a:txBody>
                   <a:tcPr anchor="ctr" marB="0" marT="0" marR="0" marL="0">
                     <a:lnL algn="ctr" cmpd="sng" cap="flat" w="0">
-                      <a:solidFill>
-                        <a:srgbClr val="000000">
-                          <a:alpha val="100000"/>
-                        </a:srgbClr>
-                      </a:solidFill>
-                      <a:prstDash val="solid"/>
-                    </a:lnL>
-                    <a:lnR algn="ctr" cmpd="sng" cap="flat" w="0">
-                      <a:solidFill>
-                        <a:srgbClr val="000000">
-                          <a:alpha val="100000"/>
-                        </a:srgbClr>
-                      </a:solidFill>
+                      <a:noFill/>
+                      <a:prstDash val="solid"/>
+                    </a:lnL>
+                    <a:lnR algn="ctr" cmpd="sng" cap="flat" w="0">
+                      <a:noFill/>
                       <a:prstDash val="solid"/>
                     </a:lnR>
                     <a:lnT algn="ctr" cmpd="sng" cap="flat" w="12700">
@@ -5560,19 +4372,11 @@
                   </a:txBody>
                   <a:tcPr anchor="ctr" marB="0" marT="0" marR="0" marL="0">
                     <a:lnL algn="ctr" cmpd="sng" cap="flat" w="0">
-                      <a:solidFill>
-                        <a:srgbClr val="000000">
-                          <a:alpha val="100000"/>
-                        </a:srgbClr>
-                      </a:solidFill>
-                      <a:prstDash val="solid"/>
-                    </a:lnL>
-                    <a:lnR algn="ctr" cmpd="sng" cap="flat" w="0">
-                      <a:solidFill>
-                        <a:srgbClr val="000000">
-                          <a:alpha val="100000"/>
-                        </a:srgbClr>
-                      </a:solidFill>
+                      <a:noFill/>
+                      <a:prstDash val="solid"/>
+                    </a:lnL>
+                    <a:lnR algn="ctr" cmpd="sng" cap="flat" w="0">
+                      <a:noFill/>
                       <a:prstDash val="solid"/>
                     </a:lnR>
                     <a:lnT algn="ctr" cmpd="sng" cap="flat" w="12700">
@@ -5623,19 +4427,11 @@
                   </a:txBody>
                   <a:tcPr anchor="ctr" marB="0" marT="0" marR="0" marL="0">
                     <a:lnL algn="ctr" cmpd="sng" cap="flat" w="0">
-                      <a:solidFill>
-                        <a:srgbClr val="000000">
-                          <a:alpha val="100000"/>
-                        </a:srgbClr>
-                      </a:solidFill>
-                      <a:prstDash val="solid"/>
-                    </a:lnL>
-                    <a:lnR algn="ctr" cmpd="sng" cap="flat" w="0">
-                      <a:solidFill>
-                        <a:srgbClr val="000000">
-                          <a:alpha val="100000"/>
-                        </a:srgbClr>
-                      </a:solidFill>
+                      <a:noFill/>
+                      <a:prstDash val="solid"/>
+                    </a:lnL>
+                    <a:lnR algn="ctr" cmpd="sng" cap="flat" w="0">
+                      <a:noFill/>
                       <a:prstDash val="solid"/>
                     </a:lnR>
                     <a:lnT algn="ctr" cmpd="sng" cap="flat" w="12700">
@@ -5686,19 +4482,11 @@
                   </a:txBody>
                   <a:tcPr anchor="ctr" marB="0" marT="0" marR="0" marL="0">
                     <a:lnL algn="ctr" cmpd="sng" cap="flat" w="0">
-                      <a:solidFill>
-                        <a:srgbClr val="000000">
-                          <a:alpha val="100000"/>
-                        </a:srgbClr>
-                      </a:solidFill>
-                      <a:prstDash val="solid"/>
-                    </a:lnL>
-                    <a:lnR algn="ctr" cmpd="sng" cap="flat" w="0">
-                      <a:solidFill>
-                        <a:srgbClr val="000000">
-                          <a:alpha val="100000"/>
-                        </a:srgbClr>
-                      </a:solidFill>
+                      <a:noFill/>
+                      <a:prstDash val="solid"/>
+                    </a:lnL>
+                    <a:lnR algn="ctr" cmpd="sng" cap="flat" w="0">
+                      <a:noFill/>
                       <a:prstDash val="solid"/>
                     </a:lnR>
                     <a:lnT algn="ctr" cmpd="sng" cap="flat" w="12700">
@@ -5749,19 +4537,11 @@
                   </a:txBody>
                   <a:tcPr anchor="ctr" marB="0" marT="0" marR="0" marL="0">
                     <a:lnL algn="ctr" cmpd="sng" cap="flat" w="0">
-                      <a:solidFill>
-                        <a:srgbClr val="000000">
-                          <a:alpha val="100000"/>
-                        </a:srgbClr>
-                      </a:solidFill>
-                      <a:prstDash val="solid"/>
-                    </a:lnL>
-                    <a:lnR algn="ctr" cmpd="sng" cap="flat" w="0">
-                      <a:solidFill>
-                        <a:srgbClr val="000000">
-                          <a:alpha val="100000"/>
-                        </a:srgbClr>
-                      </a:solidFill>
+                      <a:noFill/>
+                      <a:prstDash val="solid"/>
+                    </a:lnL>
+                    <a:lnR algn="ctr" cmpd="sng" cap="flat" w="0">
+                      <a:noFill/>
                       <a:prstDash val="solid"/>
                     </a:lnR>
                     <a:lnT algn="ctr" cmpd="sng" cap="flat" w="12700">
@@ -5814,19 +4594,11 @@
                   </a:txBody>
                   <a:tcPr anchor="ctr" marB="0" marT="0" marR="0" marL="0">
                     <a:lnL algn="ctr" cmpd="sng" cap="flat" w="0">
-                      <a:solidFill>
-                        <a:srgbClr val="000000">
-                          <a:alpha val="100000"/>
-                        </a:srgbClr>
-                      </a:solidFill>
-                      <a:prstDash val="solid"/>
-                    </a:lnL>
-                    <a:lnR algn="ctr" cmpd="sng" cap="flat" w="0">
-                      <a:solidFill>
-                        <a:srgbClr val="000000">
-                          <a:alpha val="100000"/>
-                        </a:srgbClr>
-                      </a:solidFill>
+                      <a:noFill/>
+                      <a:prstDash val="solid"/>
+                    </a:lnL>
+                    <a:lnR algn="ctr" cmpd="sng" cap="flat" w="0">
+                      <a:noFill/>
                       <a:prstDash val="solid"/>
                     </a:lnR>
                     <a:lnT algn="ctr" cmpd="sng" cap="flat" w="12700">
@@ -5877,19 +4649,11 @@
                   </a:txBody>
                   <a:tcPr anchor="ctr" marB="0" marT="0" marR="0" marL="0">
                     <a:lnL algn="ctr" cmpd="sng" cap="flat" w="0">
-                      <a:solidFill>
-                        <a:srgbClr val="000000">
-                          <a:alpha val="100000"/>
-                        </a:srgbClr>
-                      </a:solidFill>
-                      <a:prstDash val="solid"/>
-                    </a:lnL>
-                    <a:lnR algn="ctr" cmpd="sng" cap="flat" w="0">
-                      <a:solidFill>
-                        <a:srgbClr val="000000">
-                          <a:alpha val="100000"/>
-                        </a:srgbClr>
-                      </a:solidFill>
+                      <a:noFill/>
+                      <a:prstDash val="solid"/>
+                    </a:lnL>
+                    <a:lnR algn="ctr" cmpd="sng" cap="flat" w="0">
+                      <a:noFill/>
                       <a:prstDash val="solid"/>
                     </a:lnR>
                     <a:lnT algn="ctr" cmpd="sng" cap="flat" w="12700">
@@ -5940,19 +4704,11 @@
                   </a:txBody>
                   <a:tcPr anchor="ctr" marB="0" marT="0" marR="0" marL="0">
                     <a:lnL algn="ctr" cmpd="sng" cap="flat" w="0">
-                      <a:solidFill>
-                        <a:srgbClr val="000000">
-                          <a:alpha val="100000"/>
-                        </a:srgbClr>
-                      </a:solidFill>
-                      <a:prstDash val="solid"/>
-                    </a:lnL>
-                    <a:lnR algn="ctr" cmpd="sng" cap="flat" w="0">
-                      <a:solidFill>
-                        <a:srgbClr val="000000">
-                          <a:alpha val="100000"/>
-                        </a:srgbClr>
-                      </a:solidFill>
+                      <a:noFill/>
+                      <a:prstDash val="solid"/>
+                    </a:lnL>
+                    <a:lnR algn="ctr" cmpd="sng" cap="flat" w="0">
+                      <a:noFill/>
                       <a:prstDash val="solid"/>
                     </a:lnR>
                     <a:lnT algn="ctr" cmpd="sng" cap="flat" w="12700">
@@ -6003,19 +4759,11 @@
                   </a:txBody>
                   <a:tcPr anchor="ctr" marB="0" marT="0" marR="0" marL="0">
                     <a:lnL algn="ctr" cmpd="sng" cap="flat" w="0">
-                      <a:solidFill>
-                        <a:srgbClr val="000000">
-                          <a:alpha val="100000"/>
-                        </a:srgbClr>
-                      </a:solidFill>
-                      <a:prstDash val="solid"/>
-                    </a:lnL>
-                    <a:lnR algn="ctr" cmpd="sng" cap="flat" w="0">
-                      <a:solidFill>
-                        <a:srgbClr val="000000">
-                          <a:alpha val="100000"/>
-                        </a:srgbClr>
-                      </a:solidFill>
+                      <a:noFill/>
+                      <a:prstDash val="solid"/>
+                    </a:lnL>
+                    <a:lnR algn="ctr" cmpd="sng" cap="flat" w="0">
+                      <a:noFill/>
                       <a:prstDash val="solid"/>
                     </a:lnR>
                     <a:lnT algn="ctr" cmpd="sng" cap="flat" w="12700">
@@ -6066,19 +4814,11 @@
                   </a:txBody>
                   <a:tcPr anchor="ctr" marB="0" marT="0" marR="0" marL="0">
                     <a:lnL algn="ctr" cmpd="sng" cap="flat" w="0">
-                      <a:solidFill>
-                        <a:srgbClr val="000000">
-                          <a:alpha val="100000"/>
-                        </a:srgbClr>
-                      </a:solidFill>
-                      <a:prstDash val="solid"/>
-                    </a:lnL>
-                    <a:lnR algn="ctr" cmpd="sng" cap="flat" w="0">
-                      <a:solidFill>
-                        <a:srgbClr val="000000">
-                          <a:alpha val="100000"/>
-                        </a:srgbClr>
-                      </a:solidFill>
+                      <a:noFill/>
+                      <a:prstDash val="solid"/>
+                    </a:lnL>
+                    <a:lnR algn="ctr" cmpd="sng" cap="flat" w="0">
+                      <a:noFill/>
                       <a:prstDash val="solid"/>
                     </a:lnR>
                     <a:lnT algn="ctr" cmpd="sng" cap="flat" w="12700">
@@ -6129,19 +4869,11 @@
                   </a:txBody>
                   <a:tcPr anchor="ctr" marB="0" marT="0" marR="0" marL="0">
                     <a:lnL algn="ctr" cmpd="sng" cap="flat" w="0">
-                      <a:solidFill>
-                        <a:srgbClr val="000000">
-                          <a:alpha val="100000"/>
-                        </a:srgbClr>
-                      </a:solidFill>
-                      <a:prstDash val="solid"/>
-                    </a:lnL>
-                    <a:lnR algn="ctr" cmpd="sng" cap="flat" w="0">
-                      <a:solidFill>
-                        <a:srgbClr val="000000">
-                          <a:alpha val="100000"/>
-                        </a:srgbClr>
-                      </a:solidFill>
+                      <a:noFill/>
+                      <a:prstDash val="solid"/>
+                    </a:lnL>
+                    <a:lnR algn="ctr" cmpd="sng" cap="flat" w="0">
+                      <a:noFill/>
                       <a:prstDash val="solid"/>
                     </a:lnR>
                     <a:lnT algn="ctr" cmpd="sng" cap="flat" w="12700">
@@ -6194,19 +4926,11 @@
                   </a:txBody>
                   <a:tcPr anchor="ctr" marB="0" marT="0" marR="0" marL="0">
                     <a:lnL algn="ctr" cmpd="sng" cap="flat" w="0">
-                      <a:solidFill>
-                        <a:srgbClr val="000000">
-                          <a:alpha val="100000"/>
-                        </a:srgbClr>
-                      </a:solidFill>
-                      <a:prstDash val="solid"/>
-                    </a:lnL>
-                    <a:lnR algn="ctr" cmpd="sng" cap="flat" w="0">
-                      <a:solidFill>
-                        <a:srgbClr val="000000">
-                          <a:alpha val="100000"/>
-                        </a:srgbClr>
-                      </a:solidFill>
+                      <a:noFill/>
+                      <a:prstDash val="solid"/>
+                    </a:lnL>
+                    <a:lnR algn="ctr" cmpd="sng" cap="flat" w="0">
+                      <a:noFill/>
                       <a:prstDash val="solid"/>
                     </a:lnR>
                     <a:lnT algn="ctr" cmpd="sng" cap="flat" w="12700">
@@ -6257,19 +4981,11 @@
                   </a:txBody>
                   <a:tcPr anchor="ctr" marB="0" marT="0" marR="0" marL="0">
                     <a:lnL algn="ctr" cmpd="sng" cap="flat" w="0">
-                      <a:solidFill>
-                        <a:srgbClr val="000000">
-                          <a:alpha val="100000"/>
-                        </a:srgbClr>
-                      </a:solidFill>
-                      <a:prstDash val="solid"/>
-                    </a:lnL>
-                    <a:lnR algn="ctr" cmpd="sng" cap="flat" w="0">
-                      <a:solidFill>
-                        <a:srgbClr val="000000">
-                          <a:alpha val="100000"/>
-                        </a:srgbClr>
-                      </a:solidFill>
+                      <a:noFill/>
+                      <a:prstDash val="solid"/>
+                    </a:lnL>
+                    <a:lnR algn="ctr" cmpd="sng" cap="flat" w="0">
+                      <a:noFill/>
                       <a:prstDash val="solid"/>
                     </a:lnR>
                     <a:lnT algn="ctr" cmpd="sng" cap="flat" w="12700">
@@ -6320,19 +5036,11 @@
                   </a:txBody>
                   <a:tcPr anchor="ctr" marB="0" marT="0" marR="0" marL="0">
                     <a:lnL algn="ctr" cmpd="sng" cap="flat" w="0">
-                      <a:solidFill>
-                        <a:srgbClr val="000000">
-                          <a:alpha val="100000"/>
-                        </a:srgbClr>
-                      </a:solidFill>
-                      <a:prstDash val="solid"/>
-                    </a:lnL>
-                    <a:lnR algn="ctr" cmpd="sng" cap="flat" w="0">
-                      <a:solidFill>
-                        <a:srgbClr val="000000">
-                          <a:alpha val="100000"/>
-                        </a:srgbClr>
-                      </a:solidFill>
+                      <a:noFill/>
+                      <a:prstDash val="solid"/>
+                    </a:lnL>
+                    <a:lnR algn="ctr" cmpd="sng" cap="flat" w="0">
+                      <a:noFill/>
                       <a:prstDash val="solid"/>
                     </a:lnR>
                     <a:lnT algn="ctr" cmpd="sng" cap="flat" w="12700">
@@ -6383,19 +5091,11 @@
                   </a:txBody>
                   <a:tcPr anchor="ctr" marB="0" marT="0" marR="0" marL="0">
                     <a:lnL algn="ctr" cmpd="sng" cap="flat" w="0">
-                      <a:solidFill>
-                        <a:srgbClr val="000000">
-                          <a:alpha val="100000"/>
-                        </a:srgbClr>
-                      </a:solidFill>
-                      <a:prstDash val="solid"/>
-                    </a:lnL>
-                    <a:lnR algn="ctr" cmpd="sng" cap="flat" w="0">
-                      <a:solidFill>
-                        <a:srgbClr val="000000">
-                          <a:alpha val="100000"/>
-                        </a:srgbClr>
-                      </a:solidFill>
+                      <a:noFill/>
+                      <a:prstDash val="solid"/>
+                    </a:lnL>
+                    <a:lnR algn="ctr" cmpd="sng" cap="flat" w="0">
+                      <a:noFill/>
                       <a:prstDash val="solid"/>
                     </a:lnR>
                     <a:lnT algn="ctr" cmpd="sng" cap="flat" w="12700">
@@ -6446,19 +5146,11 @@
                   </a:txBody>
                   <a:tcPr anchor="ctr" marB="0" marT="0" marR="0" marL="0">
                     <a:lnL algn="ctr" cmpd="sng" cap="flat" w="0">
-                      <a:solidFill>
-                        <a:srgbClr val="000000">
-                          <a:alpha val="100000"/>
-                        </a:srgbClr>
-                      </a:solidFill>
-                      <a:prstDash val="solid"/>
-                    </a:lnL>
-                    <a:lnR algn="ctr" cmpd="sng" cap="flat" w="0">
-                      <a:solidFill>
-                        <a:srgbClr val="000000">
-                          <a:alpha val="100000"/>
-                        </a:srgbClr>
-                      </a:solidFill>
+                      <a:noFill/>
+                      <a:prstDash val="solid"/>
+                    </a:lnL>
+                    <a:lnR algn="ctr" cmpd="sng" cap="flat" w="0">
+                      <a:noFill/>
                       <a:prstDash val="solid"/>
                     </a:lnR>
                     <a:lnT algn="ctr" cmpd="sng" cap="flat" w="12700">
@@ -6509,19 +5201,11 @@
                   </a:txBody>
                   <a:tcPr anchor="ctr" marB="0" marT="0" marR="0" marL="0">
                     <a:lnL algn="ctr" cmpd="sng" cap="flat" w="0">
-                      <a:solidFill>
-                        <a:srgbClr val="000000">
-                          <a:alpha val="100000"/>
-                        </a:srgbClr>
-                      </a:solidFill>
-                      <a:prstDash val="solid"/>
-                    </a:lnL>
-                    <a:lnR algn="ctr" cmpd="sng" cap="flat" w="0">
-                      <a:solidFill>
-                        <a:srgbClr val="000000">
-                          <a:alpha val="100000"/>
-                        </a:srgbClr>
-                      </a:solidFill>
+                      <a:noFill/>
+                      <a:prstDash val="solid"/>
+                    </a:lnL>
+                    <a:lnR algn="ctr" cmpd="sng" cap="flat" w="0">
+                      <a:noFill/>
                       <a:prstDash val="solid"/>
                     </a:lnR>
                     <a:lnT algn="ctr" cmpd="sng" cap="flat" w="12700">
@@ -6574,19 +5258,11 @@
                   </a:txBody>
                   <a:tcPr anchor="ctr" marB="0" marT="0" marR="0" marL="0">
                     <a:lnL algn="ctr" cmpd="sng" cap="flat" w="0">
-                      <a:solidFill>
-                        <a:srgbClr val="000000">
-                          <a:alpha val="100000"/>
-                        </a:srgbClr>
-                      </a:solidFill>
-                      <a:prstDash val="solid"/>
-                    </a:lnL>
-                    <a:lnR algn="ctr" cmpd="sng" cap="flat" w="0">
-                      <a:solidFill>
-                        <a:srgbClr val="000000">
-                          <a:alpha val="100000"/>
-                        </a:srgbClr>
-                      </a:solidFill>
+                      <a:noFill/>
+                      <a:prstDash val="solid"/>
+                    </a:lnL>
+                    <a:lnR algn="ctr" cmpd="sng" cap="flat" w="0">
+                      <a:noFill/>
                       <a:prstDash val="solid"/>
                     </a:lnR>
                     <a:lnT algn="ctr" cmpd="sng" cap="flat" w="12700">
@@ -6637,19 +5313,11 @@
                   </a:txBody>
                   <a:tcPr anchor="ctr" marB="0" marT="0" marR="0" marL="0">
                     <a:lnL algn="ctr" cmpd="sng" cap="flat" w="0">
-                      <a:solidFill>
-                        <a:srgbClr val="000000">
-                          <a:alpha val="100000"/>
-                        </a:srgbClr>
-                      </a:solidFill>
-                      <a:prstDash val="solid"/>
-                    </a:lnL>
-                    <a:lnR algn="ctr" cmpd="sng" cap="flat" w="0">
-                      <a:solidFill>
-                        <a:srgbClr val="000000">
-                          <a:alpha val="100000"/>
-                        </a:srgbClr>
-                      </a:solidFill>
+                      <a:noFill/>
+                      <a:prstDash val="solid"/>
+                    </a:lnL>
+                    <a:lnR algn="ctr" cmpd="sng" cap="flat" w="0">
+                      <a:noFill/>
                       <a:prstDash val="solid"/>
                     </a:lnR>
                     <a:lnT algn="ctr" cmpd="sng" cap="flat" w="12700">
@@ -6700,19 +5368,11 @@
                   </a:txBody>
                   <a:tcPr anchor="ctr" marB="0" marT="0" marR="0" marL="0">
                     <a:lnL algn="ctr" cmpd="sng" cap="flat" w="0">
-                      <a:solidFill>
-                        <a:srgbClr val="000000">
-                          <a:alpha val="100000"/>
-                        </a:srgbClr>
-                      </a:solidFill>
-                      <a:prstDash val="solid"/>
-                    </a:lnL>
-                    <a:lnR algn="ctr" cmpd="sng" cap="flat" w="0">
-                      <a:solidFill>
-                        <a:srgbClr val="000000">
-                          <a:alpha val="100000"/>
-                        </a:srgbClr>
-                      </a:solidFill>
+                      <a:noFill/>
+                      <a:prstDash val="solid"/>
+                    </a:lnL>
+                    <a:lnR algn="ctr" cmpd="sng" cap="flat" w="0">
+                      <a:noFill/>
                       <a:prstDash val="solid"/>
                     </a:lnR>
                     <a:lnT algn="ctr" cmpd="sng" cap="flat" w="12700">
@@ -6763,19 +5423,11 @@
                   </a:txBody>
                   <a:tcPr anchor="ctr" marB="0" marT="0" marR="0" marL="0">
                     <a:lnL algn="ctr" cmpd="sng" cap="flat" w="0">
-                      <a:solidFill>
-                        <a:srgbClr val="000000">
-                          <a:alpha val="100000"/>
-                        </a:srgbClr>
-                      </a:solidFill>
-                      <a:prstDash val="solid"/>
-                    </a:lnL>
-                    <a:lnR algn="ctr" cmpd="sng" cap="flat" w="0">
-                      <a:solidFill>
-                        <a:srgbClr val="000000">
-                          <a:alpha val="100000"/>
-                        </a:srgbClr>
-                      </a:solidFill>
+                      <a:noFill/>
+                      <a:prstDash val="solid"/>
+                    </a:lnL>
+                    <a:lnR algn="ctr" cmpd="sng" cap="flat" w="0">
+                      <a:noFill/>
                       <a:prstDash val="solid"/>
                     </a:lnR>
                     <a:lnT algn="ctr" cmpd="sng" cap="flat" w="12700">
@@ -6826,19 +5478,11 @@
                   </a:txBody>
                   <a:tcPr anchor="ctr" marB="0" marT="0" marR="0" marL="0">
                     <a:lnL algn="ctr" cmpd="sng" cap="flat" w="0">
-                      <a:solidFill>
-                        <a:srgbClr val="000000">
-                          <a:alpha val="100000"/>
-                        </a:srgbClr>
-                      </a:solidFill>
-                      <a:prstDash val="solid"/>
-                    </a:lnL>
-                    <a:lnR algn="ctr" cmpd="sng" cap="flat" w="0">
-                      <a:solidFill>
-                        <a:srgbClr val="000000">
-                          <a:alpha val="100000"/>
-                        </a:srgbClr>
-                      </a:solidFill>
+                      <a:noFill/>
+                      <a:prstDash val="solid"/>
+                    </a:lnL>
+                    <a:lnR algn="ctr" cmpd="sng" cap="flat" w="0">
+                      <a:noFill/>
                       <a:prstDash val="solid"/>
                     </a:lnR>
                     <a:lnT algn="ctr" cmpd="sng" cap="flat" w="12700">
@@ -6889,19 +5533,11 @@
                   </a:txBody>
                   <a:tcPr anchor="ctr" marB="0" marT="0" marR="0" marL="0">
                     <a:lnL algn="ctr" cmpd="sng" cap="flat" w="0">
-                      <a:solidFill>
-                        <a:srgbClr val="000000">
-                          <a:alpha val="100000"/>
-                        </a:srgbClr>
-                      </a:solidFill>
-                      <a:prstDash val="solid"/>
-                    </a:lnL>
-                    <a:lnR algn="ctr" cmpd="sng" cap="flat" w="0">
-                      <a:solidFill>
-                        <a:srgbClr val="000000">
-                          <a:alpha val="100000"/>
-                        </a:srgbClr>
-                      </a:solidFill>
+                      <a:noFill/>
+                      <a:prstDash val="solid"/>
+                    </a:lnL>
+                    <a:lnR algn="ctr" cmpd="sng" cap="flat" w="0">
+                      <a:noFill/>
                       <a:prstDash val="solid"/>
                     </a:lnR>
                     <a:lnT algn="ctr" cmpd="sng" cap="flat" w="12700">
@@ -6954,19 +5590,11 @@
                   </a:txBody>
                   <a:tcPr anchor="ctr" marB="0" marT="0" marR="0" marL="0">
                     <a:lnL algn="ctr" cmpd="sng" cap="flat" w="0">
-                      <a:solidFill>
-                        <a:srgbClr val="000000">
-                          <a:alpha val="100000"/>
-                        </a:srgbClr>
-                      </a:solidFill>
-                      <a:prstDash val="solid"/>
-                    </a:lnL>
-                    <a:lnR algn="ctr" cmpd="sng" cap="flat" w="0">
-                      <a:solidFill>
-                        <a:srgbClr val="000000">
-                          <a:alpha val="100000"/>
-                        </a:srgbClr>
-                      </a:solidFill>
+                      <a:noFill/>
+                      <a:prstDash val="solid"/>
+                    </a:lnL>
+                    <a:lnR algn="ctr" cmpd="sng" cap="flat" w="0">
+                      <a:noFill/>
                       <a:prstDash val="solid"/>
                     </a:lnR>
                     <a:lnT algn="ctr" cmpd="sng" cap="flat" w="12700">
@@ -7017,19 +5645,11 @@
                   </a:txBody>
                   <a:tcPr anchor="ctr" marB="0" marT="0" marR="0" marL="0">
                     <a:lnL algn="ctr" cmpd="sng" cap="flat" w="0">
-                      <a:solidFill>
-                        <a:srgbClr val="000000">
-                          <a:alpha val="100000"/>
-                        </a:srgbClr>
-                      </a:solidFill>
-                      <a:prstDash val="solid"/>
-                    </a:lnL>
-                    <a:lnR algn="ctr" cmpd="sng" cap="flat" w="0">
-                      <a:solidFill>
-                        <a:srgbClr val="000000">
-                          <a:alpha val="100000"/>
-                        </a:srgbClr>
-                      </a:solidFill>
+                      <a:noFill/>
+                      <a:prstDash val="solid"/>
+                    </a:lnL>
+                    <a:lnR algn="ctr" cmpd="sng" cap="flat" w="0">
+                      <a:noFill/>
                       <a:prstDash val="solid"/>
                     </a:lnR>
                     <a:lnT algn="ctr" cmpd="sng" cap="flat" w="12700">
@@ -7080,19 +5700,11 @@
                   </a:txBody>
                   <a:tcPr anchor="ctr" marB="0" marT="0" marR="0" marL="0">
                     <a:lnL algn="ctr" cmpd="sng" cap="flat" w="0">
-                      <a:solidFill>
-                        <a:srgbClr val="000000">
-                          <a:alpha val="100000"/>
-                        </a:srgbClr>
-                      </a:solidFill>
-                      <a:prstDash val="solid"/>
-                    </a:lnL>
-                    <a:lnR algn="ctr" cmpd="sng" cap="flat" w="0">
-                      <a:solidFill>
-                        <a:srgbClr val="000000">
-                          <a:alpha val="100000"/>
-                        </a:srgbClr>
-                      </a:solidFill>
+                      <a:noFill/>
+                      <a:prstDash val="solid"/>
+                    </a:lnL>
+                    <a:lnR algn="ctr" cmpd="sng" cap="flat" w="0">
+                      <a:noFill/>
                       <a:prstDash val="solid"/>
                     </a:lnR>
                     <a:lnT algn="ctr" cmpd="sng" cap="flat" w="12700">
@@ -7143,19 +5755,11 @@
                   </a:txBody>
                   <a:tcPr anchor="ctr" marB="0" marT="0" marR="0" marL="0">
                     <a:lnL algn="ctr" cmpd="sng" cap="flat" w="0">
-                      <a:solidFill>
-                        <a:srgbClr val="000000">
-                          <a:alpha val="100000"/>
-                        </a:srgbClr>
-                      </a:solidFill>
-                      <a:prstDash val="solid"/>
-                    </a:lnL>
-                    <a:lnR algn="ctr" cmpd="sng" cap="flat" w="0">
-                      <a:solidFill>
-                        <a:srgbClr val="000000">
-                          <a:alpha val="100000"/>
-                        </a:srgbClr>
-                      </a:solidFill>
+                      <a:noFill/>
+                      <a:prstDash val="solid"/>
+                    </a:lnL>
+                    <a:lnR algn="ctr" cmpd="sng" cap="flat" w="0">
+                      <a:noFill/>
                       <a:prstDash val="solid"/>
                     </a:lnR>
                     <a:lnT algn="ctr" cmpd="sng" cap="flat" w="12700">
@@ -7206,19 +5810,11 @@
                   </a:txBody>
                   <a:tcPr anchor="ctr" marB="0" marT="0" marR="0" marL="0">
                     <a:lnL algn="ctr" cmpd="sng" cap="flat" w="0">
-                      <a:solidFill>
-                        <a:srgbClr val="000000">
-                          <a:alpha val="100000"/>
-                        </a:srgbClr>
-                      </a:solidFill>
-                      <a:prstDash val="solid"/>
-                    </a:lnL>
-                    <a:lnR algn="ctr" cmpd="sng" cap="flat" w="0">
-                      <a:solidFill>
-                        <a:srgbClr val="000000">
-                          <a:alpha val="100000"/>
-                        </a:srgbClr>
-                      </a:solidFill>
+                      <a:noFill/>
+                      <a:prstDash val="solid"/>
+                    </a:lnL>
+                    <a:lnR algn="ctr" cmpd="sng" cap="flat" w="0">
+                      <a:noFill/>
                       <a:prstDash val="solid"/>
                     </a:lnR>
                     <a:lnT algn="ctr" cmpd="sng" cap="flat" w="12700">
@@ -7269,19 +5865,11 @@
                   </a:txBody>
                   <a:tcPr anchor="ctr" marB="0" marT="0" marR="0" marL="0">
                     <a:lnL algn="ctr" cmpd="sng" cap="flat" w="0">
-                      <a:solidFill>
-                        <a:srgbClr val="000000">
-                          <a:alpha val="100000"/>
-                        </a:srgbClr>
-                      </a:solidFill>
-                      <a:prstDash val="solid"/>
-                    </a:lnL>
-                    <a:lnR algn="ctr" cmpd="sng" cap="flat" w="0">
-                      <a:solidFill>
-                        <a:srgbClr val="000000">
-                          <a:alpha val="100000"/>
-                        </a:srgbClr>
-                      </a:solidFill>
+                      <a:noFill/>
+                      <a:prstDash val="solid"/>
+                    </a:lnL>
+                    <a:lnR algn="ctr" cmpd="sng" cap="flat" w="0">
+                      <a:noFill/>
                       <a:prstDash val="solid"/>
                     </a:lnR>
                     <a:lnT algn="ctr" cmpd="sng" cap="flat" w="12700">
@@ -7334,19 +5922,11 @@
                   </a:txBody>
                   <a:tcPr anchor="ctr" marB="0" marT="0" marR="0" marL="0">
                     <a:lnL algn="ctr" cmpd="sng" cap="flat" w="0">
-                      <a:solidFill>
-                        <a:srgbClr val="000000">
-                          <a:alpha val="100000"/>
-                        </a:srgbClr>
-                      </a:solidFill>
-                      <a:prstDash val="solid"/>
-                    </a:lnL>
-                    <a:lnR algn="ctr" cmpd="sng" cap="flat" w="0">
-                      <a:solidFill>
-                        <a:srgbClr val="000000">
-                          <a:alpha val="100000"/>
-                        </a:srgbClr>
-                      </a:solidFill>
+                      <a:noFill/>
+                      <a:prstDash val="solid"/>
+                    </a:lnL>
+                    <a:lnR algn="ctr" cmpd="sng" cap="flat" w="0">
+                      <a:noFill/>
                       <a:prstDash val="solid"/>
                     </a:lnR>
                     <a:lnT algn="ctr" cmpd="sng" cap="flat" w="12700">
@@ -7397,19 +5977,11 @@
                   </a:txBody>
                   <a:tcPr anchor="ctr" marB="0" marT="0" marR="0" marL="0">
                     <a:lnL algn="ctr" cmpd="sng" cap="flat" w="0">
-                      <a:solidFill>
-                        <a:srgbClr val="000000">
-                          <a:alpha val="100000"/>
-                        </a:srgbClr>
-                      </a:solidFill>
-                      <a:prstDash val="solid"/>
-                    </a:lnL>
-                    <a:lnR algn="ctr" cmpd="sng" cap="flat" w="0">
-                      <a:solidFill>
-                        <a:srgbClr val="000000">
-                          <a:alpha val="100000"/>
-                        </a:srgbClr>
-                      </a:solidFill>
+                      <a:noFill/>
+                      <a:prstDash val="solid"/>
+                    </a:lnL>
+                    <a:lnR algn="ctr" cmpd="sng" cap="flat" w="0">
+                      <a:noFill/>
                       <a:prstDash val="solid"/>
                     </a:lnR>
                     <a:lnT algn="ctr" cmpd="sng" cap="flat" w="12700">
@@ -7460,19 +6032,11 @@
                   </a:txBody>
                   <a:tcPr anchor="ctr" marB="0" marT="0" marR="0" marL="0">
                     <a:lnL algn="ctr" cmpd="sng" cap="flat" w="0">
-                      <a:solidFill>
-                        <a:srgbClr val="000000">
-                          <a:alpha val="100000"/>
-                        </a:srgbClr>
-                      </a:solidFill>
-                      <a:prstDash val="solid"/>
-                    </a:lnL>
-                    <a:lnR algn="ctr" cmpd="sng" cap="flat" w="0">
-                      <a:solidFill>
-                        <a:srgbClr val="000000">
-                          <a:alpha val="100000"/>
-                        </a:srgbClr>
-                      </a:solidFill>
+                      <a:noFill/>
+                      <a:prstDash val="solid"/>
+                    </a:lnL>
+                    <a:lnR algn="ctr" cmpd="sng" cap="flat" w="0">
+                      <a:noFill/>
                       <a:prstDash val="solid"/>
                     </a:lnR>
                     <a:lnT algn="ctr" cmpd="sng" cap="flat" w="12700">
@@ -7523,82 +6087,66 @@
                   </a:txBody>
                   <a:tcPr anchor="ctr" marB="0" marT="0" marR="0" marL="0">
                     <a:lnL algn="ctr" cmpd="sng" cap="flat" w="0">
-                      <a:solidFill>
-                        <a:srgbClr val="000000">
-                          <a:alpha val="100000"/>
-                        </a:srgbClr>
-                      </a:solidFill>
-                      <a:prstDash val="solid"/>
-                    </a:lnL>
-                    <a:lnR algn="ctr" cmpd="sng" cap="flat" w="0">
-                      <a:solidFill>
-                        <a:srgbClr val="000000">
-                          <a:alpha val="100000"/>
-                        </a:srgbClr>
-                      </a:solidFill>
-                      <a:prstDash val="solid"/>
-                    </a:lnR>
-                    <a:lnT algn="ctr" cmpd="sng" cap="flat" w="12700">
-                      <a:solidFill>
-                        <a:srgbClr val="000000">
-                          <a:alpha val="100000"/>
-                        </a:srgbClr>
-                      </a:solidFill>
-                      <a:prstDash val="solid"/>
-                    </a:lnT>
-                    <a:lnB algn="ctr" cmpd="sng" cap="flat" w="12700">
-                      <a:solidFill>
-                        <a:srgbClr val="000000">
-                          <a:alpha val="100000"/>
-                        </a:srgbClr>
-                      </a:solidFill>
-                      <a:prstDash val="solid"/>
-                    </a:lnB>
-                  </a:tcPr>
-                </a:tc>
-                <a:tc>
-                  <a:txBody>
-                    <a:bodyPr/>
-                    <a:lstStyle/>
-                    <a:p>
-                      <a:pPr algn="r" marL="25400" marR="25400">
-                        <a:spcBef>
-                          <a:spcPts val="200"/>
-                        </a:spcBef>
-                        <a:spcAft>
-                          <a:spcPts val="200"/>
-                        </a:spcAft>
-                        <a:buNone/>
-                      </a:pPr>
-                      <a:r>
-                        <a:rPr sz="1000">
-                          <a:solidFill>
-                            <a:srgbClr val="000000">
-                              <a:alpha val="100000"/>
-                            </a:srgbClr>
-                          </a:solidFill>
-                          <a:latin typeface="Arial"/>
-                          <a:cs typeface="Arial"/>
-                        </a:rPr>
-                        <a:t>2.42</a:t>
-                      </a:r>
-                    </a:p>
-                  </a:txBody>
-                  <a:tcPr anchor="ctr" marB="0" marT="0" marR="0" marL="0">
-                    <a:lnL algn="ctr" cmpd="sng" cap="flat" w="0">
-                      <a:solidFill>
-                        <a:srgbClr val="000000">
-                          <a:alpha val="100000"/>
-                        </a:srgbClr>
-                      </a:solidFill>
-                      <a:prstDash val="solid"/>
-                    </a:lnL>
-                    <a:lnR algn="ctr" cmpd="sng" cap="flat" w="0">
-                      <a:solidFill>
-                        <a:srgbClr val="000000">
-                          <a:alpha val="100000"/>
-                        </a:srgbClr>
-                      </a:solidFill>
+                      <a:noFill/>
+                      <a:prstDash val="solid"/>
+                    </a:lnL>
+                    <a:lnR algn="ctr" cmpd="sng" cap="flat" w="0">
+                      <a:noFill/>
+                      <a:prstDash val="solid"/>
+                    </a:lnR>
+                    <a:lnT algn="ctr" cmpd="sng" cap="flat" w="12700">
+                      <a:solidFill>
+                        <a:srgbClr val="000000">
+                          <a:alpha val="100000"/>
+                        </a:srgbClr>
+                      </a:solidFill>
+                      <a:prstDash val="solid"/>
+                    </a:lnT>
+                    <a:lnB algn="ctr" cmpd="sng" cap="flat" w="12700">
+                      <a:solidFill>
+                        <a:srgbClr val="000000">
+                          <a:alpha val="100000"/>
+                        </a:srgbClr>
+                      </a:solidFill>
+                      <a:prstDash val="solid"/>
+                    </a:lnB>
+                  </a:tcPr>
+                </a:tc>
+                <a:tc>
+                  <a:txBody>
+                    <a:bodyPr/>
+                    <a:lstStyle/>
+                    <a:p>
+                      <a:pPr algn="r" marL="25400" marR="25400">
+                        <a:spcBef>
+                          <a:spcPts val="200"/>
+                        </a:spcBef>
+                        <a:spcAft>
+                          <a:spcPts val="200"/>
+                        </a:spcAft>
+                        <a:buNone/>
+                      </a:pPr>
+                      <a:r>
+                        <a:rPr sz="1000">
+                          <a:solidFill>
+                            <a:srgbClr val="000000">
+                              <a:alpha val="100000"/>
+                            </a:srgbClr>
+                          </a:solidFill>
+                          <a:latin typeface="Arial"/>
+                          <a:cs typeface="Arial"/>
+                        </a:rPr>
+                        <a:t>2.420</a:t>
+                      </a:r>
+                    </a:p>
+                  </a:txBody>
+                  <a:tcPr anchor="ctr" marB="0" marT="0" marR="0" marL="0">
+                    <a:lnL algn="ctr" cmpd="sng" cap="flat" w="0">
+                      <a:noFill/>
+                      <a:prstDash val="solid"/>
+                    </a:lnL>
+                    <a:lnR algn="ctr" cmpd="sng" cap="flat" w="0">
+                      <a:noFill/>
                       <a:prstDash val="solid"/>
                     </a:lnR>
                     <a:lnT algn="ctr" cmpd="sng" cap="flat" w="12700">
@@ -7649,19 +6197,11 @@
                   </a:txBody>
                   <a:tcPr anchor="ctr" marB="0" marT="0" marR="0" marL="0">
                     <a:lnL algn="ctr" cmpd="sng" cap="flat" w="0">
-                      <a:solidFill>
-                        <a:srgbClr val="000000">
-                          <a:alpha val="100000"/>
-                        </a:srgbClr>
-                      </a:solidFill>
-                      <a:prstDash val="solid"/>
-                    </a:lnL>
-                    <a:lnR algn="ctr" cmpd="sng" cap="flat" w="0">
-                      <a:solidFill>
-                        <a:srgbClr val="000000">
-                          <a:alpha val="100000"/>
-                        </a:srgbClr>
-                      </a:solidFill>
+                      <a:noFill/>
+                      <a:prstDash val="solid"/>
+                    </a:lnL>
+                    <a:lnR algn="ctr" cmpd="sng" cap="flat" w="0">
+                      <a:noFill/>
                       <a:prstDash val="solid"/>
                     </a:lnR>
                     <a:lnT algn="ctr" cmpd="sng" cap="flat" w="12700">
@@ -7714,19 +6254,11 @@
                   </a:txBody>
                   <a:tcPr anchor="ctr" marB="0" marT="0" marR="0" marL="0">
                     <a:lnL algn="ctr" cmpd="sng" cap="flat" w="0">
-                      <a:solidFill>
-                        <a:srgbClr val="000000">
-                          <a:alpha val="100000"/>
-                        </a:srgbClr>
-                      </a:solidFill>
-                      <a:prstDash val="solid"/>
-                    </a:lnL>
-                    <a:lnR algn="ctr" cmpd="sng" cap="flat" w="0">
-                      <a:solidFill>
-                        <a:srgbClr val="000000">
-                          <a:alpha val="100000"/>
-                        </a:srgbClr>
-                      </a:solidFill>
+                      <a:noFill/>
+                      <a:prstDash val="solid"/>
+                    </a:lnL>
+                    <a:lnR algn="ctr" cmpd="sng" cap="flat" w="0">
+                      <a:noFill/>
                       <a:prstDash val="solid"/>
                     </a:lnR>
                     <a:lnT algn="ctr" cmpd="sng" cap="flat" w="12700">
@@ -7777,19 +6309,11 @@
                   </a:txBody>
                   <a:tcPr anchor="ctr" marB="0" marT="0" marR="0" marL="0">
                     <a:lnL algn="ctr" cmpd="sng" cap="flat" w="0">
-                      <a:solidFill>
-                        <a:srgbClr val="000000">
-                          <a:alpha val="100000"/>
-                        </a:srgbClr>
-                      </a:solidFill>
-                      <a:prstDash val="solid"/>
-                    </a:lnL>
-                    <a:lnR algn="ctr" cmpd="sng" cap="flat" w="0">
-                      <a:solidFill>
-                        <a:srgbClr val="000000">
-                          <a:alpha val="100000"/>
-                        </a:srgbClr>
-                      </a:solidFill>
+                      <a:noFill/>
+                      <a:prstDash val="solid"/>
+                    </a:lnL>
+                    <a:lnR algn="ctr" cmpd="sng" cap="flat" w="0">
+                      <a:noFill/>
                       <a:prstDash val="solid"/>
                     </a:lnR>
                     <a:lnT algn="ctr" cmpd="sng" cap="flat" w="12700">
@@ -7840,19 +6364,11 @@
                   </a:txBody>
                   <a:tcPr anchor="ctr" marB="0" marT="0" marR="0" marL="0">
                     <a:lnL algn="ctr" cmpd="sng" cap="flat" w="0">
-                      <a:solidFill>
-                        <a:srgbClr val="000000">
-                          <a:alpha val="100000"/>
-                        </a:srgbClr>
-                      </a:solidFill>
-                      <a:prstDash val="solid"/>
-                    </a:lnL>
-                    <a:lnR algn="ctr" cmpd="sng" cap="flat" w="0">
-                      <a:solidFill>
-                        <a:srgbClr val="000000">
-                          <a:alpha val="100000"/>
-                        </a:srgbClr>
-                      </a:solidFill>
+                      <a:noFill/>
+                      <a:prstDash val="solid"/>
+                    </a:lnL>
+                    <a:lnR algn="ctr" cmpd="sng" cap="flat" w="0">
+                      <a:noFill/>
                       <a:prstDash val="solid"/>
                     </a:lnR>
                     <a:lnT algn="ctr" cmpd="sng" cap="flat" w="12700">
@@ -7903,19 +6419,11 @@
                   </a:txBody>
                   <a:tcPr anchor="ctr" marB="0" marT="0" marR="0" marL="0">
                     <a:lnL algn="ctr" cmpd="sng" cap="flat" w="0">
-                      <a:solidFill>
-                        <a:srgbClr val="000000">
-                          <a:alpha val="100000"/>
-                        </a:srgbClr>
-                      </a:solidFill>
-                      <a:prstDash val="solid"/>
-                    </a:lnL>
-                    <a:lnR algn="ctr" cmpd="sng" cap="flat" w="0">
-                      <a:solidFill>
-                        <a:srgbClr val="000000">
-                          <a:alpha val="100000"/>
-                        </a:srgbClr>
-                      </a:solidFill>
+                      <a:noFill/>
+                      <a:prstDash val="solid"/>
+                    </a:lnL>
+                    <a:lnR algn="ctr" cmpd="sng" cap="flat" w="0">
+                      <a:noFill/>
                       <a:prstDash val="solid"/>
                     </a:lnR>
                     <a:lnT algn="ctr" cmpd="sng" cap="flat" w="12700">
@@ -7966,19 +6474,11 @@
                   </a:txBody>
                   <a:tcPr anchor="ctr" marB="0" marT="0" marR="0" marL="0">
                     <a:lnL algn="ctr" cmpd="sng" cap="flat" w="0">
-                      <a:solidFill>
-                        <a:srgbClr val="000000">
-                          <a:alpha val="100000"/>
-                        </a:srgbClr>
-                      </a:solidFill>
-                      <a:prstDash val="solid"/>
-                    </a:lnL>
-                    <a:lnR algn="ctr" cmpd="sng" cap="flat" w="0">
-                      <a:solidFill>
-                        <a:srgbClr val="000000">
-                          <a:alpha val="100000"/>
-                        </a:srgbClr>
-                      </a:solidFill>
+                      <a:noFill/>
+                      <a:prstDash val="solid"/>
+                    </a:lnL>
+                    <a:lnR algn="ctr" cmpd="sng" cap="flat" w="0">
+                      <a:noFill/>
                       <a:prstDash val="solid"/>
                     </a:lnR>
                     <a:lnT algn="ctr" cmpd="sng" cap="flat" w="12700">
@@ -8029,19 +6529,11 @@
                   </a:txBody>
                   <a:tcPr anchor="ctr" marB="0" marT="0" marR="0" marL="0">
                     <a:lnL algn="ctr" cmpd="sng" cap="flat" w="0">
-                      <a:solidFill>
-                        <a:srgbClr val="000000">
-                          <a:alpha val="100000"/>
-                        </a:srgbClr>
-                      </a:solidFill>
-                      <a:prstDash val="solid"/>
-                    </a:lnL>
-                    <a:lnR algn="ctr" cmpd="sng" cap="flat" w="0">
-                      <a:solidFill>
-                        <a:srgbClr val="000000">
-                          <a:alpha val="100000"/>
-                        </a:srgbClr>
-                      </a:solidFill>
+                      <a:noFill/>
+                      <a:prstDash val="solid"/>
+                    </a:lnL>
+                    <a:lnR algn="ctr" cmpd="sng" cap="flat" w="0">
+                      <a:noFill/>
                       <a:prstDash val="solid"/>
                     </a:lnR>
                     <a:lnT algn="ctr" cmpd="sng" cap="flat" w="12700">
@@ -8152,19 +6644,11 @@
                   </a:txBody>
                   <a:tcPr anchor="ctr" marB="0" marT="0" marR="0" marL="0">
                     <a:lnL algn="ctr" cmpd="sng" cap="flat" w="0">
-                      <a:solidFill>
-                        <a:srgbClr val="000000">
-                          <a:alpha val="100000"/>
-                        </a:srgbClr>
-                      </a:solidFill>
-                      <a:prstDash val="solid"/>
-                    </a:lnL>
-                    <a:lnR algn="ctr" cmpd="sng" cap="flat" w="0">
-                      <a:solidFill>
-                        <a:srgbClr val="000000">
-                          <a:alpha val="100000"/>
-                        </a:srgbClr>
-                      </a:solidFill>
+                      <a:noFill/>
+                      <a:prstDash val="solid"/>
+                    </a:lnL>
+                    <a:lnR algn="ctr" cmpd="sng" cap="flat" w="0">
+                      <a:noFill/>
                       <a:prstDash val="solid"/>
                     </a:lnR>
                     <a:lnT algn="ctr" cmpd="sng" cap="flat" w="25400">
@@ -8215,19 +6699,11 @@
                   </a:txBody>
                   <a:tcPr anchor="ctr" marB="0" marT="0" marR="0" marL="0">
                     <a:lnL algn="ctr" cmpd="sng" cap="flat" w="0">
-                      <a:solidFill>
-                        <a:srgbClr val="000000">
-                          <a:alpha val="100000"/>
-                        </a:srgbClr>
-                      </a:solidFill>
-                      <a:prstDash val="solid"/>
-                    </a:lnL>
-                    <a:lnR algn="ctr" cmpd="sng" cap="flat" w="0">
-                      <a:solidFill>
-                        <a:srgbClr val="000000">
-                          <a:alpha val="100000"/>
-                        </a:srgbClr>
-                      </a:solidFill>
+                      <a:noFill/>
+                      <a:prstDash val="solid"/>
+                    </a:lnL>
+                    <a:lnR algn="ctr" cmpd="sng" cap="flat" w="0">
+                      <a:noFill/>
                       <a:prstDash val="solid"/>
                     </a:lnR>
                     <a:lnT algn="ctr" cmpd="sng" cap="flat" w="25400">
@@ -8278,19 +6754,11 @@
                   </a:txBody>
                   <a:tcPr anchor="ctr" marB="0" marT="0" marR="0" marL="0">
                     <a:lnL algn="ctr" cmpd="sng" cap="flat" w="0">
-                      <a:solidFill>
-                        <a:srgbClr val="000000">
-                          <a:alpha val="100000"/>
-                        </a:srgbClr>
-                      </a:solidFill>
-                      <a:prstDash val="solid"/>
-                    </a:lnL>
-                    <a:lnR algn="ctr" cmpd="sng" cap="flat" w="0">
-                      <a:solidFill>
-                        <a:srgbClr val="000000">
-                          <a:alpha val="100000"/>
-                        </a:srgbClr>
-                      </a:solidFill>
+                      <a:noFill/>
+                      <a:prstDash val="solid"/>
+                    </a:lnL>
+                    <a:lnR algn="ctr" cmpd="sng" cap="flat" w="0">
+                      <a:noFill/>
                       <a:prstDash val="solid"/>
                     </a:lnR>
                     <a:lnT algn="ctr" cmpd="sng" cap="flat" w="25400">
@@ -8341,19 +6809,11 @@
                   </a:txBody>
                   <a:tcPr anchor="ctr" marB="0" marT="0" marR="0" marL="0">
                     <a:lnL algn="ctr" cmpd="sng" cap="flat" w="0">
-                      <a:solidFill>
-                        <a:srgbClr val="000000">
-                          <a:alpha val="100000"/>
-                        </a:srgbClr>
-                      </a:solidFill>
-                      <a:prstDash val="solid"/>
-                    </a:lnL>
-                    <a:lnR algn="ctr" cmpd="sng" cap="flat" w="0">
-                      <a:solidFill>
-                        <a:srgbClr val="000000">
-                          <a:alpha val="100000"/>
-                        </a:srgbClr>
-                      </a:solidFill>
+                      <a:noFill/>
+                      <a:prstDash val="solid"/>
+                    </a:lnL>
+                    <a:lnR algn="ctr" cmpd="sng" cap="flat" w="0">
+                      <a:noFill/>
                       <a:prstDash val="solid"/>
                     </a:lnR>
                     <a:lnT algn="ctr" cmpd="sng" cap="flat" w="25400">
@@ -8404,19 +6864,11 @@
                   </a:txBody>
                   <a:tcPr anchor="ctr" marB="0" marT="0" marR="0" marL="0">
                     <a:lnL algn="ctr" cmpd="sng" cap="flat" w="0">
-                      <a:solidFill>
-                        <a:srgbClr val="000000">
-                          <a:alpha val="100000"/>
-                        </a:srgbClr>
-                      </a:solidFill>
-                      <a:prstDash val="solid"/>
-                    </a:lnL>
-                    <a:lnR algn="ctr" cmpd="sng" cap="flat" w="0">
-                      <a:solidFill>
-                        <a:srgbClr val="000000">
-                          <a:alpha val="100000"/>
-                        </a:srgbClr>
-                      </a:solidFill>
+                      <a:noFill/>
+                      <a:prstDash val="solid"/>
+                    </a:lnL>
+                    <a:lnR algn="ctr" cmpd="sng" cap="flat" w="0">
+                      <a:noFill/>
                       <a:prstDash val="solid"/>
                     </a:lnR>
                     <a:lnT algn="ctr" cmpd="sng" cap="flat" w="25400">
@@ -8467,19 +6919,11 @@
                   </a:txBody>
                   <a:tcPr anchor="ctr" marB="0" marT="0" marR="0" marL="0">
                     <a:lnL algn="ctr" cmpd="sng" cap="flat" w="0">
-                      <a:solidFill>
-                        <a:srgbClr val="000000">
-                          <a:alpha val="100000"/>
-                        </a:srgbClr>
-                      </a:solidFill>
-                      <a:prstDash val="solid"/>
-                    </a:lnL>
-                    <a:lnR algn="ctr" cmpd="sng" cap="flat" w="0">
-                      <a:solidFill>
-                        <a:srgbClr val="000000">
-                          <a:alpha val="100000"/>
-                        </a:srgbClr>
-                      </a:solidFill>
+                      <a:noFill/>
+                      <a:prstDash val="solid"/>
+                    </a:lnL>
+                    <a:lnR algn="ctr" cmpd="sng" cap="flat" w="0">
+                      <a:noFill/>
                       <a:prstDash val="solid"/>
                     </a:lnR>
                     <a:lnT algn="ctr" cmpd="sng" cap="flat" w="25400">
@@ -8532,19 +6976,11 @@
                   </a:txBody>
                   <a:tcPr anchor="ctr" marB="0" marT="0" marR="0" marL="0">
                     <a:lnL algn="ctr" cmpd="sng" cap="flat" w="0">
-                      <a:solidFill>
-                        <a:srgbClr val="000000">
-                          <a:alpha val="100000"/>
-                        </a:srgbClr>
-                      </a:solidFill>
-                      <a:prstDash val="solid"/>
-                    </a:lnL>
-                    <a:lnR algn="ctr" cmpd="sng" cap="flat" w="0">
-                      <a:solidFill>
-                        <a:srgbClr val="000000">
-                          <a:alpha val="100000"/>
-                        </a:srgbClr>
-                      </a:solidFill>
+                      <a:noFill/>
+                      <a:prstDash val="solid"/>
+                    </a:lnL>
+                    <a:lnR algn="ctr" cmpd="sng" cap="flat" w="0">
+                      <a:noFill/>
                       <a:prstDash val="solid"/>
                     </a:lnR>
                     <a:lnT algn="ctr" cmpd="sng" cap="flat" w="12700">
@@ -8595,19 +7031,11 @@
                   </a:txBody>
                   <a:tcPr anchor="ctr" marB="0" marT="0" marR="0" marL="0">
                     <a:lnL algn="ctr" cmpd="sng" cap="flat" w="0">
-                      <a:solidFill>
-                        <a:srgbClr val="000000">
-                          <a:alpha val="100000"/>
-                        </a:srgbClr>
-                      </a:solidFill>
-                      <a:prstDash val="solid"/>
-                    </a:lnL>
-                    <a:lnR algn="ctr" cmpd="sng" cap="flat" w="0">
-                      <a:solidFill>
-                        <a:srgbClr val="000000">
-                          <a:alpha val="100000"/>
-                        </a:srgbClr>
-                      </a:solidFill>
+                      <a:noFill/>
+                      <a:prstDash val="solid"/>
+                    </a:lnL>
+                    <a:lnR algn="ctr" cmpd="sng" cap="flat" w="0">
+                      <a:noFill/>
                       <a:prstDash val="solid"/>
                     </a:lnR>
                     <a:lnT algn="ctr" cmpd="sng" cap="flat" w="12700">
@@ -8658,19 +7086,11 @@
                   </a:txBody>
                   <a:tcPr anchor="ctr" marB="0" marT="0" marR="0" marL="0">
                     <a:lnL algn="ctr" cmpd="sng" cap="flat" w="0">
-                      <a:solidFill>
-                        <a:srgbClr val="000000">
-                          <a:alpha val="100000"/>
-                        </a:srgbClr>
-                      </a:solidFill>
-                      <a:prstDash val="solid"/>
-                    </a:lnL>
-                    <a:lnR algn="ctr" cmpd="sng" cap="flat" w="0">
-                      <a:solidFill>
-                        <a:srgbClr val="000000">
-                          <a:alpha val="100000"/>
-                        </a:srgbClr>
-                      </a:solidFill>
+                      <a:noFill/>
+                      <a:prstDash val="solid"/>
+                    </a:lnL>
+                    <a:lnR algn="ctr" cmpd="sng" cap="flat" w="0">
+                      <a:noFill/>
                       <a:prstDash val="solid"/>
                     </a:lnR>
                     <a:lnT algn="ctr" cmpd="sng" cap="flat" w="12700">
@@ -8721,19 +7141,11 @@
                   </a:txBody>
                   <a:tcPr anchor="ctr" marB="0" marT="0" marR="0" marL="0">
                     <a:lnL algn="ctr" cmpd="sng" cap="flat" w="0">
-                      <a:solidFill>
-                        <a:srgbClr val="000000">
-                          <a:alpha val="100000"/>
-                        </a:srgbClr>
-                      </a:solidFill>
-                      <a:prstDash val="solid"/>
-                    </a:lnL>
-                    <a:lnR algn="ctr" cmpd="sng" cap="flat" w="0">
-                      <a:solidFill>
-                        <a:srgbClr val="000000">
-                          <a:alpha val="100000"/>
-                        </a:srgbClr>
-                      </a:solidFill>
+                      <a:noFill/>
+                      <a:prstDash val="solid"/>
+                    </a:lnL>
+                    <a:lnR algn="ctr" cmpd="sng" cap="flat" w="0">
+                      <a:noFill/>
                       <a:prstDash val="solid"/>
                     </a:lnR>
                     <a:lnT algn="ctr" cmpd="sng" cap="flat" w="12700">
@@ -8784,19 +7196,11 @@
                   </a:txBody>
                   <a:tcPr anchor="ctr" marB="0" marT="0" marR="0" marL="0">
                     <a:lnL algn="ctr" cmpd="sng" cap="flat" w="0">
-                      <a:solidFill>
-                        <a:srgbClr val="000000">
-                          <a:alpha val="100000"/>
-                        </a:srgbClr>
-                      </a:solidFill>
-                      <a:prstDash val="solid"/>
-                    </a:lnL>
-                    <a:lnR algn="ctr" cmpd="sng" cap="flat" w="0">
-                      <a:solidFill>
-                        <a:srgbClr val="000000">
-                          <a:alpha val="100000"/>
-                        </a:srgbClr>
-                      </a:solidFill>
+                      <a:noFill/>
+                      <a:prstDash val="solid"/>
+                    </a:lnL>
+                    <a:lnR algn="ctr" cmpd="sng" cap="flat" w="0">
+                      <a:noFill/>
                       <a:prstDash val="solid"/>
                     </a:lnR>
                     <a:lnT algn="ctr" cmpd="sng" cap="flat" w="12700">
@@ -8847,19 +7251,11 @@
                   </a:txBody>
                   <a:tcPr anchor="ctr" marB="0" marT="0" marR="0" marL="0">
                     <a:lnL algn="ctr" cmpd="sng" cap="flat" w="0">
-                      <a:solidFill>
-                        <a:srgbClr val="000000">
-                          <a:alpha val="100000"/>
-                        </a:srgbClr>
-                      </a:solidFill>
-                      <a:prstDash val="solid"/>
-                    </a:lnL>
-                    <a:lnR algn="ctr" cmpd="sng" cap="flat" w="0">
-                      <a:solidFill>
-                        <a:srgbClr val="000000">
-                          <a:alpha val="100000"/>
-                        </a:srgbClr>
-                      </a:solidFill>
+                      <a:noFill/>
+                      <a:prstDash val="solid"/>
+                    </a:lnL>
+                    <a:lnR algn="ctr" cmpd="sng" cap="flat" w="0">
+                      <a:noFill/>
                       <a:prstDash val="solid"/>
                     </a:lnR>
                     <a:lnT algn="ctr" cmpd="sng" cap="flat" w="12700">
@@ -8912,19 +7308,11 @@
                   </a:txBody>
                   <a:tcPr anchor="ctr" marB="0" marT="0" marR="0" marL="0">
                     <a:lnL algn="ctr" cmpd="sng" cap="flat" w="0">
-                      <a:solidFill>
-                        <a:srgbClr val="000000">
-                          <a:alpha val="100000"/>
-                        </a:srgbClr>
-                      </a:solidFill>
-                      <a:prstDash val="solid"/>
-                    </a:lnL>
-                    <a:lnR algn="ctr" cmpd="sng" cap="flat" w="0">
-                      <a:solidFill>
-                        <a:srgbClr val="000000">
-                          <a:alpha val="100000"/>
-                        </a:srgbClr>
-                      </a:solidFill>
+                      <a:noFill/>
+                      <a:prstDash val="solid"/>
+                    </a:lnL>
+                    <a:lnR algn="ctr" cmpd="sng" cap="flat" w="0">
+                      <a:noFill/>
                       <a:prstDash val="solid"/>
                     </a:lnR>
                     <a:lnT algn="ctr" cmpd="sng" cap="flat" w="12700">
@@ -8975,19 +7363,11 @@
                   </a:txBody>
                   <a:tcPr anchor="ctr" marB="0" marT="0" marR="0" marL="0">
                     <a:lnL algn="ctr" cmpd="sng" cap="flat" w="0">
-                      <a:solidFill>
-                        <a:srgbClr val="000000">
-                          <a:alpha val="100000"/>
-                        </a:srgbClr>
-                      </a:solidFill>
-                      <a:prstDash val="solid"/>
-                    </a:lnL>
-                    <a:lnR algn="ctr" cmpd="sng" cap="flat" w="0">
-                      <a:solidFill>
-                        <a:srgbClr val="000000">
-                          <a:alpha val="100000"/>
-                        </a:srgbClr>
-                      </a:solidFill>
+                      <a:noFill/>
+                      <a:prstDash val="solid"/>
+                    </a:lnL>
+                    <a:lnR algn="ctr" cmpd="sng" cap="flat" w="0">
+                      <a:noFill/>
                       <a:prstDash val="solid"/>
                     </a:lnR>
                     <a:lnT algn="ctr" cmpd="sng" cap="flat" w="12700">
@@ -9038,19 +7418,11 @@
                   </a:txBody>
                   <a:tcPr anchor="ctr" marB="0" marT="0" marR="0" marL="0">
                     <a:lnL algn="ctr" cmpd="sng" cap="flat" w="0">
-                      <a:solidFill>
-                        <a:srgbClr val="000000">
-                          <a:alpha val="100000"/>
-                        </a:srgbClr>
-                      </a:solidFill>
-                      <a:prstDash val="solid"/>
-                    </a:lnL>
-                    <a:lnR algn="ctr" cmpd="sng" cap="flat" w="0">
-                      <a:solidFill>
-                        <a:srgbClr val="000000">
-                          <a:alpha val="100000"/>
-                        </a:srgbClr>
-                      </a:solidFill>
+                      <a:noFill/>
+                      <a:prstDash val="solid"/>
+                    </a:lnL>
+                    <a:lnR algn="ctr" cmpd="sng" cap="flat" w="0">
+                      <a:noFill/>
                       <a:prstDash val="solid"/>
                     </a:lnR>
                     <a:lnT algn="ctr" cmpd="sng" cap="flat" w="12700">
@@ -9101,19 +7473,11 @@
                   </a:txBody>
                   <a:tcPr anchor="ctr" marB="0" marT="0" marR="0" marL="0">
                     <a:lnL algn="ctr" cmpd="sng" cap="flat" w="0">
-                      <a:solidFill>
-                        <a:srgbClr val="000000">
-                          <a:alpha val="100000"/>
-                        </a:srgbClr>
-                      </a:solidFill>
-                      <a:prstDash val="solid"/>
-                    </a:lnL>
-                    <a:lnR algn="ctr" cmpd="sng" cap="flat" w="0">
-                      <a:solidFill>
-                        <a:srgbClr val="000000">
-                          <a:alpha val="100000"/>
-                        </a:srgbClr>
-                      </a:solidFill>
+                      <a:noFill/>
+                      <a:prstDash val="solid"/>
+                    </a:lnL>
+                    <a:lnR algn="ctr" cmpd="sng" cap="flat" w="0">
+                      <a:noFill/>
                       <a:prstDash val="solid"/>
                     </a:lnR>
                     <a:lnT algn="ctr" cmpd="sng" cap="flat" w="12700">
@@ -9164,19 +7528,11 @@
                   </a:txBody>
                   <a:tcPr anchor="ctr" marB="0" marT="0" marR="0" marL="0">
                     <a:lnL algn="ctr" cmpd="sng" cap="flat" w="0">
-                      <a:solidFill>
-                        <a:srgbClr val="000000">
-                          <a:alpha val="100000"/>
-                        </a:srgbClr>
-                      </a:solidFill>
-                      <a:prstDash val="solid"/>
-                    </a:lnL>
-                    <a:lnR algn="ctr" cmpd="sng" cap="flat" w="0">
-                      <a:solidFill>
-                        <a:srgbClr val="000000">
-                          <a:alpha val="100000"/>
-                        </a:srgbClr>
-                      </a:solidFill>
+                      <a:noFill/>
+                      <a:prstDash val="solid"/>
+                    </a:lnL>
+                    <a:lnR algn="ctr" cmpd="sng" cap="flat" w="0">
+                      <a:noFill/>
                       <a:prstDash val="solid"/>
                     </a:lnR>
                     <a:lnT algn="ctr" cmpd="sng" cap="flat" w="12700">
@@ -9227,19 +7583,11 @@
                   </a:txBody>
                   <a:tcPr anchor="ctr" marB="0" marT="0" marR="0" marL="0">
                     <a:lnL algn="ctr" cmpd="sng" cap="flat" w="0">
-                      <a:solidFill>
-                        <a:srgbClr val="000000">
-                          <a:alpha val="100000"/>
-                        </a:srgbClr>
-                      </a:solidFill>
-                      <a:prstDash val="solid"/>
-                    </a:lnL>
-                    <a:lnR algn="ctr" cmpd="sng" cap="flat" w="0">
-                      <a:solidFill>
-                        <a:srgbClr val="000000">
-                          <a:alpha val="100000"/>
-                        </a:srgbClr>
-                      </a:solidFill>
+                      <a:noFill/>
+                      <a:prstDash val="solid"/>
+                    </a:lnL>
+                    <a:lnR algn="ctr" cmpd="sng" cap="flat" w="0">
+                      <a:noFill/>
                       <a:prstDash val="solid"/>
                     </a:lnR>
                     <a:lnT algn="ctr" cmpd="sng" cap="flat" w="12700">
@@ -9292,19 +7640,11 @@
                   </a:txBody>
                   <a:tcPr anchor="ctr" marB="0" marT="0" marR="0" marL="0">
                     <a:lnL algn="ctr" cmpd="sng" cap="flat" w="0">
-                      <a:solidFill>
-                        <a:srgbClr val="000000">
-                          <a:alpha val="100000"/>
-                        </a:srgbClr>
-                      </a:solidFill>
-                      <a:prstDash val="solid"/>
-                    </a:lnL>
-                    <a:lnR algn="ctr" cmpd="sng" cap="flat" w="0">
-                      <a:solidFill>
-                        <a:srgbClr val="000000">
-                          <a:alpha val="100000"/>
-                        </a:srgbClr>
-                      </a:solidFill>
+                      <a:noFill/>
+                      <a:prstDash val="solid"/>
+                    </a:lnL>
+                    <a:lnR algn="ctr" cmpd="sng" cap="flat" w="0">
+                      <a:noFill/>
                       <a:prstDash val="solid"/>
                     </a:lnR>
                     <a:lnT algn="ctr" cmpd="sng" cap="flat" w="12700">
@@ -9355,19 +7695,11 @@
                   </a:txBody>
                   <a:tcPr anchor="ctr" marB="0" marT="0" marR="0" marL="0">
                     <a:lnL algn="ctr" cmpd="sng" cap="flat" w="0">
-                      <a:solidFill>
-                        <a:srgbClr val="000000">
-                          <a:alpha val="100000"/>
-                        </a:srgbClr>
-                      </a:solidFill>
-                      <a:prstDash val="solid"/>
-                    </a:lnL>
-                    <a:lnR algn="ctr" cmpd="sng" cap="flat" w="0">
-                      <a:solidFill>
-                        <a:srgbClr val="000000">
-                          <a:alpha val="100000"/>
-                        </a:srgbClr>
-                      </a:solidFill>
+                      <a:noFill/>
+                      <a:prstDash val="solid"/>
+                    </a:lnL>
+                    <a:lnR algn="ctr" cmpd="sng" cap="flat" w="0">
+                      <a:noFill/>
                       <a:prstDash val="solid"/>
                     </a:lnR>
                     <a:lnT algn="ctr" cmpd="sng" cap="flat" w="12700">
@@ -9418,19 +7750,11 @@
                   </a:txBody>
                   <a:tcPr anchor="ctr" marB="0" marT="0" marR="0" marL="0">
                     <a:lnL algn="ctr" cmpd="sng" cap="flat" w="0">
-                      <a:solidFill>
-                        <a:srgbClr val="000000">
-                          <a:alpha val="100000"/>
-                        </a:srgbClr>
-                      </a:solidFill>
-                      <a:prstDash val="solid"/>
-                    </a:lnL>
-                    <a:lnR algn="ctr" cmpd="sng" cap="flat" w="0">
-                      <a:solidFill>
-                        <a:srgbClr val="000000">
-                          <a:alpha val="100000"/>
-                        </a:srgbClr>
-                      </a:solidFill>
+                      <a:noFill/>
+                      <a:prstDash val="solid"/>
+                    </a:lnL>
+                    <a:lnR algn="ctr" cmpd="sng" cap="flat" w="0">
+                      <a:noFill/>
                       <a:prstDash val="solid"/>
                     </a:lnR>
                     <a:lnT algn="ctr" cmpd="sng" cap="flat" w="12700">
@@ -9481,19 +7805,11 @@
                   </a:txBody>
                   <a:tcPr anchor="ctr" marB="0" marT="0" marR="0" marL="0">
                     <a:lnL algn="ctr" cmpd="sng" cap="flat" w="0">
-                      <a:solidFill>
-                        <a:srgbClr val="000000">
-                          <a:alpha val="100000"/>
-                        </a:srgbClr>
-                      </a:solidFill>
-                      <a:prstDash val="solid"/>
-                    </a:lnL>
-                    <a:lnR algn="ctr" cmpd="sng" cap="flat" w="0">
-                      <a:solidFill>
-                        <a:srgbClr val="000000">
-                          <a:alpha val="100000"/>
-                        </a:srgbClr>
-                      </a:solidFill>
+                      <a:noFill/>
+                      <a:prstDash val="solid"/>
+                    </a:lnL>
+                    <a:lnR algn="ctr" cmpd="sng" cap="flat" w="0">
+                      <a:noFill/>
                       <a:prstDash val="solid"/>
                     </a:lnR>
                     <a:lnT algn="ctr" cmpd="sng" cap="flat" w="12700">
@@ -9544,19 +7860,11 @@
                   </a:txBody>
                   <a:tcPr anchor="ctr" marB="0" marT="0" marR="0" marL="0">
                     <a:lnL algn="ctr" cmpd="sng" cap="flat" w="0">
-                      <a:solidFill>
-                        <a:srgbClr val="000000">
-                          <a:alpha val="100000"/>
-                        </a:srgbClr>
-                      </a:solidFill>
-                      <a:prstDash val="solid"/>
-                    </a:lnL>
-                    <a:lnR algn="ctr" cmpd="sng" cap="flat" w="0">
-                      <a:solidFill>
-                        <a:srgbClr val="000000">
-                          <a:alpha val="100000"/>
-                        </a:srgbClr>
-                      </a:solidFill>
+                      <a:noFill/>
+                      <a:prstDash val="solid"/>
+                    </a:lnL>
+                    <a:lnR algn="ctr" cmpd="sng" cap="flat" w="0">
+                      <a:noFill/>
                       <a:prstDash val="solid"/>
                     </a:lnR>
                     <a:lnT algn="ctr" cmpd="sng" cap="flat" w="12700">
@@ -9607,19 +7915,11 @@
                   </a:txBody>
                   <a:tcPr anchor="ctr" marB="0" marT="0" marR="0" marL="0">
                     <a:lnL algn="ctr" cmpd="sng" cap="flat" w="0">
-                      <a:solidFill>
-                        <a:srgbClr val="000000">
-                          <a:alpha val="100000"/>
-                        </a:srgbClr>
-                      </a:solidFill>
-                      <a:prstDash val="solid"/>
-                    </a:lnL>
-                    <a:lnR algn="ctr" cmpd="sng" cap="flat" w="0">
-                      <a:solidFill>
-                        <a:srgbClr val="000000">
-                          <a:alpha val="100000"/>
-                        </a:srgbClr>
-                      </a:solidFill>
+                      <a:noFill/>
+                      <a:prstDash val="solid"/>
+                    </a:lnL>
+                    <a:lnR algn="ctr" cmpd="sng" cap="flat" w="0">
+                      <a:noFill/>
                       <a:prstDash val="solid"/>
                     </a:lnR>
                     <a:lnT algn="ctr" cmpd="sng" cap="flat" w="12700">
@@ -9672,19 +7972,11 @@
                   </a:txBody>
                   <a:tcPr anchor="ctr" marB="0" marT="0" marR="0" marL="0">
                     <a:lnL algn="ctr" cmpd="sng" cap="flat" w="0">
-                      <a:solidFill>
-                        <a:srgbClr val="000000">
-                          <a:alpha val="100000"/>
-                        </a:srgbClr>
-                      </a:solidFill>
-                      <a:prstDash val="solid"/>
-                    </a:lnL>
-                    <a:lnR algn="ctr" cmpd="sng" cap="flat" w="0">
-                      <a:solidFill>
-                        <a:srgbClr val="000000">
-                          <a:alpha val="100000"/>
-                        </a:srgbClr>
-                      </a:solidFill>
+                      <a:noFill/>
+                      <a:prstDash val="solid"/>
+                    </a:lnL>
+                    <a:lnR algn="ctr" cmpd="sng" cap="flat" w="0">
+                      <a:noFill/>
                       <a:prstDash val="solid"/>
                     </a:lnR>
                     <a:lnT algn="ctr" cmpd="sng" cap="flat" w="12700">
@@ -9735,19 +8027,11 @@
                   </a:txBody>
                   <a:tcPr anchor="ctr" marB="0" marT="0" marR="0" marL="0">
                     <a:lnL algn="ctr" cmpd="sng" cap="flat" w="0">
-                      <a:solidFill>
-                        <a:srgbClr val="000000">
-                          <a:alpha val="100000"/>
-                        </a:srgbClr>
-                      </a:solidFill>
-                      <a:prstDash val="solid"/>
-                    </a:lnL>
-                    <a:lnR algn="ctr" cmpd="sng" cap="flat" w="0">
-                      <a:solidFill>
-                        <a:srgbClr val="000000">
-                          <a:alpha val="100000"/>
-                        </a:srgbClr>
-                      </a:solidFill>
+                      <a:noFill/>
+                      <a:prstDash val="solid"/>
+                    </a:lnL>
+                    <a:lnR algn="ctr" cmpd="sng" cap="flat" w="0">
+                      <a:noFill/>
                       <a:prstDash val="solid"/>
                     </a:lnR>
                     <a:lnT algn="ctr" cmpd="sng" cap="flat" w="12700">
@@ -9798,19 +8082,11 @@
                   </a:txBody>
                   <a:tcPr anchor="ctr" marB="0" marT="0" marR="0" marL="0">
                     <a:lnL algn="ctr" cmpd="sng" cap="flat" w="0">
-                      <a:solidFill>
-                        <a:srgbClr val="000000">
-                          <a:alpha val="100000"/>
-                        </a:srgbClr>
-                      </a:solidFill>
-                      <a:prstDash val="solid"/>
-                    </a:lnL>
-                    <a:lnR algn="ctr" cmpd="sng" cap="flat" w="0">
-                      <a:solidFill>
-                        <a:srgbClr val="000000">
-                          <a:alpha val="100000"/>
-                        </a:srgbClr>
-                      </a:solidFill>
+                      <a:noFill/>
+                      <a:prstDash val="solid"/>
+                    </a:lnL>
+                    <a:lnR algn="ctr" cmpd="sng" cap="flat" w="0">
+                      <a:noFill/>
                       <a:prstDash val="solid"/>
                     </a:lnR>
                     <a:lnT algn="ctr" cmpd="sng" cap="flat" w="12700">
@@ -9861,19 +8137,11 @@
                   </a:txBody>
                   <a:tcPr anchor="ctr" marB="0" marT="0" marR="0" marL="0">
                     <a:lnL algn="ctr" cmpd="sng" cap="flat" w="0">
-                      <a:solidFill>
-                        <a:srgbClr val="000000">
-                          <a:alpha val="100000"/>
-                        </a:srgbClr>
-                      </a:solidFill>
-                      <a:prstDash val="solid"/>
-                    </a:lnL>
-                    <a:lnR algn="ctr" cmpd="sng" cap="flat" w="0">
-                      <a:solidFill>
-                        <a:srgbClr val="000000">
-                          <a:alpha val="100000"/>
-                        </a:srgbClr>
-                      </a:solidFill>
+                      <a:noFill/>
+                      <a:prstDash val="solid"/>
+                    </a:lnL>
+                    <a:lnR algn="ctr" cmpd="sng" cap="flat" w="0">
+                      <a:noFill/>
                       <a:prstDash val="solid"/>
                     </a:lnR>
                     <a:lnT algn="ctr" cmpd="sng" cap="flat" w="12700">
@@ -9924,19 +8192,11 @@
                   </a:txBody>
                   <a:tcPr anchor="ctr" marB="0" marT="0" marR="0" marL="0">
                     <a:lnL algn="ctr" cmpd="sng" cap="flat" w="0">
-                      <a:solidFill>
-                        <a:srgbClr val="000000">
-                          <a:alpha val="100000"/>
-                        </a:srgbClr>
-                      </a:solidFill>
-                      <a:prstDash val="solid"/>
-                    </a:lnL>
-                    <a:lnR algn="ctr" cmpd="sng" cap="flat" w="0">
-                      <a:solidFill>
-                        <a:srgbClr val="000000">
-                          <a:alpha val="100000"/>
-                        </a:srgbClr>
-                      </a:solidFill>
+                      <a:noFill/>
+                      <a:prstDash val="solid"/>
+                    </a:lnL>
+                    <a:lnR algn="ctr" cmpd="sng" cap="flat" w="0">
+                      <a:noFill/>
                       <a:prstDash val="solid"/>
                     </a:lnR>
                     <a:lnT algn="ctr" cmpd="sng" cap="flat" w="12700">
@@ -9987,19 +8247,11 @@
                   </a:txBody>
                   <a:tcPr anchor="ctr" marB="0" marT="0" marR="0" marL="0">
                     <a:lnL algn="ctr" cmpd="sng" cap="flat" w="0">
-                      <a:solidFill>
-                        <a:srgbClr val="000000">
-                          <a:alpha val="100000"/>
-                        </a:srgbClr>
-                      </a:solidFill>
-                      <a:prstDash val="solid"/>
-                    </a:lnL>
-                    <a:lnR algn="ctr" cmpd="sng" cap="flat" w="0">
-                      <a:solidFill>
-                        <a:srgbClr val="000000">
-                          <a:alpha val="100000"/>
-                        </a:srgbClr>
-                      </a:solidFill>
+                      <a:noFill/>
+                      <a:prstDash val="solid"/>
+                    </a:lnL>
+                    <a:lnR algn="ctr" cmpd="sng" cap="flat" w="0">
+                      <a:noFill/>
                       <a:prstDash val="solid"/>
                     </a:lnR>
                     <a:lnT algn="ctr" cmpd="sng" cap="flat" w="12700">
@@ -10052,19 +8304,11 @@
                   </a:txBody>
                   <a:tcPr anchor="ctr" marB="0" marT="0" marR="0" marL="0">
                     <a:lnL algn="ctr" cmpd="sng" cap="flat" w="0">
-                      <a:solidFill>
-                        <a:srgbClr val="000000">
-                          <a:alpha val="100000"/>
-                        </a:srgbClr>
-                      </a:solidFill>
-                      <a:prstDash val="solid"/>
-                    </a:lnL>
-                    <a:lnR algn="ctr" cmpd="sng" cap="flat" w="0">
-                      <a:solidFill>
-                        <a:srgbClr val="000000">
-                          <a:alpha val="100000"/>
-                        </a:srgbClr>
-                      </a:solidFill>
+                      <a:noFill/>
+                      <a:prstDash val="solid"/>
+                    </a:lnL>
+                    <a:lnR algn="ctr" cmpd="sng" cap="flat" w="0">
+                      <a:noFill/>
                       <a:prstDash val="solid"/>
                     </a:lnR>
                     <a:lnT algn="ctr" cmpd="sng" cap="flat" w="12700">
@@ -10115,19 +8359,11 @@
                   </a:txBody>
                   <a:tcPr anchor="ctr" marB="0" marT="0" marR="0" marL="0">
                     <a:lnL algn="ctr" cmpd="sng" cap="flat" w="0">
-                      <a:solidFill>
-                        <a:srgbClr val="000000">
-                          <a:alpha val="100000"/>
-                        </a:srgbClr>
-                      </a:solidFill>
-                      <a:prstDash val="solid"/>
-                    </a:lnL>
-                    <a:lnR algn="ctr" cmpd="sng" cap="flat" w="0">
-                      <a:solidFill>
-                        <a:srgbClr val="000000">
-                          <a:alpha val="100000"/>
-                        </a:srgbClr>
-                      </a:solidFill>
+                      <a:noFill/>
+                      <a:prstDash val="solid"/>
+                    </a:lnL>
+                    <a:lnR algn="ctr" cmpd="sng" cap="flat" w="0">
+                      <a:noFill/>
                       <a:prstDash val="solid"/>
                     </a:lnR>
                     <a:lnT algn="ctr" cmpd="sng" cap="flat" w="12700">
@@ -10178,19 +8414,11 @@
                   </a:txBody>
                   <a:tcPr anchor="ctr" marB="0" marT="0" marR="0" marL="0">
                     <a:lnL algn="ctr" cmpd="sng" cap="flat" w="0">
-                      <a:solidFill>
-                        <a:srgbClr val="000000">
-                          <a:alpha val="100000"/>
-                        </a:srgbClr>
-                      </a:solidFill>
-                      <a:prstDash val="solid"/>
-                    </a:lnL>
-                    <a:lnR algn="ctr" cmpd="sng" cap="flat" w="0">
-                      <a:solidFill>
-                        <a:srgbClr val="000000">
-                          <a:alpha val="100000"/>
-                        </a:srgbClr>
-                      </a:solidFill>
+                      <a:noFill/>
+                      <a:prstDash val="solid"/>
+                    </a:lnL>
+                    <a:lnR algn="ctr" cmpd="sng" cap="flat" w="0">
+                      <a:noFill/>
                       <a:prstDash val="solid"/>
                     </a:lnR>
                     <a:lnT algn="ctr" cmpd="sng" cap="flat" w="12700">
@@ -10241,19 +8469,11 @@
                   </a:txBody>
                   <a:tcPr anchor="ctr" marB="0" marT="0" marR="0" marL="0">
                     <a:lnL algn="ctr" cmpd="sng" cap="flat" w="0">
-                      <a:solidFill>
-                        <a:srgbClr val="000000">
-                          <a:alpha val="100000"/>
-                        </a:srgbClr>
-                      </a:solidFill>
-                      <a:prstDash val="solid"/>
-                    </a:lnL>
-                    <a:lnR algn="ctr" cmpd="sng" cap="flat" w="0">
-                      <a:solidFill>
-                        <a:srgbClr val="000000">
-                          <a:alpha val="100000"/>
-                        </a:srgbClr>
-                      </a:solidFill>
+                      <a:noFill/>
+                      <a:prstDash val="solid"/>
+                    </a:lnL>
+                    <a:lnR algn="ctr" cmpd="sng" cap="flat" w="0">
+                      <a:noFill/>
                       <a:prstDash val="solid"/>
                     </a:lnR>
                     <a:lnT algn="ctr" cmpd="sng" cap="flat" w="12700">
@@ -10304,19 +8524,11 @@
                   </a:txBody>
                   <a:tcPr anchor="ctr" marB="0" marT="0" marR="0" marL="0">
                     <a:lnL algn="ctr" cmpd="sng" cap="flat" w="0">
-                      <a:solidFill>
-                        <a:srgbClr val="000000">
-                          <a:alpha val="100000"/>
-                        </a:srgbClr>
-                      </a:solidFill>
-                      <a:prstDash val="solid"/>
-                    </a:lnL>
-                    <a:lnR algn="ctr" cmpd="sng" cap="flat" w="0">
-                      <a:solidFill>
-                        <a:srgbClr val="000000">
-                          <a:alpha val="100000"/>
-                        </a:srgbClr>
-                      </a:solidFill>
+                      <a:noFill/>
+                      <a:prstDash val="solid"/>
+                    </a:lnL>
+                    <a:lnR algn="ctr" cmpd="sng" cap="flat" w="0">
+                      <a:noFill/>
                       <a:prstDash val="solid"/>
                     </a:lnR>
                     <a:lnT algn="ctr" cmpd="sng" cap="flat" w="12700">
@@ -10367,19 +8579,11 @@
                   </a:txBody>
                   <a:tcPr anchor="ctr" marB="0" marT="0" marR="0" marL="0">
                     <a:lnL algn="ctr" cmpd="sng" cap="flat" w="0">
-                      <a:solidFill>
-                        <a:srgbClr val="000000">
-                          <a:alpha val="100000"/>
-                        </a:srgbClr>
-                      </a:solidFill>
-                      <a:prstDash val="solid"/>
-                    </a:lnL>
-                    <a:lnR algn="ctr" cmpd="sng" cap="flat" w="0">
-                      <a:solidFill>
-                        <a:srgbClr val="000000">
-                          <a:alpha val="100000"/>
-                        </a:srgbClr>
-                      </a:solidFill>
+                      <a:noFill/>
+                      <a:prstDash val="solid"/>
+                    </a:lnL>
+                    <a:lnR algn="ctr" cmpd="sng" cap="flat" w="0">
+                      <a:noFill/>
                       <a:prstDash val="solid"/>
                     </a:lnR>
                     <a:lnT algn="ctr" cmpd="sng" cap="flat" w="12700">
@@ -10432,19 +8636,11 @@
                   </a:txBody>
                   <a:tcPr anchor="ctr" marB="0" marT="0" marR="0" marL="0">
                     <a:lnL algn="ctr" cmpd="sng" cap="flat" w="0">
-                      <a:solidFill>
-                        <a:srgbClr val="000000">
-                          <a:alpha val="100000"/>
-                        </a:srgbClr>
-                      </a:solidFill>
-                      <a:prstDash val="solid"/>
-                    </a:lnL>
-                    <a:lnR algn="ctr" cmpd="sng" cap="flat" w="0">
-                      <a:solidFill>
-                        <a:srgbClr val="000000">
-                          <a:alpha val="100000"/>
-                        </a:srgbClr>
-                      </a:solidFill>
+                      <a:noFill/>
+                      <a:prstDash val="solid"/>
+                    </a:lnL>
+                    <a:lnR algn="ctr" cmpd="sng" cap="flat" w="0">
+                      <a:noFill/>
                       <a:prstDash val="solid"/>
                     </a:lnR>
                     <a:lnT algn="ctr" cmpd="sng" cap="flat" w="12700">
@@ -10495,19 +8691,11 @@
                   </a:txBody>
                   <a:tcPr anchor="ctr" marB="0" marT="0" marR="0" marL="0">
                     <a:lnL algn="ctr" cmpd="sng" cap="flat" w="0">
-                      <a:solidFill>
-                        <a:srgbClr val="000000">
-                          <a:alpha val="100000"/>
-                        </a:srgbClr>
-                      </a:solidFill>
-                      <a:prstDash val="solid"/>
-                    </a:lnL>
-                    <a:lnR algn="ctr" cmpd="sng" cap="flat" w="0">
-                      <a:solidFill>
-                        <a:srgbClr val="000000">
-                          <a:alpha val="100000"/>
-                        </a:srgbClr>
-                      </a:solidFill>
+                      <a:noFill/>
+                      <a:prstDash val="solid"/>
+                    </a:lnL>
+                    <a:lnR algn="ctr" cmpd="sng" cap="flat" w="0">
+                      <a:noFill/>
                       <a:prstDash val="solid"/>
                     </a:lnR>
                     <a:lnT algn="ctr" cmpd="sng" cap="flat" w="12700">
@@ -10558,19 +8746,11 @@
                   </a:txBody>
                   <a:tcPr anchor="ctr" marB="0" marT="0" marR="0" marL="0">
                     <a:lnL algn="ctr" cmpd="sng" cap="flat" w="0">
-                      <a:solidFill>
-                        <a:srgbClr val="000000">
-                          <a:alpha val="100000"/>
-                        </a:srgbClr>
-                      </a:solidFill>
-                      <a:prstDash val="solid"/>
-                    </a:lnL>
-                    <a:lnR algn="ctr" cmpd="sng" cap="flat" w="0">
-                      <a:solidFill>
-                        <a:srgbClr val="000000">
-                          <a:alpha val="100000"/>
-                        </a:srgbClr>
-                      </a:solidFill>
+                      <a:noFill/>
+                      <a:prstDash val="solid"/>
+                    </a:lnL>
+                    <a:lnR algn="ctr" cmpd="sng" cap="flat" w="0">
+                      <a:noFill/>
                       <a:prstDash val="solid"/>
                     </a:lnR>
                     <a:lnT algn="ctr" cmpd="sng" cap="flat" w="12700">
@@ -10621,19 +8801,11 @@
                   </a:txBody>
                   <a:tcPr anchor="ctr" marB="0" marT="0" marR="0" marL="0">
                     <a:lnL algn="ctr" cmpd="sng" cap="flat" w="0">
-                      <a:solidFill>
-                        <a:srgbClr val="000000">
-                          <a:alpha val="100000"/>
-                        </a:srgbClr>
-                      </a:solidFill>
-                      <a:prstDash val="solid"/>
-                    </a:lnL>
-                    <a:lnR algn="ctr" cmpd="sng" cap="flat" w="0">
-                      <a:solidFill>
-                        <a:srgbClr val="000000">
-                          <a:alpha val="100000"/>
-                        </a:srgbClr>
-                      </a:solidFill>
+                      <a:noFill/>
+                      <a:prstDash val="solid"/>
+                    </a:lnL>
+                    <a:lnR algn="ctr" cmpd="sng" cap="flat" w="0">
+                      <a:noFill/>
                       <a:prstDash val="solid"/>
                     </a:lnR>
                     <a:lnT algn="ctr" cmpd="sng" cap="flat" w="12700">
@@ -10684,19 +8856,11 @@
                   </a:txBody>
                   <a:tcPr anchor="ctr" marB="0" marT="0" marR="0" marL="0">
                     <a:lnL algn="ctr" cmpd="sng" cap="flat" w="0">
-                      <a:solidFill>
-                        <a:srgbClr val="000000">
-                          <a:alpha val="100000"/>
-                        </a:srgbClr>
-                      </a:solidFill>
-                      <a:prstDash val="solid"/>
-                    </a:lnL>
-                    <a:lnR algn="ctr" cmpd="sng" cap="flat" w="0">
-                      <a:solidFill>
-                        <a:srgbClr val="000000">
-                          <a:alpha val="100000"/>
-                        </a:srgbClr>
-                      </a:solidFill>
+                      <a:noFill/>
+                      <a:prstDash val="solid"/>
+                    </a:lnL>
+                    <a:lnR algn="ctr" cmpd="sng" cap="flat" w="0">
+                      <a:noFill/>
                       <a:prstDash val="solid"/>
                     </a:lnR>
                     <a:lnT algn="ctr" cmpd="sng" cap="flat" w="12700">
@@ -10747,19 +8911,11 @@
                   </a:txBody>
                   <a:tcPr anchor="ctr" marB="0" marT="0" marR="0" marL="0">
                     <a:lnL algn="ctr" cmpd="sng" cap="flat" w="0">
-                      <a:solidFill>
-                        <a:srgbClr val="000000">
-                          <a:alpha val="100000"/>
-                        </a:srgbClr>
-                      </a:solidFill>
-                      <a:prstDash val="solid"/>
-                    </a:lnL>
-                    <a:lnR algn="ctr" cmpd="sng" cap="flat" w="0">
-                      <a:solidFill>
-                        <a:srgbClr val="000000">
-                          <a:alpha val="100000"/>
-                        </a:srgbClr>
-                      </a:solidFill>
+                      <a:noFill/>
+                      <a:prstDash val="solid"/>
+                    </a:lnL>
+                    <a:lnR algn="ctr" cmpd="sng" cap="flat" w="0">
+                      <a:noFill/>
                       <a:prstDash val="solid"/>
                     </a:lnR>
                     <a:lnT algn="ctr" cmpd="sng" cap="flat" w="12700">
@@ -10812,19 +8968,11 @@
                   </a:txBody>
                   <a:tcPr anchor="ctr" marB="0" marT="0" marR="0" marL="0">
                     <a:lnL algn="ctr" cmpd="sng" cap="flat" w="0">
-                      <a:solidFill>
-                        <a:srgbClr val="000000">
-                          <a:alpha val="100000"/>
-                        </a:srgbClr>
-                      </a:solidFill>
-                      <a:prstDash val="solid"/>
-                    </a:lnL>
-                    <a:lnR algn="ctr" cmpd="sng" cap="flat" w="0">
-                      <a:solidFill>
-                        <a:srgbClr val="000000">
-                          <a:alpha val="100000"/>
-                        </a:srgbClr>
-                      </a:solidFill>
+                      <a:noFill/>
+                      <a:prstDash val="solid"/>
+                    </a:lnL>
+                    <a:lnR algn="ctr" cmpd="sng" cap="flat" w="0">
+                      <a:noFill/>
                       <a:prstDash val="solid"/>
                     </a:lnR>
                     <a:lnT algn="ctr" cmpd="sng" cap="flat" w="12700">
@@ -10875,19 +9023,11 @@
                   </a:txBody>
                   <a:tcPr anchor="ctr" marB="0" marT="0" marR="0" marL="0">
                     <a:lnL algn="ctr" cmpd="sng" cap="flat" w="0">
-                      <a:solidFill>
-                        <a:srgbClr val="000000">
-                          <a:alpha val="100000"/>
-                        </a:srgbClr>
-                      </a:solidFill>
-                      <a:prstDash val="solid"/>
-                    </a:lnL>
-                    <a:lnR algn="ctr" cmpd="sng" cap="flat" w="0">
-                      <a:solidFill>
-                        <a:srgbClr val="000000">
-                          <a:alpha val="100000"/>
-                        </a:srgbClr>
-                      </a:solidFill>
+                      <a:noFill/>
+                      <a:prstDash val="solid"/>
+                    </a:lnL>
+                    <a:lnR algn="ctr" cmpd="sng" cap="flat" w="0">
+                      <a:noFill/>
                       <a:prstDash val="solid"/>
                     </a:lnR>
                     <a:lnT algn="ctr" cmpd="sng" cap="flat" w="12700">
@@ -10938,19 +9078,11 @@
                   </a:txBody>
                   <a:tcPr anchor="ctr" marB="0" marT="0" marR="0" marL="0">
                     <a:lnL algn="ctr" cmpd="sng" cap="flat" w="0">
-                      <a:solidFill>
-                        <a:srgbClr val="000000">
-                          <a:alpha val="100000"/>
-                        </a:srgbClr>
-                      </a:solidFill>
-                      <a:prstDash val="solid"/>
-                    </a:lnL>
-                    <a:lnR algn="ctr" cmpd="sng" cap="flat" w="0">
-                      <a:solidFill>
-                        <a:srgbClr val="000000">
-                          <a:alpha val="100000"/>
-                        </a:srgbClr>
-                      </a:solidFill>
+                      <a:noFill/>
+                      <a:prstDash val="solid"/>
+                    </a:lnL>
+                    <a:lnR algn="ctr" cmpd="sng" cap="flat" w="0">
+                      <a:noFill/>
                       <a:prstDash val="solid"/>
                     </a:lnR>
                     <a:lnT algn="ctr" cmpd="sng" cap="flat" w="12700">
@@ -11001,19 +9133,11 @@
                   </a:txBody>
                   <a:tcPr anchor="ctr" marB="0" marT="0" marR="0" marL="0">
                     <a:lnL algn="ctr" cmpd="sng" cap="flat" w="0">
-                      <a:solidFill>
-                        <a:srgbClr val="000000">
-                          <a:alpha val="100000"/>
-                        </a:srgbClr>
-                      </a:solidFill>
-                      <a:prstDash val="solid"/>
-                    </a:lnL>
-                    <a:lnR algn="ctr" cmpd="sng" cap="flat" w="0">
-                      <a:solidFill>
-                        <a:srgbClr val="000000">
-                          <a:alpha val="100000"/>
-                        </a:srgbClr>
-                      </a:solidFill>
+                      <a:noFill/>
+                      <a:prstDash val="solid"/>
+                    </a:lnL>
+                    <a:lnR algn="ctr" cmpd="sng" cap="flat" w="0">
+                      <a:noFill/>
                       <a:prstDash val="solid"/>
                     </a:lnR>
                     <a:lnT algn="ctr" cmpd="sng" cap="flat" w="12700">
@@ -11064,19 +9188,11 @@
                   </a:txBody>
                   <a:tcPr anchor="ctr" marB="0" marT="0" marR="0" marL="0">
                     <a:lnL algn="ctr" cmpd="sng" cap="flat" w="0">
-                      <a:solidFill>
-                        <a:srgbClr val="000000">
-                          <a:alpha val="100000"/>
-                        </a:srgbClr>
-                      </a:solidFill>
-                      <a:prstDash val="solid"/>
-                    </a:lnL>
-                    <a:lnR algn="ctr" cmpd="sng" cap="flat" w="0">
-                      <a:solidFill>
-                        <a:srgbClr val="000000">
-                          <a:alpha val="100000"/>
-                        </a:srgbClr>
-                      </a:solidFill>
+                      <a:noFill/>
+                      <a:prstDash val="solid"/>
+                    </a:lnL>
+                    <a:lnR algn="ctr" cmpd="sng" cap="flat" w="0">
+                      <a:noFill/>
                       <a:prstDash val="solid"/>
                     </a:lnR>
                     <a:lnT algn="ctr" cmpd="sng" cap="flat" w="12700">
@@ -11127,19 +9243,11 @@
                   </a:txBody>
                   <a:tcPr anchor="ctr" marB="0" marT="0" marR="0" marL="0">
                     <a:lnL algn="ctr" cmpd="sng" cap="flat" w="0">
-                      <a:solidFill>
-                        <a:srgbClr val="000000">
-                          <a:alpha val="100000"/>
-                        </a:srgbClr>
-                      </a:solidFill>
-                      <a:prstDash val="solid"/>
-                    </a:lnL>
-                    <a:lnR algn="ctr" cmpd="sng" cap="flat" w="0">
-                      <a:solidFill>
-                        <a:srgbClr val="000000">
-                          <a:alpha val="100000"/>
-                        </a:srgbClr>
-                      </a:solidFill>
+                      <a:noFill/>
+                      <a:prstDash val="solid"/>
+                    </a:lnL>
+                    <a:lnR algn="ctr" cmpd="sng" cap="flat" w="0">
+                      <a:noFill/>
                       <a:prstDash val="solid"/>
                     </a:lnR>
                     <a:lnT algn="ctr" cmpd="sng" cap="flat" w="12700">
@@ -11192,19 +9300,11 @@
                   </a:txBody>
                   <a:tcPr anchor="ctr" marB="0" marT="0" marR="0" marL="0">
                     <a:lnL algn="ctr" cmpd="sng" cap="flat" w="0">
-                      <a:solidFill>
-                        <a:srgbClr val="000000">
-                          <a:alpha val="100000"/>
-                        </a:srgbClr>
-                      </a:solidFill>
-                      <a:prstDash val="solid"/>
-                    </a:lnL>
-                    <a:lnR algn="ctr" cmpd="sng" cap="flat" w="0">
-                      <a:solidFill>
-                        <a:srgbClr val="000000">
-                          <a:alpha val="100000"/>
-                        </a:srgbClr>
-                      </a:solidFill>
+                      <a:noFill/>
+                      <a:prstDash val="solid"/>
+                    </a:lnL>
+                    <a:lnR algn="ctr" cmpd="sng" cap="flat" w="0">
+                      <a:noFill/>
                       <a:prstDash val="solid"/>
                     </a:lnR>
                     <a:lnT algn="ctr" cmpd="sng" cap="flat" w="12700">
@@ -11255,19 +9355,11 @@
                   </a:txBody>
                   <a:tcPr anchor="ctr" marB="0" marT="0" marR="0" marL="0">
                     <a:lnL algn="ctr" cmpd="sng" cap="flat" w="0">
-                      <a:solidFill>
-                        <a:srgbClr val="000000">
-                          <a:alpha val="100000"/>
-                        </a:srgbClr>
-                      </a:solidFill>
-                      <a:prstDash val="solid"/>
-                    </a:lnL>
-                    <a:lnR algn="ctr" cmpd="sng" cap="flat" w="0">
-                      <a:solidFill>
-                        <a:srgbClr val="000000">
-                          <a:alpha val="100000"/>
-                        </a:srgbClr>
-                      </a:solidFill>
+                      <a:noFill/>
+                      <a:prstDash val="solid"/>
+                    </a:lnL>
+                    <a:lnR algn="ctr" cmpd="sng" cap="flat" w="0">
+                      <a:noFill/>
                       <a:prstDash val="solid"/>
                     </a:lnR>
                     <a:lnT algn="ctr" cmpd="sng" cap="flat" w="12700">
@@ -11318,19 +9410,11 @@
                   </a:txBody>
                   <a:tcPr anchor="ctr" marB="0" marT="0" marR="0" marL="0">
                     <a:lnL algn="ctr" cmpd="sng" cap="flat" w="0">
-                      <a:solidFill>
-                        <a:srgbClr val="000000">
-                          <a:alpha val="100000"/>
-                        </a:srgbClr>
-                      </a:solidFill>
-                      <a:prstDash val="solid"/>
-                    </a:lnL>
-                    <a:lnR algn="ctr" cmpd="sng" cap="flat" w="0">
-                      <a:solidFill>
-                        <a:srgbClr val="000000">
-                          <a:alpha val="100000"/>
-                        </a:srgbClr>
-                      </a:solidFill>
+                      <a:noFill/>
+                      <a:prstDash val="solid"/>
+                    </a:lnL>
+                    <a:lnR algn="ctr" cmpd="sng" cap="flat" w="0">
+                      <a:noFill/>
                       <a:prstDash val="solid"/>
                     </a:lnR>
                     <a:lnT algn="ctr" cmpd="sng" cap="flat" w="12700">
@@ -11381,19 +9465,11 @@
                   </a:txBody>
                   <a:tcPr anchor="ctr" marB="0" marT="0" marR="0" marL="0">
                     <a:lnL algn="ctr" cmpd="sng" cap="flat" w="0">
-                      <a:solidFill>
-                        <a:srgbClr val="000000">
-                          <a:alpha val="100000"/>
-                        </a:srgbClr>
-                      </a:solidFill>
-                      <a:prstDash val="solid"/>
-                    </a:lnL>
-                    <a:lnR algn="ctr" cmpd="sng" cap="flat" w="0">
-                      <a:solidFill>
-                        <a:srgbClr val="000000">
-                          <a:alpha val="100000"/>
-                        </a:srgbClr>
-                      </a:solidFill>
+                      <a:noFill/>
+                      <a:prstDash val="solid"/>
+                    </a:lnL>
+                    <a:lnR algn="ctr" cmpd="sng" cap="flat" w="0">
+                      <a:noFill/>
                       <a:prstDash val="solid"/>
                     </a:lnR>
                     <a:lnT algn="ctr" cmpd="sng" cap="flat" w="12700">
@@ -11444,19 +9520,11 @@
                   </a:txBody>
                   <a:tcPr anchor="ctr" marB="0" marT="0" marR="0" marL="0">
                     <a:lnL algn="ctr" cmpd="sng" cap="flat" w="0">
-                      <a:solidFill>
-                        <a:srgbClr val="000000">
-                          <a:alpha val="100000"/>
-                        </a:srgbClr>
-                      </a:solidFill>
-                      <a:prstDash val="solid"/>
-                    </a:lnL>
-                    <a:lnR algn="ctr" cmpd="sng" cap="flat" w="0">
-                      <a:solidFill>
-                        <a:srgbClr val="000000">
-                          <a:alpha val="100000"/>
-                        </a:srgbClr>
-                      </a:solidFill>
+                      <a:noFill/>
+                      <a:prstDash val="solid"/>
+                    </a:lnL>
+                    <a:lnR algn="ctr" cmpd="sng" cap="flat" w="0">
+                      <a:noFill/>
                       <a:prstDash val="solid"/>
                     </a:lnR>
                     <a:lnT algn="ctr" cmpd="sng" cap="flat" w="12700">
@@ -11507,19 +9575,11 @@
                   </a:txBody>
                   <a:tcPr anchor="ctr" marB="0" marT="0" marR="0" marL="0">
                     <a:lnL algn="ctr" cmpd="sng" cap="flat" w="0">
-                      <a:solidFill>
-                        <a:srgbClr val="000000">
-                          <a:alpha val="100000"/>
-                        </a:srgbClr>
-                      </a:solidFill>
-                      <a:prstDash val="solid"/>
-                    </a:lnL>
-                    <a:lnR algn="ctr" cmpd="sng" cap="flat" w="0">
-                      <a:solidFill>
-                        <a:srgbClr val="000000">
-                          <a:alpha val="100000"/>
-                        </a:srgbClr>
-                      </a:solidFill>
+                      <a:noFill/>
+                      <a:prstDash val="solid"/>
+                    </a:lnL>
+                    <a:lnR algn="ctr" cmpd="sng" cap="flat" w="0">
+                      <a:noFill/>
                       <a:prstDash val="solid"/>
                     </a:lnR>
                     <a:lnT algn="ctr" cmpd="sng" cap="flat" w="12700">
@@ -11572,19 +9632,11 @@
                   </a:txBody>
                   <a:tcPr anchor="ctr" marB="0" marT="0" marR="0" marL="0">
                     <a:lnL algn="ctr" cmpd="sng" cap="flat" w="0">
-                      <a:solidFill>
-                        <a:srgbClr val="000000">
-                          <a:alpha val="100000"/>
-                        </a:srgbClr>
-                      </a:solidFill>
-                      <a:prstDash val="solid"/>
-                    </a:lnL>
-                    <a:lnR algn="ctr" cmpd="sng" cap="flat" w="0">
-                      <a:solidFill>
-                        <a:srgbClr val="000000">
-                          <a:alpha val="100000"/>
-                        </a:srgbClr>
-                      </a:solidFill>
+                      <a:noFill/>
+                      <a:prstDash val="solid"/>
+                    </a:lnL>
+                    <a:lnR algn="ctr" cmpd="sng" cap="flat" w="0">
+                      <a:noFill/>
                       <a:prstDash val="solid"/>
                     </a:lnR>
                     <a:lnT algn="ctr" cmpd="sng" cap="flat" w="12700">
@@ -11635,19 +9687,11 @@
                   </a:txBody>
                   <a:tcPr anchor="ctr" marB="0" marT="0" marR="0" marL="0">
                     <a:lnL algn="ctr" cmpd="sng" cap="flat" w="0">
-                      <a:solidFill>
-                        <a:srgbClr val="000000">
-                          <a:alpha val="100000"/>
-                        </a:srgbClr>
-                      </a:solidFill>
-                      <a:prstDash val="solid"/>
-                    </a:lnL>
-                    <a:lnR algn="ctr" cmpd="sng" cap="flat" w="0">
-                      <a:solidFill>
-                        <a:srgbClr val="000000">
-                          <a:alpha val="100000"/>
-                        </a:srgbClr>
-                      </a:solidFill>
+                      <a:noFill/>
+                      <a:prstDash val="solid"/>
+                    </a:lnL>
+                    <a:lnR algn="ctr" cmpd="sng" cap="flat" w="0">
+                      <a:noFill/>
                       <a:prstDash val="solid"/>
                     </a:lnR>
                     <a:lnT algn="ctr" cmpd="sng" cap="flat" w="12700">
@@ -11698,19 +9742,11 @@
                   </a:txBody>
                   <a:tcPr anchor="ctr" marB="0" marT="0" marR="0" marL="0">
                     <a:lnL algn="ctr" cmpd="sng" cap="flat" w="0">
-                      <a:solidFill>
-                        <a:srgbClr val="000000">
-                          <a:alpha val="100000"/>
-                        </a:srgbClr>
-                      </a:solidFill>
-                      <a:prstDash val="solid"/>
-                    </a:lnL>
-                    <a:lnR algn="ctr" cmpd="sng" cap="flat" w="0">
-                      <a:solidFill>
-                        <a:srgbClr val="000000">
-                          <a:alpha val="100000"/>
-                        </a:srgbClr>
-                      </a:solidFill>
+                      <a:noFill/>
+                      <a:prstDash val="solid"/>
+                    </a:lnL>
+                    <a:lnR algn="ctr" cmpd="sng" cap="flat" w="0">
+                      <a:noFill/>
                       <a:prstDash val="solid"/>
                     </a:lnR>
                     <a:lnT algn="ctr" cmpd="sng" cap="flat" w="12700">
@@ -11761,19 +9797,11 @@
                   </a:txBody>
                   <a:tcPr anchor="ctr" marB="0" marT="0" marR="0" marL="0">
                     <a:lnL algn="ctr" cmpd="sng" cap="flat" w="0">
-                      <a:solidFill>
-                        <a:srgbClr val="000000">
-                          <a:alpha val="100000"/>
-                        </a:srgbClr>
-                      </a:solidFill>
-                      <a:prstDash val="solid"/>
-                    </a:lnL>
-                    <a:lnR algn="ctr" cmpd="sng" cap="flat" w="0">
-                      <a:solidFill>
-                        <a:srgbClr val="000000">
-                          <a:alpha val="100000"/>
-                        </a:srgbClr>
-                      </a:solidFill>
+                      <a:noFill/>
+                      <a:prstDash val="solid"/>
+                    </a:lnL>
+                    <a:lnR algn="ctr" cmpd="sng" cap="flat" w="0">
+                      <a:noFill/>
                       <a:prstDash val="solid"/>
                     </a:lnR>
                     <a:lnT algn="ctr" cmpd="sng" cap="flat" w="12700">
@@ -11824,19 +9852,11 @@
                   </a:txBody>
                   <a:tcPr anchor="ctr" marB="0" marT="0" marR="0" marL="0">
                     <a:lnL algn="ctr" cmpd="sng" cap="flat" w="0">
-                      <a:solidFill>
-                        <a:srgbClr val="000000">
-                          <a:alpha val="100000"/>
-                        </a:srgbClr>
-                      </a:solidFill>
-                      <a:prstDash val="solid"/>
-                    </a:lnL>
-                    <a:lnR algn="ctr" cmpd="sng" cap="flat" w="0">
-                      <a:solidFill>
-                        <a:srgbClr val="000000">
-                          <a:alpha val="100000"/>
-                        </a:srgbClr>
-                      </a:solidFill>
+                      <a:noFill/>
+                      <a:prstDash val="solid"/>
+                    </a:lnL>
+                    <a:lnR algn="ctr" cmpd="sng" cap="flat" w="0">
+                      <a:noFill/>
                       <a:prstDash val="solid"/>
                     </a:lnR>
                     <a:lnT algn="ctr" cmpd="sng" cap="flat" w="12700">
@@ -11887,19 +9907,11 @@
                   </a:txBody>
                   <a:tcPr anchor="ctr" marB="0" marT="0" marR="0" marL="0">
                     <a:lnL algn="ctr" cmpd="sng" cap="flat" w="0">
-                      <a:solidFill>
-                        <a:srgbClr val="000000">
-                          <a:alpha val="100000"/>
-                        </a:srgbClr>
-                      </a:solidFill>
-                      <a:prstDash val="solid"/>
-                    </a:lnL>
-                    <a:lnR algn="ctr" cmpd="sng" cap="flat" w="0">
-                      <a:solidFill>
-                        <a:srgbClr val="000000">
-                          <a:alpha val="100000"/>
-                        </a:srgbClr>
-                      </a:solidFill>
+                      <a:noFill/>
+                      <a:prstDash val="solid"/>
+                    </a:lnL>
+                    <a:lnR algn="ctr" cmpd="sng" cap="flat" w="0">
+                      <a:noFill/>
                       <a:prstDash val="solid"/>
                     </a:lnR>
                     <a:lnT algn="ctr" cmpd="sng" cap="flat" w="12700">
@@ -11952,19 +9964,11 @@
                   </a:txBody>
                   <a:tcPr anchor="ctr" marB="0" marT="0" marR="0" marL="0">
                     <a:lnL algn="ctr" cmpd="sng" cap="flat" w="0">
-                      <a:solidFill>
-                        <a:srgbClr val="000000">
-                          <a:alpha val="100000"/>
-                        </a:srgbClr>
-                      </a:solidFill>
-                      <a:prstDash val="solid"/>
-                    </a:lnL>
-                    <a:lnR algn="ctr" cmpd="sng" cap="flat" w="0">
-                      <a:solidFill>
-                        <a:srgbClr val="000000">
-                          <a:alpha val="100000"/>
-                        </a:srgbClr>
-                      </a:solidFill>
+                      <a:noFill/>
+                      <a:prstDash val="solid"/>
+                    </a:lnL>
+                    <a:lnR algn="ctr" cmpd="sng" cap="flat" w="0">
+                      <a:noFill/>
                       <a:prstDash val="solid"/>
                     </a:lnR>
                     <a:lnT algn="ctr" cmpd="sng" cap="flat" w="12700">
@@ -12015,19 +10019,11 @@
                   </a:txBody>
                   <a:tcPr anchor="ctr" marB="0" marT="0" marR="0" marL="0">
                     <a:lnL algn="ctr" cmpd="sng" cap="flat" w="0">
-                      <a:solidFill>
-                        <a:srgbClr val="000000">
-                          <a:alpha val="100000"/>
-                        </a:srgbClr>
-                      </a:solidFill>
-                      <a:prstDash val="solid"/>
-                    </a:lnL>
-                    <a:lnR algn="ctr" cmpd="sng" cap="flat" w="0">
-                      <a:solidFill>
-                        <a:srgbClr val="000000">
-                          <a:alpha val="100000"/>
-                        </a:srgbClr>
-                      </a:solidFill>
+                      <a:noFill/>
+                      <a:prstDash val="solid"/>
+                    </a:lnL>
+                    <a:lnR algn="ctr" cmpd="sng" cap="flat" w="0">
+                      <a:noFill/>
                       <a:prstDash val="solid"/>
                     </a:lnR>
                     <a:lnT algn="ctr" cmpd="sng" cap="flat" w="12700">
@@ -12078,19 +10074,11 @@
                   </a:txBody>
                   <a:tcPr anchor="ctr" marB="0" marT="0" marR="0" marL="0">
                     <a:lnL algn="ctr" cmpd="sng" cap="flat" w="0">
-                      <a:solidFill>
-                        <a:srgbClr val="000000">
-                          <a:alpha val="100000"/>
-                        </a:srgbClr>
-                      </a:solidFill>
-                      <a:prstDash val="solid"/>
-                    </a:lnL>
-                    <a:lnR algn="ctr" cmpd="sng" cap="flat" w="0">
-                      <a:solidFill>
-                        <a:srgbClr val="000000">
-                          <a:alpha val="100000"/>
-                        </a:srgbClr>
-                      </a:solidFill>
+                      <a:noFill/>
+                      <a:prstDash val="solid"/>
+                    </a:lnL>
+                    <a:lnR algn="ctr" cmpd="sng" cap="flat" w="0">
+                      <a:noFill/>
                       <a:prstDash val="solid"/>
                     </a:lnR>
                     <a:lnT algn="ctr" cmpd="sng" cap="flat" w="12700">
@@ -12141,19 +10129,11 @@
                   </a:txBody>
                   <a:tcPr anchor="ctr" marB="0" marT="0" marR="0" marL="0">
                     <a:lnL algn="ctr" cmpd="sng" cap="flat" w="0">
-                      <a:solidFill>
-                        <a:srgbClr val="000000">
-                          <a:alpha val="100000"/>
-                        </a:srgbClr>
-                      </a:solidFill>
-                      <a:prstDash val="solid"/>
-                    </a:lnL>
-                    <a:lnR algn="ctr" cmpd="sng" cap="flat" w="0">
-                      <a:solidFill>
-                        <a:srgbClr val="000000">
-                          <a:alpha val="100000"/>
-                        </a:srgbClr>
-                      </a:solidFill>
+                      <a:noFill/>
+                      <a:prstDash val="solid"/>
+                    </a:lnL>
+                    <a:lnR algn="ctr" cmpd="sng" cap="flat" w="0">
+                      <a:noFill/>
                       <a:prstDash val="solid"/>
                     </a:lnR>
                     <a:lnT algn="ctr" cmpd="sng" cap="flat" w="12700">
@@ -12204,19 +10184,11 @@
                   </a:txBody>
                   <a:tcPr anchor="ctr" marB="0" marT="0" marR="0" marL="0">
                     <a:lnL algn="ctr" cmpd="sng" cap="flat" w="0">
-                      <a:solidFill>
-                        <a:srgbClr val="000000">
-                          <a:alpha val="100000"/>
-                        </a:srgbClr>
-                      </a:solidFill>
-                      <a:prstDash val="solid"/>
-                    </a:lnL>
-                    <a:lnR algn="ctr" cmpd="sng" cap="flat" w="0">
-                      <a:solidFill>
-                        <a:srgbClr val="000000">
-                          <a:alpha val="100000"/>
-                        </a:srgbClr>
-                      </a:solidFill>
+                      <a:noFill/>
+                      <a:prstDash val="solid"/>
+                    </a:lnL>
+                    <a:lnR algn="ctr" cmpd="sng" cap="flat" w="0">
+                      <a:noFill/>
                       <a:prstDash val="solid"/>
                     </a:lnR>
                     <a:lnT algn="ctr" cmpd="sng" cap="flat" w="12700">
@@ -12267,19 +10239,11 @@
                   </a:txBody>
                   <a:tcPr anchor="ctr" marB="0" marT="0" marR="0" marL="0">
                     <a:lnL algn="ctr" cmpd="sng" cap="flat" w="0">
-                      <a:solidFill>
-                        <a:srgbClr val="000000">
-                          <a:alpha val="100000"/>
-                        </a:srgbClr>
-                      </a:solidFill>
-                      <a:prstDash val="solid"/>
-                    </a:lnL>
-                    <a:lnR algn="ctr" cmpd="sng" cap="flat" w="0">
-                      <a:solidFill>
-                        <a:srgbClr val="000000">
-                          <a:alpha val="100000"/>
-                        </a:srgbClr>
-                      </a:solidFill>
+                      <a:noFill/>
+                      <a:prstDash val="solid"/>
+                    </a:lnL>
+                    <a:lnR algn="ctr" cmpd="sng" cap="flat" w="0">
+                      <a:noFill/>
                       <a:prstDash val="solid"/>
                     </a:lnR>
                     <a:lnT algn="ctr" cmpd="sng" cap="flat" w="12700">
@@ -12332,19 +10296,11 @@
                   </a:txBody>
                   <a:tcPr anchor="ctr" marB="0" marT="0" marR="0" marL="0">
                     <a:lnL algn="ctr" cmpd="sng" cap="flat" w="0">
-                      <a:solidFill>
-                        <a:srgbClr val="000000">
-                          <a:alpha val="100000"/>
-                        </a:srgbClr>
-                      </a:solidFill>
-                      <a:prstDash val="solid"/>
-                    </a:lnL>
-                    <a:lnR algn="ctr" cmpd="sng" cap="flat" w="0">
-                      <a:solidFill>
-                        <a:srgbClr val="000000">
-                          <a:alpha val="100000"/>
-                        </a:srgbClr>
-                      </a:solidFill>
+                      <a:noFill/>
+                      <a:prstDash val="solid"/>
+                    </a:lnL>
+                    <a:lnR algn="ctr" cmpd="sng" cap="flat" w="0">
+                      <a:noFill/>
                       <a:prstDash val="solid"/>
                     </a:lnR>
                     <a:lnT algn="ctr" cmpd="sng" cap="flat" w="12700">
@@ -12395,19 +10351,11 @@
                   </a:txBody>
                   <a:tcPr anchor="ctr" marB="0" marT="0" marR="0" marL="0">
                     <a:lnL algn="ctr" cmpd="sng" cap="flat" w="0">
-                      <a:solidFill>
-                        <a:srgbClr val="000000">
-                          <a:alpha val="100000"/>
-                        </a:srgbClr>
-                      </a:solidFill>
-                      <a:prstDash val="solid"/>
-                    </a:lnL>
-                    <a:lnR algn="ctr" cmpd="sng" cap="flat" w="0">
-                      <a:solidFill>
-                        <a:srgbClr val="000000">
-                          <a:alpha val="100000"/>
-                        </a:srgbClr>
-                      </a:solidFill>
+                      <a:noFill/>
+                      <a:prstDash val="solid"/>
+                    </a:lnL>
+                    <a:lnR algn="ctr" cmpd="sng" cap="flat" w="0">
+                      <a:noFill/>
                       <a:prstDash val="solid"/>
                     </a:lnR>
                     <a:lnT algn="ctr" cmpd="sng" cap="flat" w="12700">
@@ -12458,19 +10406,11 @@
                   </a:txBody>
                   <a:tcPr anchor="ctr" marB="0" marT="0" marR="0" marL="0">
                     <a:lnL algn="ctr" cmpd="sng" cap="flat" w="0">
-                      <a:solidFill>
-                        <a:srgbClr val="000000">
-                          <a:alpha val="100000"/>
-                        </a:srgbClr>
-                      </a:solidFill>
-                      <a:prstDash val="solid"/>
-                    </a:lnL>
-                    <a:lnR algn="ctr" cmpd="sng" cap="flat" w="0">
-                      <a:solidFill>
-                        <a:srgbClr val="000000">
-                          <a:alpha val="100000"/>
-                        </a:srgbClr>
-                      </a:solidFill>
+                      <a:noFill/>
+                      <a:prstDash val="solid"/>
+                    </a:lnL>
+                    <a:lnR algn="ctr" cmpd="sng" cap="flat" w="0">
+                      <a:noFill/>
                       <a:prstDash val="solid"/>
                     </a:lnR>
                     <a:lnT algn="ctr" cmpd="sng" cap="flat" w="12700">
@@ -12521,82 +10461,66 @@
                   </a:txBody>
                   <a:tcPr anchor="ctr" marB="0" marT="0" marR="0" marL="0">
                     <a:lnL algn="ctr" cmpd="sng" cap="flat" w="0">
-                      <a:solidFill>
-                        <a:srgbClr val="000000">
-                          <a:alpha val="100000"/>
-                        </a:srgbClr>
-                      </a:solidFill>
-                      <a:prstDash val="solid"/>
-                    </a:lnL>
-                    <a:lnR algn="ctr" cmpd="sng" cap="flat" w="0">
-                      <a:solidFill>
-                        <a:srgbClr val="000000">
-                          <a:alpha val="100000"/>
-                        </a:srgbClr>
-                      </a:solidFill>
-                      <a:prstDash val="solid"/>
-                    </a:lnR>
-                    <a:lnT algn="ctr" cmpd="sng" cap="flat" w="12700">
-                      <a:solidFill>
-                        <a:srgbClr val="000000">
-                          <a:alpha val="100000"/>
-                        </a:srgbClr>
-                      </a:solidFill>
-                      <a:prstDash val="solid"/>
-                    </a:lnT>
-                    <a:lnB algn="ctr" cmpd="sng" cap="flat" w="12700">
-                      <a:solidFill>
-                        <a:srgbClr val="000000">
-                          <a:alpha val="100000"/>
-                        </a:srgbClr>
-                      </a:solidFill>
-                      <a:prstDash val="solid"/>
-                    </a:lnB>
-                  </a:tcPr>
-                </a:tc>
-                <a:tc>
-                  <a:txBody>
-                    <a:bodyPr/>
-                    <a:lstStyle/>
-                    <a:p>
-                      <a:pPr algn="r" marL="25400" marR="25400">
-                        <a:spcBef>
-                          <a:spcPts val="200"/>
-                        </a:spcBef>
-                        <a:spcAft>
-                          <a:spcPts val="200"/>
-                        </a:spcAft>
-                        <a:buNone/>
-                      </a:pPr>
-                      <a:r>
-                        <a:rPr sz="1000">
-                          <a:solidFill>
-                            <a:srgbClr val="000000">
-                              <a:alpha val="100000"/>
-                            </a:srgbClr>
-                          </a:solidFill>
-                          <a:latin typeface="Arial"/>
-                          <a:cs typeface="Arial"/>
-                        </a:rPr>
-                        <a:t>2.42</a:t>
-                      </a:r>
-                    </a:p>
-                  </a:txBody>
-                  <a:tcPr anchor="ctr" marB="0" marT="0" marR="0" marL="0">
-                    <a:lnL algn="ctr" cmpd="sng" cap="flat" w="0">
-                      <a:solidFill>
-                        <a:srgbClr val="000000">
-                          <a:alpha val="100000"/>
-                        </a:srgbClr>
-                      </a:solidFill>
-                      <a:prstDash val="solid"/>
-                    </a:lnL>
-                    <a:lnR algn="ctr" cmpd="sng" cap="flat" w="0">
-                      <a:solidFill>
-                        <a:srgbClr val="000000">
-                          <a:alpha val="100000"/>
-                        </a:srgbClr>
-                      </a:solidFill>
+                      <a:noFill/>
+                      <a:prstDash val="solid"/>
+                    </a:lnL>
+                    <a:lnR algn="ctr" cmpd="sng" cap="flat" w="0">
+                      <a:noFill/>
+                      <a:prstDash val="solid"/>
+                    </a:lnR>
+                    <a:lnT algn="ctr" cmpd="sng" cap="flat" w="12700">
+                      <a:solidFill>
+                        <a:srgbClr val="000000">
+                          <a:alpha val="100000"/>
+                        </a:srgbClr>
+                      </a:solidFill>
+                      <a:prstDash val="solid"/>
+                    </a:lnT>
+                    <a:lnB algn="ctr" cmpd="sng" cap="flat" w="12700">
+                      <a:solidFill>
+                        <a:srgbClr val="000000">
+                          <a:alpha val="100000"/>
+                        </a:srgbClr>
+                      </a:solidFill>
+                      <a:prstDash val="solid"/>
+                    </a:lnB>
+                  </a:tcPr>
+                </a:tc>
+                <a:tc>
+                  <a:txBody>
+                    <a:bodyPr/>
+                    <a:lstStyle/>
+                    <a:p>
+                      <a:pPr algn="r" marL="25400" marR="25400">
+                        <a:spcBef>
+                          <a:spcPts val="200"/>
+                        </a:spcBef>
+                        <a:spcAft>
+                          <a:spcPts val="200"/>
+                        </a:spcAft>
+                        <a:buNone/>
+                      </a:pPr>
+                      <a:r>
+                        <a:rPr sz="1000">
+                          <a:solidFill>
+                            <a:srgbClr val="000000">
+                              <a:alpha val="100000"/>
+                            </a:srgbClr>
+                          </a:solidFill>
+                          <a:latin typeface="Arial"/>
+                          <a:cs typeface="Arial"/>
+                        </a:rPr>
+                        <a:t>2.420</a:t>
+                      </a:r>
+                    </a:p>
+                  </a:txBody>
+                  <a:tcPr anchor="ctr" marB="0" marT="0" marR="0" marL="0">
+                    <a:lnL algn="ctr" cmpd="sng" cap="flat" w="0">
+                      <a:noFill/>
+                      <a:prstDash val="solid"/>
+                    </a:lnL>
+                    <a:lnR algn="ctr" cmpd="sng" cap="flat" w="0">
+                      <a:noFill/>
                       <a:prstDash val="solid"/>
                     </a:lnR>
                     <a:lnT algn="ctr" cmpd="sng" cap="flat" w="12700">
@@ -12647,19 +10571,11 @@
                   </a:txBody>
                   <a:tcPr anchor="ctr" marB="0" marT="0" marR="0" marL="0">
                     <a:lnL algn="ctr" cmpd="sng" cap="flat" w="0">
-                      <a:solidFill>
-                        <a:srgbClr val="000000">
-                          <a:alpha val="100000"/>
-                        </a:srgbClr>
-                      </a:solidFill>
-                      <a:prstDash val="solid"/>
-                    </a:lnL>
-                    <a:lnR algn="ctr" cmpd="sng" cap="flat" w="0">
-                      <a:solidFill>
-                        <a:srgbClr val="000000">
-                          <a:alpha val="100000"/>
-                        </a:srgbClr>
-                      </a:solidFill>
+                      <a:noFill/>
+                      <a:prstDash val="solid"/>
+                    </a:lnL>
+                    <a:lnR algn="ctr" cmpd="sng" cap="flat" w="0">
+                      <a:noFill/>
                       <a:prstDash val="solid"/>
                     </a:lnR>
                     <a:lnT algn="ctr" cmpd="sng" cap="flat" w="12700">
@@ -12712,19 +10628,11 @@
                   </a:txBody>
                   <a:tcPr anchor="ctr" marB="0" marT="0" marR="0" marL="0">
                     <a:lnL algn="ctr" cmpd="sng" cap="flat" w="0">
-                      <a:solidFill>
-                        <a:srgbClr val="000000">
-                          <a:alpha val="100000"/>
-                        </a:srgbClr>
-                      </a:solidFill>
-                      <a:prstDash val="solid"/>
-                    </a:lnL>
-                    <a:lnR algn="ctr" cmpd="sng" cap="flat" w="0">
-                      <a:solidFill>
-                        <a:srgbClr val="000000">
-                          <a:alpha val="100000"/>
-                        </a:srgbClr>
-                      </a:solidFill>
+                      <a:noFill/>
+                      <a:prstDash val="solid"/>
+                    </a:lnL>
+                    <a:lnR algn="ctr" cmpd="sng" cap="flat" w="0">
+                      <a:noFill/>
                       <a:prstDash val="solid"/>
                     </a:lnR>
                     <a:lnT algn="ctr" cmpd="sng" cap="flat" w="12700">
@@ -12775,19 +10683,11 @@
                   </a:txBody>
                   <a:tcPr anchor="ctr" marB="0" marT="0" marR="0" marL="0">
                     <a:lnL algn="ctr" cmpd="sng" cap="flat" w="0">
-                      <a:solidFill>
-                        <a:srgbClr val="000000">
-                          <a:alpha val="100000"/>
-                        </a:srgbClr>
-                      </a:solidFill>
-                      <a:prstDash val="solid"/>
-                    </a:lnL>
-                    <a:lnR algn="ctr" cmpd="sng" cap="flat" w="0">
-                      <a:solidFill>
-                        <a:srgbClr val="000000">
-                          <a:alpha val="100000"/>
-                        </a:srgbClr>
-                      </a:solidFill>
+                      <a:noFill/>
+                      <a:prstDash val="solid"/>
+                    </a:lnL>
+                    <a:lnR algn="ctr" cmpd="sng" cap="flat" w="0">
+                      <a:noFill/>
                       <a:prstDash val="solid"/>
                     </a:lnR>
                     <a:lnT algn="ctr" cmpd="sng" cap="flat" w="12700">
@@ -12838,19 +10738,11 @@
                   </a:txBody>
                   <a:tcPr anchor="ctr" marB="0" marT="0" marR="0" marL="0">
                     <a:lnL algn="ctr" cmpd="sng" cap="flat" w="0">
-                      <a:solidFill>
-                        <a:srgbClr val="000000">
-                          <a:alpha val="100000"/>
-                        </a:srgbClr>
-                      </a:solidFill>
-                      <a:prstDash val="solid"/>
-                    </a:lnL>
-                    <a:lnR algn="ctr" cmpd="sng" cap="flat" w="0">
-                      <a:solidFill>
-                        <a:srgbClr val="000000">
-                          <a:alpha val="100000"/>
-                        </a:srgbClr>
-                      </a:solidFill>
+                      <a:noFill/>
+                      <a:prstDash val="solid"/>
+                    </a:lnL>
+                    <a:lnR algn="ctr" cmpd="sng" cap="flat" w="0">
+                      <a:noFill/>
                       <a:prstDash val="solid"/>
                     </a:lnR>
                     <a:lnT algn="ctr" cmpd="sng" cap="flat" w="12700">
@@ -12901,19 +10793,11 @@
                   </a:txBody>
                   <a:tcPr anchor="ctr" marB="0" marT="0" marR="0" marL="0">
                     <a:lnL algn="ctr" cmpd="sng" cap="flat" w="0">
-                      <a:solidFill>
-                        <a:srgbClr val="000000">
-                          <a:alpha val="100000"/>
-                        </a:srgbClr>
-                      </a:solidFill>
-                      <a:prstDash val="solid"/>
-                    </a:lnL>
-                    <a:lnR algn="ctr" cmpd="sng" cap="flat" w="0">
-                      <a:solidFill>
-                        <a:srgbClr val="000000">
-                          <a:alpha val="100000"/>
-                        </a:srgbClr>
-                      </a:solidFill>
+                      <a:noFill/>
+                      <a:prstDash val="solid"/>
+                    </a:lnL>
+                    <a:lnR algn="ctr" cmpd="sng" cap="flat" w="0">
+                      <a:noFill/>
                       <a:prstDash val="solid"/>
                     </a:lnR>
                     <a:lnT algn="ctr" cmpd="sng" cap="flat" w="12700">
@@ -12964,19 +10848,11 @@
                   </a:txBody>
                   <a:tcPr anchor="ctr" marB="0" marT="0" marR="0" marL="0">
                     <a:lnL algn="ctr" cmpd="sng" cap="flat" w="0">
-                      <a:solidFill>
-                        <a:srgbClr val="000000">
-                          <a:alpha val="100000"/>
-                        </a:srgbClr>
-                      </a:solidFill>
-                      <a:prstDash val="solid"/>
-                    </a:lnL>
-                    <a:lnR algn="ctr" cmpd="sng" cap="flat" w="0">
-                      <a:solidFill>
-                        <a:srgbClr val="000000">
-                          <a:alpha val="100000"/>
-                        </a:srgbClr>
-                      </a:solidFill>
+                      <a:noFill/>
+                      <a:prstDash val="solid"/>
+                    </a:lnL>
+                    <a:lnR algn="ctr" cmpd="sng" cap="flat" w="0">
+                      <a:noFill/>
                       <a:prstDash val="solid"/>
                     </a:lnR>
                     <a:lnT algn="ctr" cmpd="sng" cap="flat" w="12700">
@@ -13027,19 +10903,11 @@
                   </a:txBody>
                   <a:tcPr anchor="ctr" marB="0" marT="0" marR="0" marL="0">
                     <a:lnL algn="ctr" cmpd="sng" cap="flat" w="0">
-                      <a:solidFill>
-                        <a:srgbClr val="000000">
-                          <a:alpha val="100000"/>
-                        </a:srgbClr>
-                      </a:solidFill>
-                      <a:prstDash val="solid"/>
-                    </a:lnL>
-                    <a:lnR algn="ctr" cmpd="sng" cap="flat" w="0">
-                      <a:solidFill>
-                        <a:srgbClr val="000000">
-                          <a:alpha val="100000"/>
-                        </a:srgbClr>
-                      </a:solidFill>
+                      <a:noFill/>
+                      <a:prstDash val="solid"/>
+                    </a:lnL>
+                    <a:lnR algn="ctr" cmpd="sng" cap="flat" w="0">
+                      <a:noFill/>
                       <a:prstDash val="solid"/>
                     </a:lnR>
                     <a:lnT algn="ctr" cmpd="sng" cap="flat" w="12700">

--- a/articles/assets/flextable/flextable.pptx
+++ b/articles/assets/flextable/flextable.pptx
@@ -2200,7 +2200,7 @@
 
 <file path=ppt/slides/slide1.xml><?xml version="1.0" encoding="utf-8"?>
 <p:sld xmlns:a="http://schemas.openxmlformats.org/drawingml/2006/main" xmlns:r="http://schemas.openxmlformats.org/officeDocument/2006/relationships" xmlns:p="http://schemas.openxmlformats.org/presentationml/2006/main">
-  <p:cSld name="Title and Content">
+  <p:cSld>
     <p:spTree>
       <p:nvGrpSpPr>
         <p:cNvPr id="1" name=""/>
@@ -2239,7 +2239,7 @@
                 <a:gridCol w="476983"/>
                 <a:gridCol w="476983"/>
               </a:tblGrid>
-              <a:tr h="253233">
+              <a:tr h="253245">
                 <a:tc>
                   <a:txBody>
                     <a:bodyPr/>
@@ -2571,7 +2571,7 @@
                   </a:tcPr>
                 </a:tc>
               </a:tr>
-              <a:tr h="252042">
+              <a:tr h="252067">
                 <a:tc>
                   <a:txBody>
                     <a:bodyPr/>
@@ -2903,7 +2903,7 @@
                   </a:tcPr>
                 </a:tc>
               </a:tr>
-              <a:tr h="252042">
+              <a:tr h="252067">
                 <a:tc>
                   <a:txBody>
                     <a:bodyPr/>
@@ -3235,7 +3235,7 @@
                   </a:tcPr>
                 </a:tc>
               </a:tr>
-              <a:tr h="252042">
+              <a:tr h="252005">
                 <a:tc>
                   <a:txBody>
                     <a:bodyPr/>
@@ -3567,7 +3567,7 @@
                   </a:tcPr>
                 </a:tc>
               </a:tr>
-              <a:tr h="252042">
+              <a:tr h="252067">
                 <a:tc>
                   <a:txBody>
                     <a:bodyPr/>
@@ -3899,7 +3899,7 @@
                   </a:tcPr>
                 </a:tc>
               </a:tr>
-              <a:tr h="252042">
+              <a:tr h="252067">
                 <a:tc>
                   <a:txBody>
                     <a:bodyPr/>
@@ -4231,7 +4231,7 @@
                   </a:tcPr>
                 </a:tc>
               </a:tr>
-              <a:tr h="252042">
+              <a:tr h="252005">
                 <a:tc>
                   <a:txBody>
                     <a:bodyPr/>
@@ -4563,7 +4563,7 @@
                   </a:tcPr>
                 </a:tc>
               </a:tr>
-              <a:tr h="252042">
+              <a:tr h="252067">
                 <a:tc>
                   <a:txBody>
                     <a:bodyPr/>
@@ -4895,7 +4895,7 @@
                   </a:tcPr>
                 </a:tc>
               </a:tr>
-              <a:tr h="252042">
+              <a:tr h="252067">
                 <a:tc>
                   <a:txBody>
                     <a:bodyPr/>
@@ -5227,7 +5227,7 @@
                   </a:tcPr>
                 </a:tc>
               </a:tr>
-              <a:tr h="252042">
+              <a:tr h="252067">
                 <a:tc>
                   <a:txBody>
                     <a:bodyPr/>
@@ -5559,7 +5559,7 @@
                   </a:tcPr>
                 </a:tc>
               </a:tr>
-              <a:tr h="252042">
+              <a:tr h="252067">
                 <a:tc>
                   <a:txBody>
                     <a:bodyPr/>
@@ -5891,7 +5891,7 @@
                   </a:tcPr>
                 </a:tc>
               </a:tr>
-              <a:tr h="252042">
+              <a:tr h="252005">
                 <a:tc>
                   <a:txBody>
                     <a:bodyPr/>
@@ -6223,7 +6223,7 @@
                   </a:tcPr>
                 </a:tc>
               </a:tr>
-              <a:tr h="252042">
+              <a:tr h="252067">
                 <a:tc>
                   <a:txBody>
                     <a:bodyPr/>
@@ -6560,11 +6560,6 @@
         </a:graphic>
       </p:graphicFrame>
     </p:spTree>
-    <p:extLst>
-      <p:ext uri="{BB962C8B-B14F-4D97-AF65-F5344CB8AC3E}">
-        <p14:creationId xmlns:p14="http://schemas.microsoft.com/office/powerpoint/2010/main" val="271576982"/>
-      </p:ext>
-    </p:extLst>
   </p:cSld>
   <p:clrMapOvr>
     <a:masterClrMapping/>
@@ -6574,7 +6569,7 @@
 
 <file path=ppt/slides/slide2.xml><?xml version="1.0" encoding="utf-8"?>
 <p:sld xmlns:a="http://schemas.openxmlformats.org/drawingml/2006/main" xmlns:r="http://schemas.openxmlformats.org/officeDocument/2006/relationships" xmlns:p="http://schemas.openxmlformats.org/presentationml/2006/main">
-  <p:cSld name="Title Only">
+  <p:cSld>
     <p:spTree>
       <p:nvGrpSpPr>
         <p:cNvPr id="1" name=""/>
@@ -6598,7 +6593,7 @@
           <p:nvPr/>
         </p:nvGraphicFramePr>
         <p:xfrm rot="0">
-          <a:off x="2743200" y="3657600"/>
+          <a:off x="3" y="4"/>
           <a:ext cx="0" cy="0"/>
         </p:xfrm>
         <a:graphic>
@@ -6613,7 +6608,7 @@
                 <a:gridCol w="476983"/>
                 <a:gridCol w="476983"/>
               </a:tblGrid>
-              <a:tr h="253233">
+              <a:tr h="253245">
                 <a:tc>
                   <a:txBody>
                     <a:bodyPr/>
@@ -6945,7 +6940,7 @@
                   </a:tcPr>
                 </a:tc>
               </a:tr>
-              <a:tr h="252042">
+              <a:tr h="252067">
                 <a:tc>
                   <a:txBody>
                     <a:bodyPr/>
@@ -7277,7 +7272,7 @@
                   </a:tcPr>
                 </a:tc>
               </a:tr>
-              <a:tr h="252042">
+              <a:tr h="252067">
                 <a:tc>
                   <a:txBody>
                     <a:bodyPr/>
@@ -7609,7 +7604,7 @@
                   </a:tcPr>
                 </a:tc>
               </a:tr>
-              <a:tr h="252042">
+              <a:tr h="252005">
                 <a:tc>
                   <a:txBody>
                     <a:bodyPr/>
@@ -7941,7 +7936,7 @@
                   </a:tcPr>
                 </a:tc>
               </a:tr>
-              <a:tr h="252042">
+              <a:tr h="252067">
                 <a:tc>
                   <a:txBody>
                     <a:bodyPr/>
@@ -8273,7 +8268,7 @@
                   </a:tcPr>
                 </a:tc>
               </a:tr>
-              <a:tr h="252042">
+              <a:tr h="252067">
                 <a:tc>
                   <a:txBody>
                     <a:bodyPr/>
@@ -8605,7 +8600,7 @@
                   </a:tcPr>
                 </a:tc>
               </a:tr>
-              <a:tr h="252042">
+              <a:tr h="252005">
                 <a:tc>
                   <a:txBody>
                     <a:bodyPr/>
@@ -8937,7 +8932,7 @@
                   </a:tcPr>
                 </a:tc>
               </a:tr>
-              <a:tr h="252042">
+              <a:tr h="252067">
                 <a:tc>
                   <a:txBody>
                     <a:bodyPr/>
@@ -9269,7 +9264,7 @@
                   </a:tcPr>
                 </a:tc>
               </a:tr>
-              <a:tr h="252042">
+              <a:tr h="252067">
                 <a:tc>
                   <a:txBody>
                     <a:bodyPr/>
@@ -9601,7 +9596,7 @@
                   </a:tcPr>
                 </a:tc>
               </a:tr>
-              <a:tr h="252042">
+              <a:tr h="252067">
                 <a:tc>
                   <a:txBody>
                     <a:bodyPr/>
@@ -9933,7 +9928,7 @@
                   </a:tcPr>
                 </a:tc>
               </a:tr>
-              <a:tr h="252042">
+              <a:tr h="252067">
                 <a:tc>
                   <a:txBody>
                     <a:bodyPr/>
@@ -10265,7 +10260,7 @@
                   </a:tcPr>
                 </a:tc>
               </a:tr>
-              <a:tr h="252042">
+              <a:tr h="252005">
                 <a:tc>
                   <a:txBody>
                     <a:bodyPr/>
@@ -10597,7 +10592,7 @@
                   </a:tcPr>
                 </a:tc>
               </a:tr>
-              <a:tr h="252042">
+              <a:tr h="252067">
                 <a:tc>
                   <a:txBody>
                     <a:bodyPr/>
@@ -10934,11 +10929,6 @@
         </a:graphic>
       </p:graphicFrame>
     </p:spTree>
-    <p:extLst>
-      <p:ext uri="{BB962C8B-B14F-4D97-AF65-F5344CB8AC3E}">
-        <p14:creationId xmlns:p14="http://schemas.microsoft.com/office/powerpoint/2010/main" val="1385807973"/>
-      </p:ext>
-    </p:extLst>
   </p:cSld>
   <p:clrMapOvr>
     <a:masterClrMapping/>

--- a/articles/assets/flextable/flextable.pptx
+++ b/articles/assets/flextable/flextable.pptx
@@ -6593,7 +6593,7 @@
           <p:nvPr/>
         </p:nvGraphicFramePr>
         <p:xfrm rot="0">
-          <a:off x="3" y="4"/>
+          <a:off x="2743200" y="3657600"/>
           <a:ext cx="0" cy="0"/>
         </p:xfrm>
         <a:graphic>

--- a/articles/assets/flextable/flextable.pptx
+++ b/articles/assets/flextable/flextable.pptx
@@ -6593,7 +6593,7 @@
           <p:nvPr/>
         </p:nvGraphicFramePr>
         <p:xfrm rot="0">
-          <a:off x="2743200" y="3657600"/>
+          <a:off x="2508382080000" y="3344509440000"/>
           <a:ext cx="0" cy="0"/>
         </p:xfrm>
         <a:graphic>

--- a/articles/assets/flextable/flextable.pptx
+++ b/articles/assets/flextable/flextable.pptx
@@ -6593,7 +6593,7 @@
           <p:nvPr/>
         </p:nvGraphicFramePr>
         <p:xfrm rot="0">
-          <a:off x="2508382080000" y="3344509440000"/>
+          <a:off x="2743200" y="3657600"/>
           <a:ext cx="0" cy="0"/>
         </p:xfrm>
         <a:graphic>

--- a/articles/assets/flextable/flextable.pptx
+++ b/articles/assets/flextable/flextable.pptx
@@ -2217,7 +2217,7 @@
       </p:grpSpPr>
       <p:graphicFrame xmlns:a="http://schemas.openxmlformats.org/drawingml/2006/main" xmlns:r="http://schemas.openxmlformats.org/officeDocument/2006/relationships" xmlns:p="http://schemas.openxmlformats.org/presentationml/2006/main">
         <p:nvGraphicFramePr>
-          <p:cNvPr name="" id="2"/>
+          <p:cNvPr id="2" name=""/>
           <p:cNvGraphicFramePr>
             <a:graphicFrameLocks noGrp="true"/>
           </p:cNvGraphicFramePr>
@@ -2239,7 +2239,7 @@
                 <a:gridCol w="476983"/>
                 <a:gridCol w="476983"/>
               </a:tblGrid>
-              <a:tr h="253245">
+              <a:tr h="253233">
                 <a:tc>
                   <a:txBody>
                     <a:bodyPr/>
@@ -2571,7 +2571,7 @@
                   </a:tcPr>
                 </a:tc>
               </a:tr>
-              <a:tr h="252067">
+              <a:tr h="252042">
                 <a:tc>
                   <a:txBody>
                     <a:bodyPr/>
@@ -2903,7 +2903,7 @@
                   </a:tcPr>
                 </a:tc>
               </a:tr>
-              <a:tr h="252067">
+              <a:tr h="252042">
                 <a:tc>
                   <a:txBody>
                     <a:bodyPr/>
@@ -3235,7 +3235,7 @@
                   </a:tcPr>
                 </a:tc>
               </a:tr>
-              <a:tr h="252005">
+              <a:tr h="252042">
                 <a:tc>
                   <a:txBody>
                     <a:bodyPr/>
@@ -3567,7 +3567,7 @@
                   </a:tcPr>
                 </a:tc>
               </a:tr>
-              <a:tr h="252067">
+              <a:tr h="252042">
                 <a:tc>
                   <a:txBody>
                     <a:bodyPr/>
@@ -3899,7 +3899,7 @@
                   </a:tcPr>
                 </a:tc>
               </a:tr>
-              <a:tr h="252067">
+              <a:tr h="252042">
                 <a:tc>
                   <a:txBody>
                     <a:bodyPr/>
@@ -4231,7 +4231,7 @@
                   </a:tcPr>
                 </a:tc>
               </a:tr>
-              <a:tr h="252005">
+              <a:tr h="252042">
                 <a:tc>
                   <a:txBody>
                     <a:bodyPr/>
@@ -4563,7 +4563,7 @@
                   </a:tcPr>
                 </a:tc>
               </a:tr>
-              <a:tr h="252067">
+              <a:tr h="252042">
                 <a:tc>
                   <a:txBody>
                     <a:bodyPr/>
@@ -4895,7 +4895,7 @@
                   </a:tcPr>
                 </a:tc>
               </a:tr>
-              <a:tr h="252067">
+              <a:tr h="252042">
                 <a:tc>
                   <a:txBody>
                     <a:bodyPr/>
@@ -5227,7 +5227,7 @@
                   </a:tcPr>
                 </a:tc>
               </a:tr>
-              <a:tr h="252067">
+              <a:tr h="252042">
                 <a:tc>
                   <a:txBody>
                     <a:bodyPr/>
@@ -5559,7 +5559,7 @@
                   </a:tcPr>
                 </a:tc>
               </a:tr>
-              <a:tr h="252067">
+              <a:tr h="252042">
                 <a:tc>
                   <a:txBody>
                     <a:bodyPr/>
@@ -5891,7 +5891,7 @@
                   </a:tcPr>
                 </a:tc>
               </a:tr>
-              <a:tr h="252005">
+              <a:tr h="252042">
                 <a:tc>
                   <a:txBody>
                     <a:bodyPr/>
@@ -6223,7 +6223,7 @@
                   </a:tcPr>
                 </a:tc>
               </a:tr>
-              <a:tr h="252067">
+              <a:tr h="252042">
                 <a:tc>
                   <a:txBody>
                     <a:bodyPr/>
@@ -6586,7 +6586,7 @@
       </p:grpSpPr>
       <p:graphicFrame xmlns:a="http://schemas.openxmlformats.org/drawingml/2006/main" xmlns:r="http://schemas.openxmlformats.org/officeDocument/2006/relationships" xmlns:p="http://schemas.openxmlformats.org/presentationml/2006/main">
         <p:nvGraphicFramePr>
-          <p:cNvPr name="" id="2"/>
+          <p:cNvPr id="2" name=""/>
           <p:cNvGraphicFramePr>
             <a:graphicFrameLocks noGrp="true"/>
           </p:cNvGraphicFramePr>
@@ -6608,7 +6608,7 @@
                 <a:gridCol w="476983"/>
                 <a:gridCol w="476983"/>
               </a:tblGrid>
-              <a:tr h="253245">
+              <a:tr h="253233">
                 <a:tc>
                   <a:txBody>
                     <a:bodyPr/>
@@ -6940,7 +6940,7 @@
                   </a:tcPr>
                 </a:tc>
               </a:tr>
-              <a:tr h="252067">
+              <a:tr h="252042">
                 <a:tc>
                   <a:txBody>
                     <a:bodyPr/>
@@ -7272,7 +7272,7 @@
                   </a:tcPr>
                 </a:tc>
               </a:tr>
-              <a:tr h="252067">
+              <a:tr h="252042">
                 <a:tc>
                   <a:txBody>
                     <a:bodyPr/>
@@ -7604,7 +7604,7 @@
                   </a:tcPr>
                 </a:tc>
               </a:tr>
-              <a:tr h="252005">
+              <a:tr h="252042">
                 <a:tc>
                   <a:txBody>
                     <a:bodyPr/>
@@ -7936,7 +7936,7 @@
                   </a:tcPr>
                 </a:tc>
               </a:tr>
-              <a:tr h="252067">
+              <a:tr h="252042">
                 <a:tc>
                   <a:txBody>
                     <a:bodyPr/>
@@ -8268,7 +8268,7 @@
                   </a:tcPr>
                 </a:tc>
               </a:tr>
-              <a:tr h="252067">
+              <a:tr h="252042">
                 <a:tc>
                   <a:txBody>
                     <a:bodyPr/>
@@ -8600,7 +8600,7 @@
                   </a:tcPr>
                 </a:tc>
               </a:tr>
-              <a:tr h="252005">
+              <a:tr h="252042">
                 <a:tc>
                   <a:txBody>
                     <a:bodyPr/>
@@ -8932,7 +8932,7 @@
                   </a:tcPr>
                 </a:tc>
               </a:tr>
-              <a:tr h="252067">
+              <a:tr h="252042">
                 <a:tc>
                   <a:txBody>
                     <a:bodyPr/>
@@ -9264,7 +9264,7 @@
                   </a:tcPr>
                 </a:tc>
               </a:tr>
-              <a:tr h="252067">
+              <a:tr h="252042">
                 <a:tc>
                   <a:txBody>
                     <a:bodyPr/>
@@ -9596,7 +9596,7 @@
                   </a:tcPr>
                 </a:tc>
               </a:tr>
-              <a:tr h="252067">
+              <a:tr h="252042">
                 <a:tc>
                   <a:txBody>
                     <a:bodyPr/>
@@ -9928,7 +9928,7 @@
                   </a:tcPr>
                 </a:tc>
               </a:tr>
-              <a:tr h="252067">
+              <a:tr h="252042">
                 <a:tc>
                   <a:txBody>
                     <a:bodyPr/>
@@ -10260,7 +10260,7 @@
                   </a:tcPr>
                 </a:tc>
               </a:tr>
-              <a:tr h="252005">
+              <a:tr h="252042">
                 <a:tc>
                   <a:txBody>
                     <a:bodyPr/>
@@ -10592,7 +10592,7 @@
                   </a:tcPr>
                 </a:tc>
               </a:tr>
-              <a:tr h="252067">
+              <a:tr h="252042">
                 <a:tc>
                   <a:txBody>
                     <a:bodyPr/>

--- a/articles/assets/flextable/flextable.pptx
+++ b/articles/assets/flextable/flextable.pptx
@@ -2233,8 +2233,8 @@
               <a:tblPr/>
               <a:tblGrid>
                 <a:gridCol w="1027399"/>
-                <a:gridCol w="603797"/>
-                <a:gridCol w="780221"/>
+                <a:gridCol w="582775"/>
+                <a:gridCol w="730921"/>
                 <a:gridCol w="300436"/>
                 <a:gridCol w="476983"/>
                 <a:gridCol w="476983"/>
@@ -2255,7 +2255,7 @@
                         <a:buNone/>
                       </a:pPr>
                       <a:r>
-                        <a:rPr sz="1000" b="1">
+                        <a:rPr sz="1000">
                           <a:solidFill>
                             <a:srgbClr val="000000">
                               <a:alpha val="100000"/>
@@ -2310,7 +2310,7 @@
                         <a:buNone/>
                       </a:pPr>
                       <a:r>
-                        <a:rPr sz="1000" b="1">
+                        <a:rPr sz="1000">
                           <a:solidFill>
                             <a:srgbClr val="000000">
                               <a:alpha val="100000"/>
@@ -2365,7 +2365,7 @@
                         <a:buNone/>
                       </a:pPr>
                       <a:r>
-                        <a:rPr sz="1000" b="1">
+                        <a:rPr sz="1000">
                           <a:solidFill>
                             <a:srgbClr val="000000">
                               <a:alpha val="100000"/>
@@ -2420,7 +2420,7 @@
                         <a:buNone/>
                       </a:pPr>
                       <a:r>
-                        <a:rPr sz="1000" b="1">
+                        <a:rPr sz="1000">
                           <a:solidFill>
                             <a:srgbClr val="000000">
                               <a:alpha val="100000"/>
@@ -2475,7 +2475,7 @@
                         <a:buNone/>
                       </a:pPr>
                       <a:r>
-                        <a:rPr sz="1000" b="1">
+                        <a:rPr sz="1000">
                           <a:solidFill>
                             <a:srgbClr val="000000">
                               <a:alpha val="100000"/>
@@ -2530,7 +2530,7 @@
                         <a:buNone/>
                       </a:pPr>
                       <a:r>
-                        <a:rPr sz="1000" b="1">
+                        <a:rPr sz="1000">
                           <a:solidFill>
                             <a:srgbClr val="000000">
                               <a:alpha val="100000"/>
@@ -2609,12 +2609,8 @@
                       <a:noFill/>
                       <a:prstDash val="solid"/>
                     </a:lnR>
-                    <a:lnT algn="ctr" cmpd="sng" cap="flat" w="12700">
-                      <a:solidFill>
-                        <a:srgbClr val="000000">
-                          <a:alpha val="100000"/>
-                        </a:srgbClr>
-                      </a:solidFill>
+                    <a:lnT algn="ctr" cmpd="sng" cap="flat" w="0">
+                      <a:noFill/>
                       <a:prstDash val="solid"/>
                     </a:lnT>
                     <a:lnB algn="ctr" cmpd="sng" cap="flat" w="12700">
@@ -2664,12 +2660,8 @@
                       <a:noFill/>
                       <a:prstDash val="solid"/>
                     </a:lnR>
-                    <a:lnT algn="ctr" cmpd="sng" cap="flat" w="12700">
-                      <a:solidFill>
-                        <a:srgbClr val="000000">
-                          <a:alpha val="100000"/>
-                        </a:srgbClr>
-                      </a:solidFill>
+                    <a:lnT algn="ctr" cmpd="sng" cap="flat" w="0">
+                      <a:noFill/>
                       <a:prstDash val="solid"/>
                     </a:lnT>
                     <a:lnB algn="ctr" cmpd="sng" cap="flat" w="12700">
@@ -2719,12 +2711,8 @@
                       <a:noFill/>
                       <a:prstDash val="solid"/>
                     </a:lnR>
-                    <a:lnT algn="ctr" cmpd="sng" cap="flat" w="12700">
-                      <a:solidFill>
-                        <a:srgbClr val="000000">
-                          <a:alpha val="100000"/>
-                        </a:srgbClr>
-                      </a:solidFill>
+                    <a:lnT algn="ctr" cmpd="sng" cap="flat" w="0">
+                      <a:noFill/>
                       <a:prstDash val="solid"/>
                     </a:lnT>
                     <a:lnB algn="ctr" cmpd="sng" cap="flat" w="12700">
@@ -2774,12 +2762,8 @@
                       <a:noFill/>
                       <a:prstDash val="solid"/>
                     </a:lnR>
-                    <a:lnT algn="ctr" cmpd="sng" cap="flat" w="12700">
-                      <a:solidFill>
-                        <a:srgbClr val="000000">
-                          <a:alpha val="100000"/>
-                        </a:srgbClr>
-                      </a:solidFill>
+                    <a:lnT algn="ctr" cmpd="sng" cap="flat" w="0">
+                      <a:noFill/>
                       <a:prstDash val="solid"/>
                     </a:lnT>
                     <a:lnB algn="ctr" cmpd="sng" cap="flat" w="12700">
@@ -2829,12 +2813,8 @@
                       <a:noFill/>
                       <a:prstDash val="solid"/>
                     </a:lnR>
-                    <a:lnT algn="ctr" cmpd="sng" cap="flat" w="12700">
-                      <a:solidFill>
-                        <a:srgbClr val="000000">
-                          <a:alpha val="100000"/>
-                        </a:srgbClr>
-                      </a:solidFill>
+                    <a:lnT algn="ctr" cmpd="sng" cap="flat" w="0">
+                      <a:noFill/>
                       <a:prstDash val="solid"/>
                     </a:lnT>
                     <a:lnB algn="ctr" cmpd="sng" cap="flat" w="12700">
@@ -2884,12 +2864,8 @@
                       <a:noFill/>
                       <a:prstDash val="solid"/>
                     </a:lnR>
-                    <a:lnT algn="ctr" cmpd="sng" cap="flat" w="12700">
-                      <a:solidFill>
-                        <a:srgbClr val="000000">
-                          <a:alpha val="100000"/>
-                        </a:srgbClr>
-                      </a:solidFill>
+                    <a:lnT algn="ctr" cmpd="sng" cap="flat" w="0">
+                      <a:noFill/>
                       <a:prstDash val="solid"/>
                     </a:lnT>
                     <a:lnB algn="ctr" cmpd="sng" cap="flat" w="12700">
@@ -6261,12 +6237,8 @@
                       <a:noFill/>
                       <a:prstDash val="solid"/>
                     </a:lnR>
-                    <a:lnT algn="ctr" cmpd="sng" cap="flat" w="12700">
-                      <a:solidFill>
-                        <a:srgbClr val="000000">
-                          <a:alpha val="100000"/>
-                        </a:srgbClr>
-                      </a:solidFill>
+                    <a:lnT algn="ctr" cmpd="sng" cap="flat" w="0">
+                      <a:noFill/>
                       <a:prstDash val="solid"/>
                     </a:lnT>
                     <a:lnB algn="ctr" cmpd="sng" cap="flat" w="25400">
@@ -6316,12 +6288,8 @@
                       <a:noFill/>
                       <a:prstDash val="solid"/>
                     </a:lnR>
-                    <a:lnT algn="ctr" cmpd="sng" cap="flat" w="12700">
-                      <a:solidFill>
-                        <a:srgbClr val="000000">
-                          <a:alpha val="100000"/>
-                        </a:srgbClr>
-                      </a:solidFill>
+                    <a:lnT algn="ctr" cmpd="sng" cap="flat" w="0">
+                      <a:noFill/>
                       <a:prstDash val="solid"/>
                     </a:lnT>
                     <a:lnB algn="ctr" cmpd="sng" cap="flat" w="25400">
@@ -6371,12 +6339,8 @@
                       <a:noFill/>
                       <a:prstDash val="solid"/>
                     </a:lnR>
-                    <a:lnT algn="ctr" cmpd="sng" cap="flat" w="12700">
-                      <a:solidFill>
-                        <a:srgbClr val="000000">
-                          <a:alpha val="100000"/>
-                        </a:srgbClr>
-                      </a:solidFill>
+                    <a:lnT algn="ctr" cmpd="sng" cap="flat" w="0">
+                      <a:noFill/>
                       <a:prstDash val="solid"/>
                     </a:lnT>
                     <a:lnB algn="ctr" cmpd="sng" cap="flat" w="25400">
@@ -6426,12 +6390,8 @@
                       <a:noFill/>
                       <a:prstDash val="solid"/>
                     </a:lnR>
-                    <a:lnT algn="ctr" cmpd="sng" cap="flat" w="12700">
-                      <a:solidFill>
-                        <a:srgbClr val="000000">
-                          <a:alpha val="100000"/>
-                        </a:srgbClr>
-                      </a:solidFill>
+                    <a:lnT algn="ctr" cmpd="sng" cap="flat" w="0">
+                      <a:noFill/>
                       <a:prstDash val="solid"/>
                     </a:lnT>
                     <a:lnB algn="ctr" cmpd="sng" cap="flat" w="25400">
@@ -6481,12 +6441,8 @@
                       <a:noFill/>
                       <a:prstDash val="solid"/>
                     </a:lnR>
-                    <a:lnT algn="ctr" cmpd="sng" cap="flat" w="12700">
-                      <a:solidFill>
-                        <a:srgbClr val="000000">
-                          <a:alpha val="100000"/>
-                        </a:srgbClr>
-                      </a:solidFill>
+                    <a:lnT algn="ctr" cmpd="sng" cap="flat" w="0">
+                      <a:noFill/>
                       <a:prstDash val="solid"/>
                     </a:lnT>
                     <a:lnB algn="ctr" cmpd="sng" cap="flat" w="25400">
@@ -6536,12 +6492,8 @@
                       <a:noFill/>
                       <a:prstDash val="solid"/>
                     </a:lnR>
-                    <a:lnT algn="ctr" cmpd="sng" cap="flat" w="12700">
-                      <a:solidFill>
-                        <a:srgbClr val="000000">
-                          <a:alpha val="100000"/>
-                        </a:srgbClr>
-                      </a:solidFill>
+                    <a:lnT algn="ctr" cmpd="sng" cap="flat" w="0">
+                      <a:noFill/>
                       <a:prstDash val="solid"/>
                     </a:lnT>
                     <a:lnB algn="ctr" cmpd="sng" cap="flat" w="25400">
@@ -6602,8 +6554,8 @@
               <a:tblPr/>
               <a:tblGrid>
                 <a:gridCol w="1027399"/>
-                <a:gridCol w="603797"/>
-                <a:gridCol w="780221"/>
+                <a:gridCol w="582775"/>
+                <a:gridCol w="730921"/>
                 <a:gridCol w="300436"/>
                 <a:gridCol w="476983"/>
                 <a:gridCol w="476983"/>
@@ -6624,7 +6576,7 @@
                         <a:buNone/>
                       </a:pPr>
                       <a:r>
-                        <a:rPr sz="1000" b="1">
+                        <a:rPr sz="1000">
                           <a:solidFill>
                             <a:srgbClr val="000000">
                               <a:alpha val="100000"/>
@@ -6679,7 +6631,7 @@
                         <a:buNone/>
                       </a:pPr>
                       <a:r>
-                        <a:rPr sz="1000" b="1">
+                        <a:rPr sz="1000">
                           <a:solidFill>
                             <a:srgbClr val="000000">
                               <a:alpha val="100000"/>
@@ -6734,7 +6686,7 @@
                         <a:buNone/>
                       </a:pPr>
                       <a:r>
-                        <a:rPr sz="1000" b="1">
+                        <a:rPr sz="1000">
                           <a:solidFill>
                             <a:srgbClr val="000000">
                               <a:alpha val="100000"/>
@@ -6789,7 +6741,7 @@
                         <a:buNone/>
                       </a:pPr>
                       <a:r>
-                        <a:rPr sz="1000" b="1">
+                        <a:rPr sz="1000">
                           <a:solidFill>
                             <a:srgbClr val="000000">
                               <a:alpha val="100000"/>
@@ -6844,7 +6796,7 @@
                         <a:buNone/>
                       </a:pPr>
                       <a:r>
-                        <a:rPr sz="1000" b="1">
+                        <a:rPr sz="1000">
                           <a:solidFill>
                             <a:srgbClr val="000000">
                               <a:alpha val="100000"/>
@@ -6899,7 +6851,7 @@
                         <a:buNone/>
                       </a:pPr>
                       <a:r>
-                        <a:rPr sz="1000" b="1">
+                        <a:rPr sz="1000">
                           <a:solidFill>
                             <a:srgbClr val="000000">
                               <a:alpha val="100000"/>
@@ -6978,12 +6930,8 @@
                       <a:noFill/>
                       <a:prstDash val="solid"/>
                     </a:lnR>
-                    <a:lnT algn="ctr" cmpd="sng" cap="flat" w="12700">
-                      <a:solidFill>
-                        <a:srgbClr val="000000">
-                          <a:alpha val="100000"/>
-                        </a:srgbClr>
-                      </a:solidFill>
+                    <a:lnT algn="ctr" cmpd="sng" cap="flat" w="0">
+                      <a:noFill/>
                       <a:prstDash val="solid"/>
                     </a:lnT>
                     <a:lnB algn="ctr" cmpd="sng" cap="flat" w="12700">
@@ -7033,12 +6981,8 @@
                       <a:noFill/>
                       <a:prstDash val="solid"/>
                     </a:lnR>
-                    <a:lnT algn="ctr" cmpd="sng" cap="flat" w="12700">
-                      <a:solidFill>
-                        <a:srgbClr val="000000">
-                          <a:alpha val="100000"/>
-                        </a:srgbClr>
-                      </a:solidFill>
+                    <a:lnT algn="ctr" cmpd="sng" cap="flat" w="0">
+                      <a:noFill/>
                       <a:prstDash val="solid"/>
                     </a:lnT>
                     <a:lnB algn="ctr" cmpd="sng" cap="flat" w="12700">
@@ -7088,12 +7032,8 @@
                       <a:noFill/>
                       <a:prstDash val="solid"/>
                     </a:lnR>
-                    <a:lnT algn="ctr" cmpd="sng" cap="flat" w="12700">
-                      <a:solidFill>
-                        <a:srgbClr val="000000">
-                          <a:alpha val="100000"/>
-                        </a:srgbClr>
-                      </a:solidFill>
+                    <a:lnT algn="ctr" cmpd="sng" cap="flat" w="0">
+                      <a:noFill/>
                       <a:prstDash val="solid"/>
                     </a:lnT>
                     <a:lnB algn="ctr" cmpd="sng" cap="flat" w="12700">
@@ -7143,12 +7083,8 @@
                       <a:noFill/>
                       <a:prstDash val="solid"/>
                     </a:lnR>
-                    <a:lnT algn="ctr" cmpd="sng" cap="flat" w="12700">
-                      <a:solidFill>
-                        <a:srgbClr val="000000">
-                          <a:alpha val="100000"/>
-                        </a:srgbClr>
-                      </a:solidFill>
+                    <a:lnT algn="ctr" cmpd="sng" cap="flat" w="0">
+                      <a:noFill/>
                       <a:prstDash val="solid"/>
                     </a:lnT>
                     <a:lnB algn="ctr" cmpd="sng" cap="flat" w="12700">
@@ -7198,12 +7134,8 @@
                       <a:noFill/>
                       <a:prstDash val="solid"/>
                     </a:lnR>
-                    <a:lnT algn="ctr" cmpd="sng" cap="flat" w="12700">
-                      <a:solidFill>
-                        <a:srgbClr val="000000">
-                          <a:alpha val="100000"/>
-                        </a:srgbClr>
-                      </a:solidFill>
+                    <a:lnT algn="ctr" cmpd="sng" cap="flat" w="0">
+                      <a:noFill/>
                       <a:prstDash val="solid"/>
                     </a:lnT>
                     <a:lnB algn="ctr" cmpd="sng" cap="flat" w="12700">
@@ -7253,12 +7185,8 @@
                       <a:noFill/>
                       <a:prstDash val="solid"/>
                     </a:lnR>
-                    <a:lnT algn="ctr" cmpd="sng" cap="flat" w="12700">
-                      <a:solidFill>
-                        <a:srgbClr val="000000">
-                          <a:alpha val="100000"/>
-                        </a:srgbClr>
-                      </a:solidFill>
+                    <a:lnT algn="ctr" cmpd="sng" cap="flat" w="0">
+                      <a:noFill/>
                       <a:prstDash val="solid"/>
                     </a:lnT>
                     <a:lnB algn="ctr" cmpd="sng" cap="flat" w="12700">
@@ -10630,12 +10558,8 @@
                       <a:noFill/>
                       <a:prstDash val="solid"/>
                     </a:lnR>
-                    <a:lnT algn="ctr" cmpd="sng" cap="flat" w="12700">
-                      <a:solidFill>
-                        <a:srgbClr val="000000">
-                          <a:alpha val="100000"/>
-                        </a:srgbClr>
-                      </a:solidFill>
+                    <a:lnT algn="ctr" cmpd="sng" cap="flat" w="0">
+                      <a:noFill/>
                       <a:prstDash val="solid"/>
                     </a:lnT>
                     <a:lnB algn="ctr" cmpd="sng" cap="flat" w="25400">
@@ -10685,12 +10609,8 @@
                       <a:noFill/>
                       <a:prstDash val="solid"/>
                     </a:lnR>
-                    <a:lnT algn="ctr" cmpd="sng" cap="flat" w="12700">
-                      <a:solidFill>
-                        <a:srgbClr val="000000">
-                          <a:alpha val="100000"/>
-                        </a:srgbClr>
-                      </a:solidFill>
+                    <a:lnT algn="ctr" cmpd="sng" cap="flat" w="0">
+                      <a:noFill/>
                       <a:prstDash val="solid"/>
                     </a:lnT>
                     <a:lnB algn="ctr" cmpd="sng" cap="flat" w="25400">
@@ -10740,12 +10660,8 @@
                       <a:noFill/>
                       <a:prstDash val="solid"/>
                     </a:lnR>
-                    <a:lnT algn="ctr" cmpd="sng" cap="flat" w="12700">
-                      <a:solidFill>
-                        <a:srgbClr val="000000">
-                          <a:alpha val="100000"/>
-                        </a:srgbClr>
-                      </a:solidFill>
+                    <a:lnT algn="ctr" cmpd="sng" cap="flat" w="0">
+                      <a:noFill/>
                       <a:prstDash val="solid"/>
                     </a:lnT>
                     <a:lnB algn="ctr" cmpd="sng" cap="flat" w="25400">
@@ -10795,12 +10711,8 @@
                       <a:noFill/>
                       <a:prstDash val="solid"/>
                     </a:lnR>
-                    <a:lnT algn="ctr" cmpd="sng" cap="flat" w="12700">
-                      <a:solidFill>
-                        <a:srgbClr val="000000">
-                          <a:alpha val="100000"/>
-                        </a:srgbClr>
-                      </a:solidFill>
+                    <a:lnT algn="ctr" cmpd="sng" cap="flat" w="0">
+                      <a:noFill/>
                       <a:prstDash val="solid"/>
                     </a:lnT>
                     <a:lnB algn="ctr" cmpd="sng" cap="flat" w="25400">
@@ -10850,12 +10762,8 @@
                       <a:noFill/>
                       <a:prstDash val="solid"/>
                     </a:lnR>
-                    <a:lnT algn="ctr" cmpd="sng" cap="flat" w="12700">
-                      <a:solidFill>
-                        <a:srgbClr val="000000">
-                          <a:alpha val="100000"/>
-                        </a:srgbClr>
-                      </a:solidFill>
+                    <a:lnT algn="ctr" cmpd="sng" cap="flat" w="0">
+                      <a:noFill/>
                       <a:prstDash val="solid"/>
                     </a:lnT>
                     <a:lnB algn="ctr" cmpd="sng" cap="flat" w="25400">
@@ -10905,12 +10813,8 @@
                       <a:noFill/>
                       <a:prstDash val="solid"/>
                     </a:lnR>
-                    <a:lnT algn="ctr" cmpd="sng" cap="flat" w="12700">
-                      <a:solidFill>
-                        <a:srgbClr val="000000">
-                          <a:alpha val="100000"/>
-                        </a:srgbClr>
-                      </a:solidFill>
+                    <a:lnT algn="ctr" cmpd="sng" cap="flat" w="0">
+                      <a:noFill/>
                       <a:prstDash val="solid"/>
                     </a:lnT>
                     <a:lnB algn="ctr" cmpd="sng" cap="flat" w="25400">

--- a/articles/assets/flextable/flextable.pptx
+++ b/articles/assets/flextable/flextable.pptx
@@ -7607,8 +7607,8 @@
           <p:nvPr/>
         </p:nvGraphicFramePr>
         <p:xfrm rot="0">
-          <a:off x="2743200" y="3657600"/>
-          <a:ext cx="0" cy="0"/>
+          <a:off x="2743200" y="2743200"/>
+          <a:ext cx="3657600" cy="2743200"/>
         </p:xfrm>
         <a:graphic>
           <a:graphicData uri="http://schemas.openxmlformats.org/drawingml/2006/table">

--- a/articles/assets/flextable/flextable.pptx
+++ b/articles/assets/flextable/flextable.pptx
@@ -2232,12 +2232,12 @@
             <a:tbl>
               <a:tblPr/>
               <a:tblGrid>
-                <a:gridCol w="1225167"/>
-                <a:gridCol w="720255"/>
-                <a:gridCol w="899655"/>
-                <a:gridCol w="419573"/>
-                <a:gridCol w="617390"/>
-                <a:gridCol w="617390"/>
+                <a:gridCol w="1217186"/>
+                <a:gridCol w="718345"/>
+                <a:gridCol w="891947"/>
+                <a:gridCol w="417663"/>
+                <a:gridCol w="611319"/>
+                <a:gridCol w="611319"/>
               </a:tblGrid>
               <a:tr h="265313">
                 <a:tc>
@@ -7615,12 +7615,12 @@
             <a:tbl>
               <a:tblPr/>
               <a:tblGrid>
-                <a:gridCol w="1225167"/>
-                <a:gridCol w="720255"/>
-                <a:gridCol w="899655"/>
-                <a:gridCol w="419573"/>
-                <a:gridCol w="617390"/>
-                <a:gridCol w="617390"/>
+                <a:gridCol w="1217186"/>
+                <a:gridCol w="718345"/>
+                <a:gridCol w="891947"/>
+                <a:gridCol w="417663"/>
+                <a:gridCol w="611319"/>
+                <a:gridCol w="611319"/>
               </a:tblGrid>
               <a:tr h="265313">
                 <a:tc>

--- a/articles/assets/flextable/flextable.pptx
+++ b/articles/assets/flextable/flextable.pptx
@@ -2217,7 +2217,7 @@
       </p:grpSpPr>
       <p:graphicFrame xmlns:a="http://schemas.openxmlformats.org/drawingml/2006/main" xmlns:r="http://schemas.openxmlformats.org/officeDocument/2006/relationships" xmlns:p="http://schemas.openxmlformats.org/presentationml/2006/main">
         <p:nvGraphicFramePr>
-          <p:cNvPr id="2" name=""/>
+          <p:cNvPr id="2" name="Content Placeholder 2"/>
           <p:cNvGraphicFramePr>
             <a:graphicFrameLocks noGrp="true"/>
           </p:cNvGraphicFramePr>
